--- a/軟體品質管理期中專案報告_team4.pptx
+++ b/軟體品質管理期中專案報告_team4.pptx
@@ -12,7 +12,7 @@
     <p:sldId id="258" r:id="rId6"/>
     <p:sldId id="257" r:id="rId7"/>
     <p:sldId id="259" r:id="rId8"/>
-    <p:sldId id="263" r:id="rId9"/>
+    <p:sldId id="265" r:id="rId9"/>
     <p:sldId id="264" r:id="rId10"/>
     <p:sldId id="260" r:id="rId11"/>
     <p:sldId id="262" r:id="rId12"/>
@@ -216,7 +216,7 @@
           <a:p>
             <a:fld id="{77C96CCE-68B5-9B4D-B8A4-9D885A674F26}" type="datetimeFigureOut">
               <a:rPr lang="en-US" smtClean="0"/>
-              <a:t>4/23/2019</a:t>
+              <a:t>5/31/2019</a:t>
             </a:fld>
             <a:endParaRPr lang="en-US"/>
           </a:p>
@@ -532,22 +532,6 @@
               <a:rPr lang="en-US" dirty="0" smtClean="0"/>
               <a:t>Motivation</a:t>
             </a:r>
-            <a:r>
-              <a:rPr lang="en-US" baseline="0" dirty="0" smtClean="0"/>
-              <a:t> </a:t>
-            </a:r>
-            <a:r>
-              <a:rPr lang="zh-TW" altLang="en-US" baseline="0" dirty="0" smtClean="0"/>
-              <a:t>是</a:t>
-            </a:r>
-            <a:r>
-              <a:rPr lang="en-US" altLang="zh-TW" baseline="0" dirty="0" smtClean="0"/>
-              <a:t> </a:t>
-            </a:r>
-            <a:r>
-              <a:rPr lang="zh-TW" altLang="en-US" baseline="0" dirty="0" smtClean="0"/>
-              <a:t>為什麼要做這題目？</a:t>
-            </a:r>
             <a:endParaRPr lang="en-US" altLang="zh-TW" baseline="0" dirty="0" smtClean="0"/>
           </a:p>
           <a:p>
@@ -558,10 +542,6 @@
             <a:r>
               <a:rPr lang="en-US" baseline="0" dirty="0" smtClean="0"/>
               <a:t> human acting </a:t>
-            </a:r>
-            <a:r>
-              <a:rPr lang="zh-TW" altLang="en-US" baseline="0" dirty="0" smtClean="0"/>
-              <a:t>如何難</a:t>
             </a:r>
             <a:endParaRPr lang="en-US" altLang="zh-TW" baseline="0" dirty="0" smtClean="0"/>
           </a:p>
@@ -872,7 +852,7 @@
             <a:fld id="{8ACDB3CC-F982-40F9-8DD6-BCC9AFBF44BD}" type="datetime1">
               <a:rPr lang="en-US" smtClean="0"/>
               <a:pPr/>
-              <a:t>4/23/2019</a:t>
+              <a:t>5/31/2019</a:t>
             </a:fld>
             <a:endParaRPr lang="en-US" dirty="0"/>
           </a:p>
@@ -1042,7 +1022,7 @@
           <a:p>
             <a:fld id="{68C2560D-EC28-3B41-86E8-18F1CE0113B4}" type="datetimeFigureOut">
               <a:rPr lang="en-US" smtClean="0"/>
-              <a:t>4/23/2019</a:t>
+              <a:t>5/31/2019</a:t>
             </a:fld>
             <a:endParaRPr lang="en-US"/>
           </a:p>
@@ -1222,7 +1202,7 @@
           <a:p>
             <a:fld id="{68C2560D-EC28-3B41-86E8-18F1CE0113B4}" type="datetimeFigureOut">
               <a:rPr lang="en-US" smtClean="0"/>
-              <a:t>4/23/2019</a:t>
+              <a:t>5/31/2019</a:t>
             </a:fld>
             <a:endParaRPr lang="en-US"/>
           </a:p>
@@ -1392,7 +1372,7 @@
           <a:p>
             <a:fld id="{68C2560D-EC28-3B41-86E8-18F1CE0113B4}" type="datetimeFigureOut">
               <a:rPr lang="en-US" smtClean="0"/>
-              <a:t>4/23/2019</a:t>
+              <a:t>5/31/2019</a:t>
             </a:fld>
             <a:endParaRPr lang="en-US"/>
           </a:p>
@@ -1639,7 +1619,7 @@
             <a:fld id="{4A9E7B99-7C3F-4BC3-B7B8-7E1F8C620B24}" type="datetime1">
               <a:rPr lang="en-US" smtClean="0"/>
               <a:pPr/>
-              <a:t>4/23/2019</a:t>
+              <a:t>5/31/2019</a:t>
             </a:fld>
             <a:endParaRPr lang="en-US"/>
           </a:p>
@@ -1928,7 +1908,7 @@
           <a:p>
             <a:fld id="{68C2560D-EC28-3B41-86E8-18F1CE0113B4}" type="datetimeFigureOut">
               <a:rPr lang="en-US" smtClean="0"/>
-              <a:t>4/23/2019</a:t>
+              <a:t>5/31/2019</a:t>
             </a:fld>
             <a:endParaRPr lang="en-US"/>
           </a:p>
@@ -2350,7 +2330,7 @@
           <a:p>
             <a:fld id="{68C2560D-EC28-3B41-86E8-18F1CE0113B4}" type="datetimeFigureOut">
               <a:rPr lang="en-US" smtClean="0"/>
-              <a:t>4/23/2019</a:t>
+              <a:t>5/31/2019</a:t>
             </a:fld>
             <a:endParaRPr lang="en-US"/>
           </a:p>
@@ -2468,7 +2448,7 @@
           <a:p>
             <a:fld id="{68C2560D-EC28-3B41-86E8-18F1CE0113B4}" type="datetimeFigureOut">
               <a:rPr lang="en-US" smtClean="0"/>
-              <a:t>4/23/2019</a:t>
+              <a:t>5/31/2019</a:t>
             </a:fld>
             <a:endParaRPr lang="en-US"/>
           </a:p>
@@ -2563,7 +2543,7 @@
           <a:p>
             <a:fld id="{68C2560D-EC28-3B41-86E8-18F1CE0113B4}" type="datetimeFigureOut">
               <a:rPr lang="en-US" smtClean="0"/>
-              <a:t>4/23/2019</a:t>
+              <a:t>5/31/2019</a:t>
             </a:fld>
             <a:endParaRPr lang="en-US"/>
           </a:p>
@@ -2840,7 +2820,7 @@
           <a:p>
             <a:fld id="{68C2560D-EC28-3B41-86E8-18F1CE0113B4}" type="datetimeFigureOut">
               <a:rPr lang="en-US" smtClean="0"/>
-              <a:t>4/23/2019</a:t>
+              <a:t>5/31/2019</a:t>
             </a:fld>
             <a:endParaRPr lang="en-US"/>
           </a:p>
@@ -3100,7 +3080,7 @@
           <a:p>
             <a:fld id="{68C2560D-EC28-3B41-86E8-18F1CE0113B4}" type="datetimeFigureOut">
               <a:rPr lang="en-US" smtClean="0"/>
-              <a:t>4/23/2019</a:t>
+              <a:t>5/31/2019</a:t>
             </a:fld>
             <a:endParaRPr lang="en-US"/>
           </a:p>
@@ -3313,7 +3293,7 @@
           <a:p>
             <a:fld id="{68C2560D-EC28-3B41-86E8-18F1CE0113B4}" type="datetimeFigureOut">
               <a:rPr lang="en-US" smtClean="0"/>
-              <a:t>4/23/2019</a:t>
+              <a:t>5/31/2019</a:t>
             </a:fld>
             <a:endParaRPr lang="en-US"/>
           </a:p>
@@ -3708,7 +3688,14 @@
                 <a:latin typeface="微軟正黑體" panose="020B0604030504040204" pitchFamily="34" charset="-120"/>
                 <a:ea typeface="微軟正黑體" panose="020B0604030504040204" pitchFamily="34" charset="-120"/>
               </a:rPr>
-              <a:t>美膚諮詢機器人</a:t>
+              <a:t>美</a:t>
+            </a:r>
+            <a:r>
+              <a:rPr lang="zh-TW" altLang="en-US" b="1" dirty="0" smtClean="0">
+                <a:latin typeface="微軟正黑體" panose="020B0604030504040204" pitchFamily="34" charset="-120"/>
+                <a:ea typeface="微軟正黑體" panose="020B0604030504040204" pitchFamily="34" charset="-120"/>
+              </a:rPr>
+              <a:t>膚小秘書</a:t>
             </a:r>
             <a:endParaRPr lang="en-US" b="1" dirty="0">
               <a:latin typeface="微軟正黑體" panose="020B0604030504040204" pitchFamily="34" charset="-120"/>
@@ -4197,24 +4184,12 @@
               <a:t>般的</a:t>
             </a:r>
             <a:r>
-              <a:rPr lang="zh-TW" altLang="en-US" b="1" dirty="0">
+              <a:rPr lang="zh-TW" altLang="zh-TW" b="1" dirty="0">
                 <a:solidFill>
                   <a:srgbClr val="FF0000"/>
                 </a:solidFill>
-                <a:latin typeface="微軟正黑體" panose="020B0604030504040204" pitchFamily="34" charset="-120"/>
-                <a:ea typeface="微軟正黑體" panose="020B0604030504040204" pitchFamily="34" charset="-120"/>
               </a:rPr>
-              <a:t>美</a:t>
-            </a:r>
-            <a:r>
-              <a:rPr lang="zh-TW" altLang="en-US" b="1" dirty="0" smtClean="0">
-                <a:solidFill>
-                  <a:srgbClr val="FF0000"/>
-                </a:solidFill>
-                <a:latin typeface="微軟正黑體" panose="020B0604030504040204" pitchFamily="34" charset="-120"/>
-                <a:ea typeface="微軟正黑體" panose="020B0604030504040204" pitchFamily="34" charset="-120"/>
-              </a:rPr>
-              <a:t>膚知識方法</a:t>
+              <a:t>保養小技巧</a:t>
             </a:r>
             <a:r>
               <a:rPr lang="zh-TW" altLang="zh-TW" dirty="0" smtClean="0"/>
@@ -4262,7 +4237,7 @@
                 <a:latin typeface="微軟正黑體" panose="020B0604030504040204" pitchFamily="34" charset="-120"/>
                 <a:ea typeface="微軟正黑體" panose="020B0604030504040204" pitchFamily="34" charset="-120"/>
               </a:rPr>
-              <a:t>貼心互動感受</a:t>
+              <a:t>貼心互動提醒</a:t>
             </a:r>
             <a:r>
               <a:rPr lang="zh-TW" altLang="zh-TW" sz="2400" dirty="0" smtClean="0"/>
@@ -4356,34 +4331,70 @@
           <a:bodyPr/>
           <a:lstStyle/>
           <a:p>
-            <a:r>
-              <a:rPr lang="zh-TW" altLang="en-US" b="1" dirty="0">
-                <a:latin typeface="微軟正黑體" panose="020B0604030504040204" pitchFamily="34" charset="-120"/>
-                <a:ea typeface="微軟正黑體" panose="020B0604030504040204" pitchFamily="34" charset="-120"/>
+            <a:pPr lvl="1"/>
+            <a:r>
+              <a:rPr lang="zh-TW" altLang="en-US" dirty="0" smtClean="0"/>
+              <a:t>從氣象資料開放平台取得當日</a:t>
+            </a:r>
+            <a:r>
+              <a:rPr lang="zh-TW" altLang="zh-TW" dirty="0" smtClean="0"/>
+              <a:t>天氣資訊</a:t>
+            </a:r>
+            <a:r>
+              <a:rPr lang="en-US" altLang="zh-TW" dirty="0" smtClean="0"/>
+              <a:t>(</a:t>
+            </a:r>
+            <a:r>
+              <a:rPr lang="zh-TW" altLang="en-US" dirty="0" smtClean="0"/>
+              <a:t>溫度、濕度、紫外線指數及</a:t>
+            </a:r>
+            <a:r>
+              <a:rPr lang="en-US" altLang="zh-TW" dirty="0" smtClean="0"/>
+              <a:t>PM2.5)</a:t>
+            </a:r>
+            <a:r>
+              <a:rPr lang="zh-TW" altLang="en-US" dirty="0" smtClean="0"/>
+              <a:t>，分析保養關聯性後</a:t>
+            </a:r>
+            <a:r>
+              <a:rPr lang="zh-TW" altLang="zh-TW" dirty="0" smtClean="0"/>
+              <a:t>提供</a:t>
+            </a:r>
+            <a:r>
+              <a:rPr lang="zh-TW" altLang="en-US" dirty="0" smtClean="0"/>
+              <a:t>當日</a:t>
+            </a:r>
+            <a:r>
+              <a:rPr lang="zh-TW" altLang="zh-TW" b="1" dirty="0" smtClean="0">
+                <a:solidFill>
+                  <a:srgbClr val="FF0000"/>
+                </a:solidFill>
               </a:rPr>
-              <a:t>美膚諮詢</a:t>
-            </a:r>
-            <a:r>
-              <a:rPr lang="zh-TW" altLang="en-US" b="1" dirty="0" smtClean="0">
-                <a:latin typeface="微軟正黑體" panose="020B0604030504040204" pitchFamily="34" charset="-120"/>
-                <a:ea typeface="微軟正黑體" panose="020B0604030504040204" pitchFamily="34" charset="-120"/>
+              <a:t>保養意見</a:t>
+            </a:r>
+            <a:r>
+              <a:rPr lang="zh-TW" altLang="zh-TW" dirty="0"/>
+              <a:t>。</a:t>
+            </a:r>
+            <a:endParaRPr lang="en-US" altLang="zh-TW" dirty="0"/>
+          </a:p>
+          <a:p>
+            <a:pPr lvl="1"/>
+            <a:r>
+              <a:rPr lang="zh-TW" altLang="en-US" dirty="0"/>
+              <a:t>以</a:t>
+            </a:r>
+            <a:r>
+              <a:rPr lang="zh-TW" altLang="en-US" dirty="0" smtClean="0"/>
+              <a:t>常見保養詢問關鍵字，提供</a:t>
+            </a:r>
+            <a:r>
+              <a:rPr lang="zh-TW" altLang="zh-TW" b="1" dirty="0" smtClean="0">
+                <a:solidFill>
+                  <a:srgbClr val="FF0000"/>
+                </a:solidFill>
               </a:rPr>
-              <a:t>機器人需要</a:t>
-            </a:r>
-            <a:endParaRPr lang="en-US" altLang="zh-TW" b="1" dirty="0" smtClean="0">
-              <a:latin typeface="微軟正黑體" panose="020B0604030504040204" pitchFamily="34" charset="-120"/>
-              <a:ea typeface="微軟正黑體" panose="020B0604030504040204" pitchFamily="34" charset="-120"/>
-            </a:endParaRPr>
-          </a:p>
-          <a:p>
-            <a:pPr lvl="1"/>
-            <a:r>
-              <a:rPr lang="zh-TW" altLang="zh-TW" dirty="0" smtClean="0"/>
-              <a:t>每日</a:t>
-            </a:r>
-            <a:r>
-              <a:rPr lang="zh-TW" altLang="zh-TW" dirty="0"/>
-              <a:t>或隨時提醒</a:t>
+              <a:t>保養</a:t>
             </a:r>
             <a:r>
               <a:rPr lang="zh-TW" altLang="zh-TW" b="1" dirty="0">
@@ -4391,101 +4402,13 @@
                   <a:srgbClr val="FF0000"/>
                 </a:solidFill>
               </a:rPr>
-              <a:t>天氣資訊</a:t>
+              <a:t>小技巧</a:t>
             </a:r>
             <a:r>
               <a:rPr lang="zh-TW" altLang="zh-TW" dirty="0" smtClean="0"/>
-              <a:t>。</a:t>
-            </a:r>
-            <a:endParaRPr lang="en-US" altLang="zh-TW" dirty="0" smtClean="0"/>
-          </a:p>
-          <a:p>
-            <a:pPr lvl="1"/>
-            <a:r>
-              <a:rPr lang="zh-TW" altLang="zh-TW" dirty="0" smtClean="0"/>
-              <a:t>藉</a:t>
-            </a:r>
-            <a:r>
-              <a:rPr lang="zh-TW" altLang="zh-TW" dirty="0"/>
-              <a:t>由天氣資訊提供民眾</a:t>
-            </a:r>
-            <a:r>
-              <a:rPr lang="zh-TW" altLang="zh-TW" b="1" dirty="0">
-                <a:solidFill>
-                  <a:srgbClr val="FF0000"/>
-                </a:solidFill>
-              </a:rPr>
-              <a:t>保養</a:t>
-            </a:r>
-            <a:r>
-              <a:rPr lang="zh-TW" altLang="zh-TW" b="1" dirty="0" smtClean="0">
-                <a:solidFill>
-                  <a:srgbClr val="FF0000"/>
-                </a:solidFill>
-              </a:rPr>
-              <a:t>意見</a:t>
-            </a:r>
-            <a:r>
-              <a:rPr lang="zh-TW" altLang="zh-TW" dirty="0"/>
-              <a:t>。</a:t>
+              <a:t>資訊。</a:t>
             </a:r>
             <a:endParaRPr lang="en-US" altLang="zh-TW" dirty="0"/>
-          </a:p>
-          <a:p>
-            <a:pPr lvl="1"/>
-            <a:r>
-              <a:rPr lang="zh-TW" altLang="zh-TW" dirty="0" smtClean="0"/>
-              <a:t>提供</a:t>
-            </a:r>
-            <a:r>
-              <a:rPr lang="zh-TW" altLang="zh-TW" b="1" dirty="0">
-                <a:solidFill>
-                  <a:srgbClr val="FF0000"/>
-                </a:solidFill>
-              </a:rPr>
-              <a:t>保養小技巧</a:t>
-            </a:r>
-            <a:r>
-              <a:rPr lang="zh-TW" altLang="zh-TW" dirty="0" smtClean="0"/>
-              <a:t>資訊</a:t>
-            </a:r>
-            <a:r>
-              <a:rPr lang="zh-TW" altLang="zh-TW" dirty="0"/>
-              <a:t>。</a:t>
-            </a:r>
-            <a:endParaRPr lang="en-US" altLang="zh-TW" dirty="0"/>
-          </a:p>
-          <a:p>
-            <a:pPr lvl="1"/>
-            <a:r>
-              <a:rPr lang="zh-TW" altLang="en-US" dirty="0" smtClean="0"/>
-              <a:t>閨蜜</a:t>
-            </a:r>
-            <a:r>
-              <a:rPr lang="zh-TW" altLang="en-US" b="1" dirty="0" smtClean="0">
-                <a:solidFill>
-                  <a:srgbClr val="FF0000"/>
-                </a:solidFill>
-              </a:rPr>
-              <a:t>推薦</a:t>
-            </a:r>
-            <a:r>
-              <a:rPr lang="zh-TW" altLang="zh-TW" b="1" dirty="0" smtClean="0">
-                <a:solidFill>
-                  <a:srgbClr val="FF0000"/>
-                </a:solidFill>
-              </a:rPr>
-              <a:t>商品</a:t>
-            </a:r>
-            <a:r>
-              <a:rPr lang="zh-TW" altLang="zh-TW" dirty="0"/>
-              <a:t>資訊</a:t>
-            </a:r>
-            <a:r>
-              <a:rPr lang="zh-TW" altLang="zh-TW" dirty="0" smtClean="0"/>
-              <a:t>。</a:t>
-            </a:r>
-            <a:endParaRPr lang="en-US" dirty="0" smtClean="0"/>
           </a:p>
         </p:txBody>
       </p:sp>
@@ -4542,28 +4465,41 @@
           <a:lstStyle/>
           <a:p>
             <a:r>
-              <a:rPr lang="en-US" altLang="zh-TW" dirty="0" smtClean="0"/>
+              <a:rPr lang="en-US" altLang="zh-TW" dirty="0"/>
               <a:t>System Architecture</a:t>
             </a:r>
             <a:endParaRPr lang="zh-TW" altLang="en-US" dirty="0"/>
+          </a:p>
+        </p:txBody>
+      </p:sp>
+      <p:sp>
+        <p:nvSpPr>
+          <p:cNvPr id="3" name="內容版面配置區 2"/>
+          <p:cNvSpPr>
+            <a:spLocks noGrp="1"/>
+          </p:cNvSpPr>
+          <p:nvPr>
+            <p:ph idx="1"/>
+          </p:nvPr>
+        </p:nvSpPr>
+        <p:spPr/>
+        <p:txBody>
+          <a:bodyPr/>
+          <a:lstStyle/>
+          <a:p>
+            <a:endParaRPr lang="zh-TW" altLang="en-US"/>
           </a:p>
         </p:txBody>
       </p:sp>
       <p:pic>
         <p:nvPicPr>
-          <p:cNvPr id="4" name="圖片 3">
-            <a:extLst>
-              <a:ext uri="{FF2B5EF4-FFF2-40B4-BE49-F238E27FC236}">
-                <a16:creationId xmlns="" xmlns:a16="http://schemas.microsoft.com/office/drawing/2014/main" xmlns:lc="http://schemas.openxmlformats.org/drawingml/2006/lockedCanvas" id="{49192E8B-69FD-4B29-B343-F56A601BA289}"/>
-              </a:ext>
-            </a:extLst>
-          </p:cNvPr>
+          <p:cNvPr id="1026" name="Picture 2"/>
           <p:cNvPicPr>
-            <a:picLocks noChangeAspect="1"/>
+            <a:picLocks noChangeAspect="1" noChangeArrowheads="1"/>
           </p:cNvPicPr>
           <p:nvPr/>
         </p:nvPicPr>
-        <p:blipFill>
+        <p:blipFill rotWithShape="1">
           <a:blip r:embed="rId2">
             <a:extLst>
               <a:ext uri="{28A0092B-C50C-407E-A947-70E740481C1C}">
@@ -4571,24 +4507,46 @@
               </a:ext>
             </a:extLst>
           </a:blip>
-          <a:stretch>
-            <a:fillRect/>
-          </a:stretch>
+          <a:srcRect l="9098" t="36163" r="19515" b="14426"/>
+          <a:stretch/>
         </p:blipFill>
-        <p:spPr>
+        <p:spPr bwMode="auto">
           <a:xfrm>
-            <a:off x="1954326" y="1636791"/>
-            <a:ext cx="5235348" cy="4786203"/>
+            <a:off x="52550" y="1585064"/>
+            <a:ext cx="9049407" cy="4727303"/>
           </a:xfrm>
           <a:prstGeom prst="rect">
             <a:avLst/>
           </a:prstGeom>
+          <a:noFill/>
+          <a:ln>
+            <a:noFill/>
+          </a:ln>
+          <a:extLst>
+            <a:ext uri="{909E8E84-426E-40DD-AFC4-6F175D3DCCD1}">
+              <a14:hiddenFill xmlns:a14="http://schemas.microsoft.com/office/drawing/2010/main">
+                <a:solidFill>
+                  <a:schemeClr val="accent1"/>
+                </a:solidFill>
+              </a14:hiddenFill>
+            </a:ext>
+            <a:ext uri="{91240B29-F687-4F45-9708-019B960494DF}">
+              <a14:hiddenLine xmlns:a14="http://schemas.microsoft.com/office/drawing/2010/main" w="9525">
+                <a:solidFill>
+                  <a:schemeClr val="tx1"/>
+                </a:solidFill>
+                <a:miter lim="800000"/>
+                <a:headEnd/>
+                <a:tailEnd/>
+              </a14:hiddenLine>
+            </a:ext>
+          </a:extLst>
         </p:spPr>
       </p:pic>
     </p:spTree>
     <p:extLst>
       <p:ext uri="{BB962C8B-B14F-4D97-AF65-F5344CB8AC3E}">
-        <p14:creationId xmlns:p14="http://schemas.microsoft.com/office/powerpoint/2010/main" val="3694769292"/>
+        <p14:creationId xmlns:p14="http://schemas.microsoft.com/office/powerpoint/2010/main" val="3434993894"/>
       </p:ext>
     </p:extLst>
   </p:cSld>
@@ -4640,40 +4598,28 @@
       </p:sp>
       <p:grpSp>
         <p:nvGrpSpPr>
-          <p:cNvPr id="17" name="群組 16">
-            <a:extLst>
-              <a:ext uri="{FF2B5EF4-FFF2-40B4-BE49-F238E27FC236}">
-                <a16:creationId xmlns="" xmlns:a16="http://schemas.microsoft.com/office/drawing/2014/main" xmlns:lc="http://schemas.openxmlformats.org/drawingml/2006/lockedCanvas" id="{CE3D4D8A-BF04-4D01-B35D-3E92BCB77112}"/>
-              </a:ext>
-            </a:extLst>
-          </p:cNvPr>
+          <p:cNvPr id="14" name="群組 13"/>
           <p:cNvGrpSpPr/>
           <p:nvPr/>
         </p:nvGrpSpPr>
         <p:grpSpPr>
           <a:xfrm>
-            <a:off x="1358276" y="1703742"/>
-            <a:ext cx="5852685" cy="4897889"/>
-            <a:chOff x="1083129" y="1690688"/>
-            <a:chExt cx="5012871" cy="4195083"/>
+            <a:off x="266446" y="1591744"/>
+            <a:ext cx="8798518" cy="3950927"/>
+            <a:chOff x="0" y="0"/>
+            <a:chExt cx="5981700" cy="2686050"/>
           </a:xfrm>
         </p:grpSpPr>
         <p:sp>
           <p:nvSpPr>
-            <p:cNvPr id="18" name="矩形 17">
-              <a:extLst>
-                <a:ext uri="{FF2B5EF4-FFF2-40B4-BE49-F238E27FC236}">
-                  <a16:creationId xmlns="" xmlns:a16="http://schemas.microsoft.com/office/drawing/2014/main" xmlns:lc="http://schemas.openxmlformats.org/drawingml/2006/lockedCanvas" id="{EE96AA6F-54BB-4406-8DA0-5311948E7FBA}"/>
-                </a:ext>
-              </a:extLst>
-            </p:cNvPr>
+            <p:cNvPr id="15" name="矩形 14"/>
             <p:cNvSpPr/>
             <p:nvPr/>
           </p:nvSpPr>
           <p:spPr>
             <a:xfrm>
-              <a:off x="1083129" y="3216388"/>
-              <a:ext cx="1496786" cy="1102178"/>
+              <a:off x="2238375" y="0"/>
+              <a:ext cx="1495425" cy="600075"/>
             </a:xfrm>
             <a:prstGeom prst="rect">
               <a:avLst/>
@@ -4697,150 +4643,70 @@
             </a:fontRef>
           </p:style>
           <p:txBody>
-            <a:bodyPr rtlCol="0" anchor="ctr"/>
-            <a:lstStyle>
-              <a:defPPr>
-                <a:defRPr lang="zh-TW"/>
-              </a:defPPr>
-              <a:lvl1pPr marL="0" algn="l" defTabSz="914400" rtl="0" eaLnBrk="1" latinLnBrk="0" hangingPunct="1">
-                <a:defRPr sz="1800" kern="1200">
+            <a:bodyPr rot="0" spcFirstLastPara="0" vert="horz" wrap="square" lIns="91440" tIns="45720" rIns="91440" bIns="45720" numCol="1" spcCol="0" rtlCol="0" fromWordArt="0" anchor="ctr" anchorCtr="0" forceAA="0" compatLnSpc="1">
+              <a:prstTxWarp prst="textNoShape">
+                <a:avLst/>
+              </a:prstTxWarp>
+              <a:noAutofit/>
+            </a:bodyPr>
+            <a:lstStyle/>
+            <a:p>
+              <a:pPr algn="ctr">
+                <a:spcAft>
+                  <a:spcPts val="0"/>
+                </a:spcAft>
+              </a:pPr>
+              <a:r>
+                <a:rPr lang="zh-TW" sz="1200" kern="100">
                   <a:solidFill>
-                    <a:schemeClr val="lt1"/>
+                    <a:srgbClr val="000000"/>
                   </a:solidFill>
-                  <a:latin typeface="+mn-lt"/>
-                  <a:ea typeface="+mn-ea"/>
-                  <a:cs typeface="+mn-cs"/>
-                </a:defRPr>
-              </a:lvl1pPr>
-              <a:lvl2pPr marL="457200" algn="l" defTabSz="914400" rtl="0" eaLnBrk="1" latinLnBrk="0" hangingPunct="1">
-                <a:defRPr sz="1800" kern="1200">
-                  <a:solidFill>
-                    <a:schemeClr val="lt1"/>
-                  </a:solidFill>
-                  <a:latin typeface="+mn-lt"/>
-                  <a:ea typeface="+mn-ea"/>
-                  <a:cs typeface="+mn-cs"/>
-                </a:defRPr>
-              </a:lvl2pPr>
-              <a:lvl3pPr marL="914400" algn="l" defTabSz="914400" rtl="0" eaLnBrk="1" latinLnBrk="0" hangingPunct="1">
-                <a:defRPr sz="1800" kern="1200">
-                  <a:solidFill>
-                    <a:schemeClr val="lt1"/>
-                  </a:solidFill>
-                  <a:latin typeface="+mn-lt"/>
-                  <a:ea typeface="+mn-ea"/>
-                  <a:cs typeface="+mn-cs"/>
-                </a:defRPr>
-              </a:lvl3pPr>
-              <a:lvl4pPr marL="1371600" algn="l" defTabSz="914400" rtl="0" eaLnBrk="1" latinLnBrk="0" hangingPunct="1">
-                <a:defRPr sz="1800" kern="1200">
-                  <a:solidFill>
-                    <a:schemeClr val="lt1"/>
-                  </a:solidFill>
-                  <a:latin typeface="+mn-lt"/>
-                  <a:ea typeface="+mn-ea"/>
-                  <a:cs typeface="+mn-cs"/>
-                </a:defRPr>
-              </a:lvl4pPr>
-              <a:lvl5pPr marL="1828800" algn="l" defTabSz="914400" rtl="0" eaLnBrk="1" latinLnBrk="0" hangingPunct="1">
-                <a:defRPr sz="1800" kern="1200">
-                  <a:solidFill>
-                    <a:schemeClr val="lt1"/>
-                  </a:solidFill>
-                  <a:latin typeface="+mn-lt"/>
-                  <a:ea typeface="+mn-ea"/>
-                  <a:cs typeface="+mn-cs"/>
-                </a:defRPr>
-              </a:lvl5pPr>
-              <a:lvl6pPr marL="2286000" algn="l" defTabSz="914400" rtl="0" eaLnBrk="1" latinLnBrk="0" hangingPunct="1">
-                <a:defRPr sz="1800" kern="1200">
-                  <a:solidFill>
-                    <a:schemeClr val="lt1"/>
-                  </a:solidFill>
-                  <a:latin typeface="+mn-lt"/>
-                  <a:ea typeface="+mn-ea"/>
-                  <a:cs typeface="+mn-cs"/>
-                </a:defRPr>
-              </a:lvl6pPr>
-              <a:lvl7pPr marL="2743200" algn="l" defTabSz="914400" rtl="0" eaLnBrk="1" latinLnBrk="0" hangingPunct="1">
-                <a:defRPr sz="1800" kern="1200">
-                  <a:solidFill>
-                    <a:schemeClr val="lt1"/>
-                  </a:solidFill>
-                  <a:latin typeface="+mn-lt"/>
-                  <a:ea typeface="+mn-ea"/>
-                  <a:cs typeface="+mn-cs"/>
-                </a:defRPr>
-              </a:lvl7pPr>
-              <a:lvl8pPr marL="3200400" algn="l" defTabSz="914400" rtl="0" eaLnBrk="1" latinLnBrk="0" hangingPunct="1">
-                <a:defRPr sz="1800" kern="1200">
-                  <a:solidFill>
-                    <a:schemeClr val="lt1"/>
-                  </a:solidFill>
-                  <a:latin typeface="+mn-lt"/>
-                  <a:ea typeface="+mn-ea"/>
-                  <a:cs typeface="+mn-cs"/>
-                </a:defRPr>
-              </a:lvl8pPr>
-              <a:lvl9pPr marL="3657600" algn="l" defTabSz="914400" rtl="0" eaLnBrk="1" latinLnBrk="0" hangingPunct="1">
-                <a:defRPr sz="1800" kern="1200">
-                  <a:solidFill>
-                    <a:schemeClr val="lt1"/>
-                  </a:solidFill>
-                  <a:latin typeface="+mn-lt"/>
-                  <a:ea typeface="+mn-ea"/>
-                  <a:cs typeface="+mn-cs"/>
-                </a:defRPr>
-              </a:lvl9pPr>
-            </a:lstStyle>
-            <a:p>
-              <a:pPr algn="ctr"/>
-              <a:r>
-                <a:rPr lang="zh-TW" altLang="en-US" dirty="0">
-                  <a:solidFill>
-                    <a:schemeClr val="tx1"/>
-                  </a:solidFill>
-                  <a:latin typeface="標楷體" panose="03000509000000000000" pitchFamily="65" charset="-120"/>
-                  <a:ea typeface="標楷體" panose="03000509000000000000" pitchFamily="65" charset="-120"/>
+                  <a:effectLst/>
+                  <a:latin typeface="Times New Roman"/>
+                  <a:ea typeface="標楷體"/>
                 </a:rPr>
-                <a:t>美膚諮詢</a:t>
+                <a:t>美膚諮詢小秘書</a:t>
               </a:r>
               <a:r>
-                <a:rPr lang="zh-TW" altLang="en-US" dirty="0" smtClean="0">
+                <a:rPr lang="en-US" sz="1200" kern="100">
                   <a:solidFill>
-                    <a:schemeClr val="tx1"/>
+                    <a:srgbClr val="000000"/>
                   </a:solidFill>
-                  <a:latin typeface="標楷體" panose="03000509000000000000" pitchFamily="65" charset="-120"/>
-                  <a:ea typeface="標楷體" panose="03000509000000000000" pitchFamily="65" charset="-120"/>
+                  <a:effectLst/>
+                  <a:latin typeface="Times New Roman"/>
+                  <a:ea typeface="標楷體"/>
                 </a:rPr>
-                <a:t>機器人後台</a:t>
+                <a:t>server</a:t>
               </a:r>
-              <a:endParaRPr lang="zh-TW" altLang="en-US" dirty="0">
-                <a:solidFill>
-                  <a:schemeClr val="tx1"/>
-                </a:solidFill>
-                <a:latin typeface="標楷體" panose="03000509000000000000" pitchFamily="65" charset="-120"/>
-                <a:ea typeface="標楷體" panose="03000509000000000000" pitchFamily="65" charset="-120"/>
+              <a:r>
+                <a:rPr lang="zh-TW" sz="1200" kern="100">
+                  <a:solidFill>
+                    <a:srgbClr val="000000"/>
+                  </a:solidFill>
+                  <a:effectLst/>
+                  <a:latin typeface="Times New Roman"/>
+                  <a:ea typeface="標楷體"/>
+                </a:rPr>
+                <a:t>後台</a:t>
+              </a:r>
+              <a:endParaRPr lang="zh-TW" sz="1200" kern="100">
+                <a:effectLst/>
+                <a:latin typeface="Times New Roman"/>
+                <a:ea typeface="新細明體"/>
               </a:endParaRPr>
             </a:p>
           </p:txBody>
         </p:sp>
         <p:sp>
           <p:nvSpPr>
-            <p:cNvPr id="19" name="矩形 18">
-              <a:extLst>
-                <a:ext uri="{FF2B5EF4-FFF2-40B4-BE49-F238E27FC236}">
-                  <a16:creationId xmlns="" xmlns:a16="http://schemas.microsoft.com/office/drawing/2014/main" xmlns:lc="http://schemas.openxmlformats.org/drawingml/2006/lockedCanvas" id="{5303A5E3-48C0-433E-B5CA-C53E1527E70A}"/>
-                </a:ext>
-              </a:extLst>
-            </p:cNvPr>
+            <p:cNvPr id="17" name="矩形 16"/>
             <p:cNvSpPr/>
             <p:nvPr/>
           </p:nvSpPr>
           <p:spPr>
             <a:xfrm>
-              <a:off x="4376057" y="1690688"/>
-              <a:ext cx="1719943" cy="676955"/>
+              <a:off x="0" y="962025"/>
+              <a:ext cx="1295400" cy="371475"/>
             </a:xfrm>
             <a:prstGeom prst="rect">
               <a:avLst/>
@@ -4864,133 +4730,48 @@
             </a:fontRef>
           </p:style>
           <p:txBody>
-            <a:bodyPr rtlCol="0" anchor="ctr"/>
-            <a:lstStyle>
-              <a:defPPr>
-                <a:defRPr lang="zh-TW"/>
-              </a:defPPr>
-              <a:lvl1pPr marL="0" algn="l" defTabSz="914400" rtl="0" eaLnBrk="1" latinLnBrk="0" hangingPunct="1">
-                <a:defRPr sz="1800" kern="1200">
+            <a:bodyPr rot="0" spcFirstLastPara="0" vert="horz" wrap="square" lIns="91440" tIns="45720" rIns="91440" bIns="45720" numCol="1" spcCol="0" rtlCol="0" fromWordArt="0" anchor="ctr" anchorCtr="0" forceAA="0" compatLnSpc="1">
+              <a:prstTxWarp prst="textNoShape">
+                <a:avLst/>
+              </a:prstTxWarp>
+              <a:noAutofit/>
+            </a:bodyPr>
+            <a:lstStyle/>
+            <a:p>
+              <a:pPr algn="ctr">
+                <a:spcAft>
+                  <a:spcPts val="0"/>
+                </a:spcAft>
+              </a:pPr>
+              <a:r>
+                <a:rPr lang="zh-TW" sz="1200" kern="100">
                   <a:solidFill>
-                    <a:schemeClr val="lt1"/>
+                    <a:srgbClr val="000000"/>
                   </a:solidFill>
-                  <a:latin typeface="+mn-lt"/>
-                  <a:ea typeface="+mn-ea"/>
-                  <a:cs typeface="+mn-cs"/>
-                </a:defRPr>
-              </a:lvl1pPr>
-              <a:lvl2pPr marL="457200" algn="l" defTabSz="914400" rtl="0" eaLnBrk="1" latinLnBrk="0" hangingPunct="1">
-                <a:defRPr sz="1800" kern="1200">
-                  <a:solidFill>
-                    <a:schemeClr val="lt1"/>
-                  </a:solidFill>
-                  <a:latin typeface="+mn-lt"/>
-                  <a:ea typeface="+mn-ea"/>
-                  <a:cs typeface="+mn-cs"/>
-                </a:defRPr>
-              </a:lvl2pPr>
-              <a:lvl3pPr marL="914400" algn="l" defTabSz="914400" rtl="0" eaLnBrk="1" latinLnBrk="0" hangingPunct="1">
-                <a:defRPr sz="1800" kern="1200">
-                  <a:solidFill>
-                    <a:schemeClr val="lt1"/>
-                  </a:solidFill>
-                  <a:latin typeface="+mn-lt"/>
-                  <a:ea typeface="+mn-ea"/>
-                  <a:cs typeface="+mn-cs"/>
-                </a:defRPr>
-              </a:lvl3pPr>
-              <a:lvl4pPr marL="1371600" algn="l" defTabSz="914400" rtl="0" eaLnBrk="1" latinLnBrk="0" hangingPunct="1">
-                <a:defRPr sz="1800" kern="1200">
-                  <a:solidFill>
-                    <a:schemeClr val="lt1"/>
-                  </a:solidFill>
-                  <a:latin typeface="+mn-lt"/>
-                  <a:ea typeface="+mn-ea"/>
-                  <a:cs typeface="+mn-cs"/>
-                </a:defRPr>
-              </a:lvl4pPr>
-              <a:lvl5pPr marL="1828800" algn="l" defTabSz="914400" rtl="0" eaLnBrk="1" latinLnBrk="0" hangingPunct="1">
-                <a:defRPr sz="1800" kern="1200">
-                  <a:solidFill>
-                    <a:schemeClr val="lt1"/>
-                  </a:solidFill>
-                  <a:latin typeface="+mn-lt"/>
-                  <a:ea typeface="+mn-ea"/>
-                  <a:cs typeface="+mn-cs"/>
-                </a:defRPr>
-              </a:lvl5pPr>
-              <a:lvl6pPr marL="2286000" algn="l" defTabSz="914400" rtl="0" eaLnBrk="1" latinLnBrk="0" hangingPunct="1">
-                <a:defRPr sz="1800" kern="1200">
-                  <a:solidFill>
-                    <a:schemeClr val="lt1"/>
-                  </a:solidFill>
-                  <a:latin typeface="+mn-lt"/>
-                  <a:ea typeface="+mn-ea"/>
-                  <a:cs typeface="+mn-cs"/>
-                </a:defRPr>
-              </a:lvl6pPr>
-              <a:lvl7pPr marL="2743200" algn="l" defTabSz="914400" rtl="0" eaLnBrk="1" latinLnBrk="0" hangingPunct="1">
-                <a:defRPr sz="1800" kern="1200">
-                  <a:solidFill>
-                    <a:schemeClr val="lt1"/>
-                  </a:solidFill>
-                  <a:latin typeface="+mn-lt"/>
-                  <a:ea typeface="+mn-ea"/>
-                  <a:cs typeface="+mn-cs"/>
-                </a:defRPr>
-              </a:lvl7pPr>
-              <a:lvl8pPr marL="3200400" algn="l" defTabSz="914400" rtl="0" eaLnBrk="1" latinLnBrk="0" hangingPunct="1">
-                <a:defRPr sz="1800" kern="1200">
-                  <a:solidFill>
-                    <a:schemeClr val="lt1"/>
-                  </a:solidFill>
-                  <a:latin typeface="+mn-lt"/>
-                  <a:ea typeface="+mn-ea"/>
-                  <a:cs typeface="+mn-cs"/>
-                </a:defRPr>
-              </a:lvl8pPr>
-              <a:lvl9pPr marL="3657600" algn="l" defTabSz="914400" rtl="0" eaLnBrk="1" latinLnBrk="0" hangingPunct="1">
-                <a:defRPr sz="1800" kern="1200">
-                  <a:solidFill>
-                    <a:schemeClr val="lt1"/>
-                  </a:solidFill>
-                  <a:latin typeface="+mn-lt"/>
-                  <a:ea typeface="+mn-ea"/>
-                  <a:cs typeface="+mn-cs"/>
-                </a:defRPr>
-              </a:lvl9pPr>
-            </a:lstStyle>
-            <a:p>
-              <a:pPr algn="ctr"/>
-              <a:r>
-                <a:rPr lang="zh-TW" altLang="en-US" dirty="0">
-                  <a:solidFill>
-                    <a:schemeClr val="tx1"/>
-                  </a:solidFill>
-                  <a:latin typeface="標楷體" panose="03000509000000000000" pitchFamily="65" charset="-120"/>
-                  <a:ea typeface="標楷體" panose="03000509000000000000" pitchFamily="65" charset="-120"/>
+                  <a:effectLst/>
+                  <a:latin typeface="Times New Roman"/>
+                  <a:ea typeface="標楷體"/>
                 </a:rPr>
                 <a:t>使用者管理</a:t>
               </a:r>
+              <a:endParaRPr lang="zh-TW" sz="1200" kern="100">
+                <a:effectLst/>
+                <a:latin typeface="Times New Roman"/>
+                <a:ea typeface="新細明體"/>
+              </a:endParaRPr>
             </a:p>
           </p:txBody>
         </p:sp>
         <p:sp>
           <p:nvSpPr>
-            <p:cNvPr id="20" name="矩形 19">
-              <a:extLst>
-                <a:ext uri="{FF2B5EF4-FFF2-40B4-BE49-F238E27FC236}">
-                  <a16:creationId xmlns="" xmlns:a16="http://schemas.microsoft.com/office/drawing/2014/main" xmlns:lc="http://schemas.openxmlformats.org/drawingml/2006/lockedCanvas" id="{FF16C4C8-DBB0-4122-AC54-C45304D36B36}"/>
-                </a:ext>
-              </a:extLst>
-            </p:cNvPr>
+            <p:cNvPr id="22" name="矩形 21"/>
             <p:cNvSpPr/>
             <p:nvPr/>
           </p:nvSpPr>
           <p:spPr>
             <a:xfrm>
-              <a:off x="4376057" y="2613252"/>
-              <a:ext cx="1719943" cy="676955"/>
+              <a:off x="1504950" y="962025"/>
+              <a:ext cx="1295400" cy="371475"/>
             </a:xfrm>
             <a:prstGeom prst="rect">
               <a:avLst/>
@@ -5014,153 +4795,48 @@
             </a:fontRef>
           </p:style>
           <p:txBody>
-            <a:bodyPr rtlCol="0" anchor="ctr"/>
-            <a:lstStyle>
-              <a:defPPr>
-                <a:defRPr lang="zh-TW"/>
-              </a:defPPr>
-              <a:lvl1pPr marL="0" algn="l" defTabSz="914400" rtl="0" eaLnBrk="1" latinLnBrk="0" hangingPunct="1">
-                <a:defRPr sz="1800" kern="1200">
+            <a:bodyPr rot="0" spcFirstLastPara="0" vert="horz" wrap="square" lIns="91440" tIns="45720" rIns="91440" bIns="45720" numCol="1" spcCol="0" rtlCol="0" fromWordArt="0" anchor="ctr" anchorCtr="0" forceAA="0" compatLnSpc="1">
+              <a:prstTxWarp prst="textNoShape">
+                <a:avLst/>
+              </a:prstTxWarp>
+              <a:noAutofit/>
+            </a:bodyPr>
+            <a:lstStyle/>
+            <a:p>
+              <a:pPr algn="ctr">
+                <a:spcAft>
+                  <a:spcPts val="0"/>
+                </a:spcAft>
+              </a:pPr>
+              <a:r>
+                <a:rPr lang="zh-TW" sz="1200" kern="100">
                   <a:solidFill>
-                    <a:schemeClr val="lt1"/>
+                    <a:srgbClr val="000000"/>
                   </a:solidFill>
-                  <a:latin typeface="+mn-lt"/>
-                  <a:ea typeface="+mn-ea"/>
-                  <a:cs typeface="+mn-cs"/>
-                </a:defRPr>
-              </a:lvl1pPr>
-              <a:lvl2pPr marL="457200" algn="l" defTabSz="914400" rtl="0" eaLnBrk="1" latinLnBrk="0" hangingPunct="1">
-                <a:defRPr sz="1800" kern="1200">
-                  <a:solidFill>
-                    <a:schemeClr val="lt1"/>
-                  </a:solidFill>
-                  <a:latin typeface="+mn-lt"/>
-                  <a:ea typeface="+mn-ea"/>
-                  <a:cs typeface="+mn-cs"/>
-                </a:defRPr>
-              </a:lvl2pPr>
-              <a:lvl3pPr marL="914400" algn="l" defTabSz="914400" rtl="0" eaLnBrk="1" latinLnBrk="0" hangingPunct="1">
-                <a:defRPr sz="1800" kern="1200">
-                  <a:solidFill>
-                    <a:schemeClr val="lt1"/>
-                  </a:solidFill>
-                  <a:latin typeface="+mn-lt"/>
-                  <a:ea typeface="+mn-ea"/>
-                  <a:cs typeface="+mn-cs"/>
-                </a:defRPr>
-              </a:lvl3pPr>
-              <a:lvl4pPr marL="1371600" algn="l" defTabSz="914400" rtl="0" eaLnBrk="1" latinLnBrk="0" hangingPunct="1">
-                <a:defRPr sz="1800" kern="1200">
-                  <a:solidFill>
-                    <a:schemeClr val="lt1"/>
-                  </a:solidFill>
-                  <a:latin typeface="+mn-lt"/>
-                  <a:ea typeface="+mn-ea"/>
-                  <a:cs typeface="+mn-cs"/>
-                </a:defRPr>
-              </a:lvl4pPr>
-              <a:lvl5pPr marL="1828800" algn="l" defTabSz="914400" rtl="0" eaLnBrk="1" latinLnBrk="0" hangingPunct="1">
-                <a:defRPr sz="1800" kern="1200">
-                  <a:solidFill>
-                    <a:schemeClr val="lt1"/>
-                  </a:solidFill>
-                  <a:latin typeface="+mn-lt"/>
-                  <a:ea typeface="+mn-ea"/>
-                  <a:cs typeface="+mn-cs"/>
-                </a:defRPr>
-              </a:lvl5pPr>
-              <a:lvl6pPr marL="2286000" algn="l" defTabSz="914400" rtl="0" eaLnBrk="1" latinLnBrk="0" hangingPunct="1">
-                <a:defRPr sz="1800" kern="1200">
-                  <a:solidFill>
-                    <a:schemeClr val="lt1"/>
-                  </a:solidFill>
-                  <a:latin typeface="+mn-lt"/>
-                  <a:ea typeface="+mn-ea"/>
-                  <a:cs typeface="+mn-cs"/>
-                </a:defRPr>
-              </a:lvl6pPr>
-              <a:lvl7pPr marL="2743200" algn="l" defTabSz="914400" rtl="0" eaLnBrk="1" latinLnBrk="0" hangingPunct="1">
-                <a:defRPr sz="1800" kern="1200">
-                  <a:solidFill>
-                    <a:schemeClr val="lt1"/>
-                  </a:solidFill>
-                  <a:latin typeface="+mn-lt"/>
-                  <a:ea typeface="+mn-ea"/>
-                  <a:cs typeface="+mn-cs"/>
-                </a:defRPr>
-              </a:lvl7pPr>
-              <a:lvl8pPr marL="3200400" algn="l" defTabSz="914400" rtl="0" eaLnBrk="1" latinLnBrk="0" hangingPunct="1">
-                <a:defRPr sz="1800" kern="1200">
-                  <a:solidFill>
-                    <a:schemeClr val="lt1"/>
-                  </a:solidFill>
-                  <a:latin typeface="+mn-lt"/>
-                  <a:ea typeface="+mn-ea"/>
-                  <a:cs typeface="+mn-cs"/>
-                </a:defRPr>
-              </a:lvl8pPr>
-              <a:lvl9pPr marL="3657600" algn="l" defTabSz="914400" rtl="0" eaLnBrk="1" latinLnBrk="0" hangingPunct="1">
-                <a:defRPr sz="1800" kern="1200">
-                  <a:solidFill>
-                    <a:schemeClr val="lt1"/>
-                  </a:solidFill>
-                  <a:latin typeface="+mn-lt"/>
-                  <a:ea typeface="+mn-ea"/>
-                  <a:cs typeface="+mn-cs"/>
-                </a:defRPr>
-              </a:lvl9pPr>
-            </a:lstStyle>
-            <a:p>
-              <a:pPr algn="ctr"/>
-              <a:r>
-                <a:rPr lang="zh-TW" altLang="en-US" dirty="0">
-                  <a:solidFill>
-                    <a:schemeClr val="tx1"/>
-                  </a:solidFill>
-                  <a:latin typeface="標楷體" panose="03000509000000000000" pitchFamily="65" charset="-120"/>
-                  <a:ea typeface="標楷體" panose="03000509000000000000" pitchFamily="65" charset="-120"/>
+                  <a:effectLst/>
+                  <a:latin typeface="Times New Roman"/>
+                  <a:ea typeface="標楷體"/>
                 </a:rPr>
-                <a:t>皮膚保養</a:t>
+                <a:t>保養技巧管理</a:t>
               </a:r>
-              <a:r>
-                <a:rPr lang="en-US" altLang="zh-TW" dirty="0">
-                  <a:solidFill>
-                    <a:schemeClr val="tx1"/>
-                  </a:solidFill>
-                  <a:latin typeface="標楷體" panose="03000509000000000000" pitchFamily="65" charset="-120"/>
-                  <a:ea typeface="標楷體" panose="03000509000000000000" pitchFamily="65" charset="-120"/>
-                </a:rPr>
-                <a:t>QA</a:t>
-              </a:r>
-              <a:r>
-                <a:rPr lang="zh-TW" altLang="en-US" dirty="0">
-                  <a:solidFill>
-                    <a:schemeClr val="tx1"/>
-                  </a:solidFill>
-                  <a:latin typeface="標楷體" panose="03000509000000000000" pitchFamily="65" charset="-120"/>
-                  <a:ea typeface="標楷體" panose="03000509000000000000" pitchFamily="65" charset="-120"/>
-                </a:rPr>
-                <a:t>管理</a:t>
-              </a:r>
+              <a:endParaRPr lang="zh-TW" sz="1200" kern="100">
+                <a:effectLst/>
+                <a:latin typeface="Times New Roman"/>
+                <a:ea typeface="新細明體"/>
+              </a:endParaRPr>
             </a:p>
           </p:txBody>
         </p:sp>
         <p:sp>
           <p:nvSpPr>
-            <p:cNvPr id="21" name="矩形 20">
-              <a:extLst>
-                <a:ext uri="{FF2B5EF4-FFF2-40B4-BE49-F238E27FC236}">
-                  <a16:creationId xmlns="" xmlns:a16="http://schemas.microsoft.com/office/drawing/2014/main" xmlns:lc="http://schemas.openxmlformats.org/drawingml/2006/lockedCanvas" id="{86D5F054-8043-488E-983B-14C3CF8A61B9}"/>
-                </a:ext>
-              </a:extLst>
-            </p:cNvPr>
+            <p:cNvPr id="23" name="矩形 22"/>
             <p:cNvSpPr/>
             <p:nvPr/>
           </p:nvSpPr>
           <p:spPr>
             <a:xfrm>
-              <a:off x="4376057" y="3429000"/>
-              <a:ext cx="1719943" cy="676955"/>
+              <a:off x="2981325" y="962025"/>
+              <a:ext cx="1511300" cy="371475"/>
             </a:xfrm>
             <a:prstGeom prst="rect">
               <a:avLst/>
@@ -5184,133 +4860,48 @@
             </a:fontRef>
           </p:style>
           <p:txBody>
-            <a:bodyPr rtlCol="0" anchor="ctr"/>
-            <a:lstStyle>
-              <a:defPPr>
-                <a:defRPr lang="zh-TW"/>
-              </a:defPPr>
-              <a:lvl1pPr marL="0" algn="l" defTabSz="914400" rtl="0" eaLnBrk="1" latinLnBrk="0" hangingPunct="1">
-                <a:defRPr sz="1800" kern="1200">
+            <a:bodyPr rot="0" spcFirstLastPara="0" vert="horz" wrap="square" lIns="91440" tIns="45720" rIns="91440" bIns="45720" numCol="1" spcCol="0" rtlCol="0" fromWordArt="0" anchor="ctr" anchorCtr="0" forceAA="0" compatLnSpc="1">
+              <a:prstTxWarp prst="textNoShape">
+                <a:avLst/>
+              </a:prstTxWarp>
+              <a:noAutofit/>
+            </a:bodyPr>
+            <a:lstStyle/>
+            <a:p>
+              <a:pPr algn="ctr">
+                <a:spcAft>
+                  <a:spcPts val="0"/>
+                </a:spcAft>
+              </a:pPr>
+              <a:r>
+                <a:rPr lang="zh-TW" sz="1200" kern="100">
                   <a:solidFill>
-                    <a:schemeClr val="lt1"/>
+                    <a:srgbClr val="000000"/>
                   </a:solidFill>
-                  <a:latin typeface="+mn-lt"/>
-                  <a:ea typeface="+mn-ea"/>
-                  <a:cs typeface="+mn-cs"/>
-                </a:defRPr>
-              </a:lvl1pPr>
-              <a:lvl2pPr marL="457200" algn="l" defTabSz="914400" rtl="0" eaLnBrk="1" latinLnBrk="0" hangingPunct="1">
-                <a:defRPr sz="1800" kern="1200">
-                  <a:solidFill>
-                    <a:schemeClr val="lt1"/>
-                  </a:solidFill>
-                  <a:latin typeface="+mn-lt"/>
-                  <a:ea typeface="+mn-ea"/>
-                  <a:cs typeface="+mn-cs"/>
-                </a:defRPr>
-              </a:lvl2pPr>
-              <a:lvl3pPr marL="914400" algn="l" defTabSz="914400" rtl="0" eaLnBrk="1" latinLnBrk="0" hangingPunct="1">
-                <a:defRPr sz="1800" kern="1200">
-                  <a:solidFill>
-                    <a:schemeClr val="lt1"/>
-                  </a:solidFill>
-                  <a:latin typeface="+mn-lt"/>
-                  <a:ea typeface="+mn-ea"/>
-                  <a:cs typeface="+mn-cs"/>
-                </a:defRPr>
-              </a:lvl3pPr>
-              <a:lvl4pPr marL="1371600" algn="l" defTabSz="914400" rtl="0" eaLnBrk="1" latinLnBrk="0" hangingPunct="1">
-                <a:defRPr sz="1800" kern="1200">
-                  <a:solidFill>
-                    <a:schemeClr val="lt1"/>
-                  </a:solidFill>
-                  <a:latin typeface="+mn-lt"/>
-                  <a:ea typeface="+mn-ea"/>
-                  <a:cs typeface="+mn-cs"/>
-                </a:defRPr>
-              </a:lvl4pPr>
-              <a:lvl5pPr marL="1828800" algn="l" defTabSz="914400" rtl="0" eaLnBrk="1" latinLnBrk="0" hangingPunct="1">
-                <a:defRPr sz="1800" kern="1200">
-                  <a:solidFill>
-                    <a:schemeClr val="lt1"/>
-                  </a:solidFill>
-                  <a:latin typeface="+mn-lt"/>
-                  <a:ea typeface="+mn-ea"/>
-                  <a:cs typeface="+mn-cs"/>
-                </a:defRPr>
-              </a:lvl5pPr>
-              <a:lvl6pPr marL="2286000" algn="l" defTabSz="914400" rtl="0" eaLnBrk="1" latinLnBrk="0" hangingPunct="1">
-                <a:defRPr sz="1800" kern="1200">
-                  <a:solidFill>
-                    <a:schemeClr val="lt1"/>
-                  </a:solidFill>
-                  <a:latin typeface="+mn-lt"/>
-                  <a:ea typeface="+mn-ea"/>
-                  <a:cs typeface="+mn-cs"/>
-                </a:defRPr>
-              </a:lvl6pPr>
-              <a:lvl7pPr marL="2743200" algn="l" defTabSz="914400" rtl="0" eaLnBrk="1" latinLnBrk="0" hangingPunct="1">
-                <a:defRPr sz="1800" kern="1200">
-                  <a:solidFill>
-                    <a:schemeClr val="lt1"/>
-                  </a:solidFill>
-                  <a:latin typeface="+mn-lt"/>
-                  <a:ea typeface="+mn-ea"/>
-                  <a:cs typeface="+mn-cs"/>
-                </a:defRPr>
-              </a:lvl7pPr>
-              <a:lvl8pPr marL="3200400" algn="l" defTabSz="914400" rtl="0" eaLnBrk="1" latinLnBrk="0" hangingPunct="1">
-                <a:defRPr sz="1800" kern="1200">
-                  <a:solidFill>
-                    <a:schemeClr val="lt1"/>
-                  </a:solidFill>
-                  <a:latin typeface="+mn-lt"/>
-                  <a:ea typeface="+mn-ea"/>
-                  <a:cs typeface="+mn-cs"/>
-                </a:defRPr>
-              </a:lvl8pPr>
-              <a:lvl9pPr marL="3657600" algn="l" defTabSz="914400" rtl="0" eaLnBrk="1" latinLnBrk="0" hangingPunct="1">
-                <a:defRPr sz="1800" kern="1200">
-                  <a:solidFill>
-                    <a:schemeClr val="lt1"/>
-                  </a:solidFill>
-                  <a:latin typeface="+mn-lt"/>
-                  <a:ea typeface="+mn-ea"/>
-                  <a:cs typeface="+mn-cs"/>
-                </a:defRPr>
-              </a:lvl9pPr>
-            </a:lstStyle>
-            <a:p>
-              <a:pPr algn="ctr"/>
-              <a:r>
-                <a:rPr lang="zh-TW" altLang="en-US" dirty="0">
-                  <a:solidFill>
-                    <a:schemeClr val="tx1"/>
-                  </a:solidFill>
-                  <a:latin typeface="標楷體" panose="03000509000000000000" pitchFamily="65" charset="-120"/>
-                  <a:ea typeface="標楷體" panose="03000509000000000000" pitchFamily="65" charset="-120"/>
+                  <a:effectLst/>
+                  <a:latin typeface="Times New Roman"/>
+                  <a:ea typeface="標楷體"/>
                 </a:rPr>
-                <a:t>氣象因素分析</a:t>
+                <a:t>氣象保養關聯性</a:t>
               </a:r>
+              <a:endParaRPr lang="zh-TW" sz="1200" kern="100">
+                <a:effectLst/>
+                <a:latin typeface="Times New Roman"/>
+                <a:ea typeface="新細明體"/>
+              </a:endParaRPr>
             </a:p>
           </p:txBody>
         </p:sp>
         <p:sp>
           <p:nvSpPr>
-            <p:cNvPr id="22" name="矩形 21">
-              <a:extLst>
-                <a:ext uri="{FF2B5EF4-FFF2-40B4-BE49-F238E27FC236}">
-                  <a16:creationId xmlns="" xmlns:a16="http://schemas.microsoft.com/office/drawing/2014/main" xmlns:lc="http://schemas.openxmlformats.org/drawingml/2006/lockedCanvas" id="{0B96B930-25D2-4858-B03F-7E248BCF5FBC}"/>
-                </a:ext>
-              </a:extLst>
-            </p:cNvPr>
+            <p:cNvPr id="24" name="矩形 23"/>
             <p:cNvSpPr/>
             <p:nvPr/>
           </p:nvSpPr>
           <p:spPr>
             <a:xfrm>
-              <a:off x="4376057" y="4318908"/>
-              <a:ext cx="1719943" cy="676955"/>
+              <a:off x="4686300" y="962025"/>
+              <a:ext cx="1295400" cy="371475"/>
             </a:xfrm>
             <a:prstGeom prst="rect">
               <a:avLst/>
@@ -5334,133 +4925,59 @@
             </a:fontRef>
           </p:style>
           <p:txBody>
-            <a:bodyPr rtlCol="0" anchor="ctr"/>
-            <a:lstStyle>
-              <a:defPPr>
-                <a:defRPr lang="zh-TW"/>
-              </a:defPPr>
-              <a:lvl1pPr marL="0" algn="l" defTabSz="914400" rtl="0" eaLnBrk="1" latinLnBrk="0" hangingPunct="1">
-                <a:defRPr sz="1800" kern="1200">
+            <a:bodyPr rot="0" spcFirstLastPara="0" vert="horz" wrap="square" lIns="91440" tIns="45720" rIns="91440" bIns="45720" numCol="1" spcCol="0" rtlCol="0" fromWordArt="0" anchor="ctr" anchorCtr="0" forceAA="0" compatLnSpc="1">
+              <a:prstTxWarp prst="textNoShape">
+                <a:avLst/>
+              </a:prstTxWarp>
+              <a:noAutofit/>
+            </a:bodyPr>
+            <a:lstStyle/>
+            <a:p>
+              <a:pPr algn="ctr">
+                <a:spcAft>
+                  <a:spcPts val="0"/>
+                </a:spcAft>
+              </a:pPr>
+              <a:r>
+                <a:rPr lang="en-US" sz="1200" kern="100">
                   <a:solidFill>
-                    <a:schemeClr val="lt1"/>
+                    <a:srgbClr val="000000"/>
                   </a:solidFill>
-                  <a:latin typeface="+mn-lt"/>
-                  <a:ea typeface="+mn-ea"/>
-                  <a:cs typeface="+mn-cs"/>
-                </a:defRPr>
-              </a:lvl1pPr>
-              <a:lvl2pPr marL="457200" algn="l" defTabSz="914400" rtl="0" eaLnBrk="1" latinLnBrk="0" hangingPunct="1">
-                <a:defRPr sz="1800" kern="1200">
+                  <a:effectLst/>
+                  <a:latin typeface="標楷體"/>
+                  <a:ea typeface="新細明體"/>
+                </a:rPr>
+                <a:t>API</a:t>
+              </a:r>
+              <a:r>
+                <a:rPr lang="zh-TW" sz="1200" kern="100">
                   <a:solidFill>
-                    <a:schemeClr val="lt1"/>
+                    <a:srgbClr val="000000"/>
                   </a:solidFill>
-                  <a:latin typeface="+mn-lt"/>
-                  <a:ea typeface="+mn-ea"/>
-                  <a:cs typeface="+mn-cs"/>
-                </a:defRPr>
-              </a:lvl2pPr>
-              <a:lvl3pPr marL="914400" algn="l" defTabSz="914400" rtl="0" eaLnBrk="1" latinLnBrk="0" hangingPunct="1">
-                <a:defRPr sz="1800" kern="1200">
-                  <a:solidFill>
-                    <a:schemeClr val="lt1"/>
-                  </a:solidFill>
-                  <a:latin typeface="+mn-lt"/>
-                  <a:ea typeface="+mn-ea"/>
-                  <a:cs typeface="+mn-cs"/>
-                </a:defRPr>
-              </a:lvl3pPr>
-              <a:lvl4pPr marL="1371600" algn="l" defTabSz="914400" rtl="0" eaLnBrk="1" latinLnBrk="0" hangingPunct="1">
-                <a:defRPr sz="1800" kern="1200">
-                  <a:solidFill>
-                    <a:schemeClr val="lt1"/>
-                  </a:solidFill>
-                  <a:latin typeface="+mn-lt"/>
-                  <a:ea typeface="+mn-ea"/>
-                  <a:cs typeface="+mn-cs"/>
-                </a:defRPr>
-              </a:lvl4pPr>
-              <a:lvl5pPr marL="1828800" algn="l" defTabSz="914400" rtl="0" eaLnBrk="1" latinLnBrk="0" hangingPunct="1">
-                <a:defRPr sz="1800" kern="1200">
-                  <a:solidFill>
-                    <a:schemeClr val="lt1"/>
-                  </a:solidFill>
-                  <a:latin typeface="+mn-lt"/>
-                  <a:ea typeface="+mn-ea"/>
-                  <a:cs typeface="+mn-cs"/>
-                </a:defRPr>
-              </a:lvl5pPr>
-              <a:lvl6pPr marL="2286000" algn="l" defTabSz="914400" rtl="0" eaLnBrk="1" latinLnBrk="0" hangingPunct="1">
-                <a:defRPr sz="1800" kern="1200">
-                  <a:solidFill>
-                    <a:schemeClr val="lt1"/>
-                  </a:solidFill>
-                  <a:latin typeface="+mn-lt"/>
-                  <a:ea typeface="+mn-ea"/>
-                  <a:cs typeface="+mn-cs"/>
-                </a:defRPr>
-              </a:lvl6pPr>
-              <a:lvl7pPr marL="2743200" algn="l" defTabSz="914400" rtl="0" eaLnBrk="1" latinLnBrk="0" hangingPunct="1">
-                <a:defRPr sz="1800" kern="1200">
-                  <a:solidFill>
-                    <a:schemeClr val="lt1"/>
-                  </a:solidFill>
-                  <a:latin typeface="+mn-lt"/>
-                  <a:ea typeface="+mn-ea"/>
-                  <a:cs typeface="+mn-cs"/>
-                </a:defRPr>
-              </a:lvl7pPr>
-              <a:lvl8pPr marL="3200400" algn="l" defTabSz="914400" rtl="0" eaLnBrk="1" latinLnBrk="0" hangingPunct="1">
-                <a:defRPr sz="1800" kern="1200">
-                  <a:solidFill>
-                    <a:schemeClr val="lt1"/>
-                  </a:solidFill>
-                  <a:latin typeface="+mn-lt"/>
-                  <a:ea typeface="+mn-ea"/>
-                  <a:cs typeface="+mn-cs"/>
-                </a:defRPr>
-              </a:lvl8pPr>
-              <a:lvl9pPr marL="3657600" algn="l" defTabSz="914400" rtl="0" eaLnBrk="1" latinLnBrk="0" hangingPunct="1">
-                <a:defRPr sz="1800" kern="1200">
-                  <a:solidFill>
-                    <a:schemeClr val="lt1"/>
-                  </a:solidFill>
-                  <a:latin typeface="+mn-lt"/>
-                  <a:ea typeface="+mn-ea"/>
-                  <a:cs typeface="+mn-cs"/>
-                </a:defRPr>
-              </a:lvl9pPr>
-            </a:lstStyle>
-            <a:p>
-              <a:pPr algn="ctr"/>
-              <a:r>
-                <a:rPr lang="zh-TW" altLang="en-US" dirty="0">
-                  <a:solidFill>
-                    <a:schemeClr val="tx1"/>
-                  </a:solidFill>
-                  <a:latin typeface="標楷體" panose="03000509000000000000" pitchFamily="65" charset="-120"/>
-                  <a:ea typeface="標楷體" panose="03000509000000000000" pitchFamily="65" charset="-120"/>
+                  <a:effectLst/>
+                  <a:latin typeface="Times New Roman"/>
+                  <a:ea typeface="標楷體"/>
                 </a:rPr>
-                <a:t>腳本設計管理</a:t>
+                <a:t>資料設定</a:t>
               </a:r>
+              <a:endParaRPr lang="zh-TW" sz="1200" kern="100">
+                <a:effectLst/>
+                <a:latin typeface="Times New Roman"/>
+                <a:ea typeface="新細明體"/>
+              </a:endParaRPr>
             </a:p>
           </p:txBody>
         </p:sp>
         <p:sp>
           <p:nvSpPr>
-            <p:cNvPr id="23" name="矩形 22">
-              <a:extLst>
-                <a:ext uri="{FF2B5EF4-FFF2-40B4-BE49-F238E27FC236}">
-                  <a16:creationId xmlns="" xmlns:a16="http://schemas.microsoft.com/office/drawing/2014/main" xmlns:lc="http://schemas.openxmlformats.org/drawingml/2006/lockedCanvas" id="{8A138B6C-A3E2-495B-BAC8-175FFC005B58}"/>
-                </a:ext>
-              </a:extLst>
-            </p:cNvPr>
+            <p:cNvPr id="27" name="矩形 26"/>
             <p:cNvSpPr/>
             <p:nvPr/>
           </p:nvSpPr>
           <p:spPr>
             <a:xfrm>
-              <a:off x="4376057" y="5208816"/>
-              <a:ext cx="1719943" cy="676955"/>
+              <a:off x="352425" y="1504950"/>
+              <a:ext cx="1000125" cy="590550"/>
             </a:xfrm>
             <a:prstGeom prst="rect">
               <a:avLst/>
@@ -5484,155 +5001,583 @@
             </a:fontRef>
           </p:style>
           <p:txBody>
-            <a:bodyPr rtlCol="0" anchor="ctr"/>
-            <a:lstStyle>
-              <a:defPPr>
-                <a:defRPr lang="zh-TW"/>
-              </a:defPPr>
-              <a:lvl1pPr marL="0" algn="l" defTabSz="914400" rtl="0" eaLnBrk="1" latinLnBrk="0" hangingPunct="1">
-                <a:defRPr sz="1800" kern="1200">
+            <a:bodyPr rot="0" spcFirstLastPara="0" vert="horz" wrap="square" lIns="91440" tIns="45720" rIns="91440" bIns="45720" numCol="1" spcCol="0" rtlCol="0" fromWordArt="0" anchor="ctr" anchorCtr="0" forceAA="0" compatLnSpc="1">
+              <a:prstTxWarp prst="textNoShape">
+                <a:avLst/>
+              </a:prstTxWarp>
+              <a:noAutofit/>
+            </a:bodyPr>
+            <a:lstStyle/>
+            <a:p>
+              <a:pPr algn="ctr">
+                <a:spcAft>
+                  <a:spcPts val="0"/>
+                </a:spcAft>
+              </a:pPr>
+              <a:r>
+                <a:rPr lang="zh-TW" sz="1200" kern="100">
                   <a:solidFill>
-                    <a:schemeClr val="lt1"/>
+                    <a:srgbClr val="000000"/>
                   </a:solidFill>
-                  <a:latin typeface="+mn-lt"/>
-                  <a:ea typeface="+mn-ea"/>
-                  <a:cs typeface="+mn-cs"/>
-                </a:defRPr>
-              </a:lvl1pPr>
-              <a:lvl2pPr marL="457200" algn="l" defTabSz="914400" rtl="0" eaLnBrk="1" latinLnBrk="0" hangingPunct="1">
-                <a:defRPr sz="1800" kern="1200">
+                  <a:effectLst/>
+                  <a:latin typeface="Times New Roman"/>
+                  <a:ea typeface="標楷體"/>
+                </a:rPr>
+                <a:t>查詢使用者使用情況</a:t>
+              </a:r>
+              <a:endParaRPr lang="zh-TW" sz="1200" kern="100">
+                <a:effectLst/>
+                <a:latin typeface="Times New Roman"/>
+                <a:ea typeface="新細明體"/>
+              </a:endParaRPr>
+            </a:p>
+          </p:txBody>
+        </p:sp>
+        <p:sp>
+          <p:nvSpPr>
+            <p:cNvPr id="28" name="矩形 27"/>
+            <p:cNvSpPr/>
+            <p:nvPr/>
+          </p:nvSpPr>
+          <p:spPr>
+            <a:xfrm>
+              <a:off x="4914900" y="1504950"/>
+              <a:ext cx="1066800" cy="590550"/>
+            </a:xfrm>
+            <a:prstGeom prst="rect">
+              <a:avLst/>
+            </a:prstGeom>
+            <a:noFill/>
+          </p:spPr>
+          <p:style>
+            <a:lnRef idx="2">
+              <a:schemeClr val="accent1">
+                <a:shade val="50000"/>
+              </a:schemeClr>
+            </a:lnRef>
+            <a:fillRef idx="1">
+              <a:schemeClr val="accent1"/>
+            </a:fillRef>
+            <a:effectRef idx="0">
+              <a:schemeClr val="accent1"/>
+            </a:effectRef>
+            <a:fontRef idx="minor">
+              <a:schemeClr val="lt1"/>
+            </a:fontRef>
+          </p:style>
+          <p:txBody>
+            <a:bodyPr rot="0" spcFirstLastPara="0" vert="horz" wrap="square" lIns="91440" tIns="45720" rIns="91440" bIns="45720" numCol="1" spcCol="0" rtlCol="0" fromWordArt="0" anchor="ctr" anchorCtr="0" forceAA="0" compatLnSpc="1">
+              <a:prstTxWarp prst="textNoShape">
+                <a:avLst/>
+              </a:prstTxWarp>
+              <a:noAutofit/>
+            </a:bodyPr>
+            <a:lstStyle/>
+            <a:p>
+              <a:pPr algn="ctr">
+                <a:spcAft>
+                  <a:spcPts val="0"/>
+                </a:spcAft>
+              </a:pPr>
+              <a:r>
+                <a:rPr lang="zh-TW" sz="1200" kern="100">
                   <a:solidFill>
-                    <a:schemeClr val="lt1"/>
+                    <a:srgbClr val="000000"/>
                   </a:solidFill>
-                  <a:latin typeface="+mn-lt"/>
-                  <a:ea typeface="+mn-ea"/>
-                  <a:cs typeface="+mn-cs"/>
-                </a:defRPr>
-              </a:lvl2pPr>
-              <a:lvl3pPr marL="914400" algn="l" defTabSz="914400" rtl="0" eaLnBrk="1" latinLnBrk="0" hangingPunct="1">
-                <a:defRPr sz="1800" kern="1200">
+                  <a:effectLst/>
+                  <a:latin typeface="Times New Roman"/>
+                  <a:ea typeface="標楷體"/>
+                </a:rPr>
+                <a:t>設定天氣預報時間</a:t>
+              </a:r>
+              <a:endParaRPr lang="zh-TW" sz="1200" kern="100">
+                <a:effectLst/>
+                <a:latin typeface="Times New Roman"/>
+                <a:ea typeface="新細明體"/>
+              </a:endParaRPr>
+            </a:p>
+          </p:txBody>
+        </p:sp>
+        <p:sp>
+          <p:nvSpPr>
+            <p:cNvPr id="30" name="矩形 29"/>
+            <p:cNvSpPr/>
+            <p:nvPr/>
+          </p:nvSpPr>
+          <p:spPr>
+            <a:xfrm>
+              <a:off x="4914900" y="2276475"/>
+              <a:ext cx="1066800" cy="361950"/>
+            </a:xfrm>
+            <a:prstGeom prst="rect">
+              <a:avLst/>
+            </a:prstGeom>
+            <a:noFill/>
+          </p:spPr>
+          <p:style>
+            <a:lnRef idx="2">
+              <a:schemeClr val="accent1">
+                <a:shade val="50000"/>
+              </a:schemeClr>
+            </a:lnRef>
+            <a:fillRef idx="1">
+              <a:schemeClr val="accent1"/>
+            </a:fillRef>
+            <a:effectRef idx="0">
+              <a:schemeClr val="accent1"/>
+            </a:effectRef>
+            <a:fontRef idx="minor">
+              <a:schemeClr val="lt1"/>
+            </a:fontRef>
+          </p:style>
+          <p:txBody>
+            <a:bodyPr rot="0" spcFirstLastPara="0" vert="horz" wrap="square" lIns="91440" tIns="45720" rIns="91440" bIns="45720" numCol="1" spcCol="0" rtlCol="0" fromWordArt="0" anchor="ctr" anchorCtr="0" forceAA="0" compatLnSpc="1">
+              <a:prstTxWarp prst="textNoShape">
+                <a:avLst/>
+              </a:prstTxWarp>
+              <a:noAutofit/>
+            </a:bodyPr>
+            <a:lstStyle/>
+            <a:p>
+              <a:pPr algn="ctr">
+                <a:spcAft>
+                  <a:spcPts val="0"/>
+                </a:spcAft>
+              </a:pPr>
+              <a:r>
+                <a:rPr lang="zh-TW" sz="1200" kern="100">
                   <a:solidFill>
-                    <a:schemeClr val="lt1"/>
+                    <a:srgbClr val="000000"/>
                   </a:solidFill>
-                  <a:latin typeface="+mn-lt"/>
-                  <a:ea typeface="+mn-ea"/>
-                  <a:cs typeface="+mn-cs"/>
-                </a:defRPr>
-              </a:lvl3pPr>
-              <a:lvl4pPr marL="1371600" algn="l" defTabSz="914400" rtl="0" eaLnBrk="1" latinLnBrk="0" hangingPunct="1">
-                <a:defRPr sz="1800" kern="1200">
+                  <a:effectLst/>
+                  <a:latin typeface="Times New Roman"/>
+                  <a:ea typeface="標楷體"/>
+                </a:rPr>
+                <a:t>設定所在地</a:t>
+              </a:r>
+              <a:endParaRPr lang="zh-TW" sz="1200" kern="100">
+                <a:effectLst/>
+                <a:latin typeface="Times New Roman"/>
+                <a:ea typeface="新細明體"/>
+              </a:endParaRPr>
+            </a:p>
+          </p:txBody>
+        </p:sp>
+        <p:sp>
+          <p:nvSpPr>
+            <p:cNvPr id="31" name="矩形 30"/>
+            <p:cNvSpPr/>
+            <p:nvPr/>
+          </p:nvSpPr>
+          <p:spPr>
+            <a:xfrm>
+              <a:off x="1743075" y="1504950"/>
+              <a:ext cx="1152525" cy="314325"/>
+            </a:xfrm>
+            <a:prstGeom prst="rect">
+              <a:avLst/>
+            </a:prstGeom>
+            <a:noFill/>
+          </p:spPr>
+          <p:style>
+            <a:lnRef idx="2">
+              <a:schemeClr val="accent1">
+                <a:shade val="50000"/>
+              </a:schemeClr>
+            </a:lnRef>
+            <a:fillRef idx="1">
+              <a:schemeClr val="accent1"/>
+            </a:fillRef>
+            <a:effectRef idx="0">
+              <a:schemeClr val="accent1"/>
+            </a:effectRef>
+            <a:fontRef idx="minor">
+              <a:schemeClr val="lt1"/>
+            </a:fontRef>
+          </p:style>
+          <p:txBody>
+            <a:bodyPr rot="0" spcFirstLastPara="0" vert="horz" wrap="square" lIns="91440" tIns="45720" rIns="91440" bIns="45720" numCol="1" spcCol="0" rtlCol="0" fromWordArt="0" anchor="ctr" anchorCtr="0" forceAA="0" compatLnSpc="1">
+              <a:prstTxWarp prst="textNoShape">
+                <a:avLst/>
+              </a:prstTxWarp>
+              <a:noAutofit/>
+            </a:bodyPr>
+            <a:lstStyle/>
+            <a:p>
+              <a:pPr algn="ctr">
+                <a:spcAft>
+                  <a:spcPts val="0"/>
+                </a:spcAft>
+              </a:pPr>
+              <a:r>
+                <a:rPr lang="zh-TW" sz="1200" kern="100">
                   <a:solidFill>
-                    <a:schemeClr val="lt1"/>
+                    <a:srgbClr val="000000"/>
                   </a:solidFill>
-                  <a:latin typeface="+mn-lt"/>
-                  <a:ea typeface="+mn-ea"/>
-                  <a:cs typeface="+mn-cs"/>
-                </a:defRPr>
-              </a:lvl4pPr>
-              <a:lvl5pPr marL="1828800" algn="l" defTabSz="914400" rtl="0" eaLnBrk="1" latinLnBrk="0" hangingPunct="1">
-                <a:defRPr sz="1800" kern="1200">
+                  <a:effectLst/>
+                  <a:latin typeface="Times New Roman"/>
+                  <a:ea typeface="標楷體"/>
+                </a:rPr>
+                <a:t>新增保養資枓</a:t>
+              </a:r>
+              <a:endParaRPr lang="zh-TW" sz="1200" kern="100">
+                <a:effectLst/>
+                <a:latin typeface="Times New Roman"/>
+                <a:ea typeface="新細明體"/>
+              </a:endParaRPr>
+            </a:p>
+          </p:txBody>
+        </p:sp>
+        <p:sp>
+          <p:nvSpPr>
+            <p:cNvPr id="32" name="矩形 31"/>
+            <p:cNvSpPr/>
+            <p:nvPr/>
+          </p:nvSpPr>
+          <p:spPr>
+            <a:xfrm>
+              <a:off x="1743075" y="1943100"/>
+              <a:ext cx="1152525" cy="314325"/>
+            </a:xfrm>
+            <a:prstGeom prst="rect">
+              <a:avLst/>
+            </a:prstGeom>
+            <a:noFill/>
+          </p:spPr>
+          <p:style>
+            <a:lnRef idx="2">
+              <a:schemeClr val="accent1">
+                <a:shade val="50000"/>
+              </a:schemeClr>
+            </a:lnRef>
+            <a:fillRef idx="1">
+              <a:schemeClr val="accent1"/>
+            </a:fillRef>
+            <a:effectRef idx="0">
+              <a:schemeClr val="accent1"/>
+            </a:effectRef>
+            <a:fontRef idx="minor">
+              <a:schemeClr val="lt1"/>
+            </a:fontRef>
+          </p:style>
+          <p:txBody>
+            <a:bodyPr rot="0" spcFirstLastPara="0" vert="horz" wrap="square" lIns="91440" tIns="45720" rIns="91440" bIns="45720" numCol="1" spcCol="0" rtlCol="0" fromWordArt="0" anchor="ctr" anchorCtr="0" forceAA="0" compatLnSpc="1">
+              <a:prstTxWarp prst="textNoShape">
+                <a:avLst/>
+              </a:prstTxWarp>
+              <a:noAutofit/>
+            </a:bodyPr>
+            <a:lstStyle/>
+            <a:p>
+              <a:pPr algn="ctr">
+                <a:spcAft>
+                  <a:spcPts val="0"/>
+                </a:spcAft>
+              </a:pPr>
+              <a:r>
+                <a:rPr lang="zh-TW" sz="1200" kern="100">
                   <a:solidFill>
-                    <a:schemeClr val="lt1"/>
+                    <a:srgbClr val="000000"/>
                   </a:solidFill>
-                  <a:latin typeface="+mn-lt"/>
-                  <a:ea typeface="+mn-ea"/>
-                  <a:cs typeface="+mn-cs"/>
-                </a:defRPr>
-              </a:lvl5pPr>
-              <a:lvl6pPr marL="2286000" algn="l" defTabSz="914400" rtl="0" eaLnBrk="1" latinLnBrk="0" hangingPunct="1">
-                <a:defRPr sz="1800" kern="1200">
+                  <a:effectLst/>
+                  <a:latin typeface="Times New Roman"/>
+                  <a:ea typeface="標楷體"/>
+                </a:rPr>
+                <a:t>刪除保養資枓</a:t>
+              </a:r>
+              <a:endParaRPr lang="zh-TW" sz="1200" kern="100">
+                <a:effectLst/>
+                <a:latin typeface="Times New Roman"/>
+                <a:ea typeface="新細明體"/>
+              </a:endParaRPr>
+            </a:p>
+          </p:txBody>
+        </p:sp>
+        <p:sp>
+          <p:nvSpPr>
+            <p:cNvPr id="33" name="矩形 32"/>
+            <p:cNvSpPr/>
+            <p:nvPr/>
+          </p:nvSpPr>
+          <p:spPr>
+            <a:xfrm>
+              <a:off x="1743075" y="2371725"/>
+              <a:ext cx="1152525" cy="314325"/>
+            </a:xfrm>
+            <a:prstGeom prst="rect">
+              <a:avLst/>
+            </a:prstGeom>
+            <a:noFill/>
+          </p:spPr>
+          <p:style>
+            <a:lnRef idx="2">
+              <a:schemeClr val="accent1">
+                <a:shade val="50000"/>
+              </a:schemeClr>
+            </a:lnRef>
+            <a:fillRef idx="1">
+              <a:schemeClr val="accent1"/>
+            </a:fillRef>
+            <a:effectRef idx="0">
+              <a:schemeClr val="accent1"/>
+            </a:effectRef>
+            <a:fontRef idx="minor">
+              <a:schemeClr val="lt1"/>
+            </a:fontRef>
+          </p:style>
+          <p:txBody>
+            <a:bodyPr rot="0" spcFirstLastPara="0" vert="horz" wrap="square" lIns="91440" tIns="45720" rIns="91440" bIns="45720" numCol="1" spcCol="0" rtlCol="0" fromWordArt="0" anchor="ctr" anchorCtr="0" forceAA="0" compatLnSpc="1">
+              <a:prstTxWarp prst="textNoShape">
+                <a:avLst/>
+              </a:prstTxWarp>
+              <a:noAutofit/>
+            </a:bodyPr>
+            <a:lstStyle/>
+            <a:p>
+              <a:pPr algn="ctr">
+                <a:spcAft>
+                  <a:spcPts val="0"/>
+                </a:spcAft>
+              </a:pPr>
+              <a:r>
+                <a:rPr lang="zh-TW" sz="1200" kern="100">
                   <a:solidFill>
-                    <a:schemeClr val="lt1"/>
+                    <a:srgbClr val="000000"/>
                   </a:solidFill>
-                  <a:latin typeface="+mn-lt"/>
-                  <a:ea typeface="+mn-ea"/>
-                  <a:cs typeface="+mn-cs"/>
-                </a:defRPr>
-              </a:lvl6pPr>
-              <a:lvl7pPr marL="2743200" algn="l" defTabSz="914400" rtl="0" eaLnBrk="1" latinLnBrk="0" hangingPunct="1">
-                <a:defRPr sz="1800" kern="1200">
+                  <a:effectLst/>
+                  <a:latin typeface="Times New Roman"/>
+                  <a:ea typeface="標楷體"/>
+                </a:rPr>
+                <a:t>修改保養資枓</a:t>
+              </a:r>
+              <a:endParaRPr lang="zh-TW" sz="1200" kern="100">
+                <a:effectLst/>
+                <a:latin typeface="Times New Roman"/>
+                <a:ea typeface="新細明體"/>
+              </a:endParaRPr>
+            </a:p>
+          </p:txBody>
+        </p:sp>
+        <p:sp>
+          <p:nvSpPr>
+            <p:cNvPr id="34" name="矩形 33"/>
+            <p:cNvSpPr/>
+            <p:nvPr/>
+          </p:nvSpPr>
+          <p:spPr>
+            <a:xfrm>
+              <a:off x="3343275" y="1504950"/>
+              <a:ext cx="1152525" cy="314325"/>
+            </a:xfrm>
+            <a:prstGeom prst="rect">
+              <a:avLst/>
+            </a:prstGeom>
+            <a:noFill/>
+          </p:spPr>
+          <p:style>
+            <a:lnRef idx="2">
+              <a:schemeClr val="accent1">
+                <a:shade val="50000"/>
+              </a:schemeClr>
+            </a:lnRef>
+            <a:fillRef idx="1">
+              <a:schemeClr val="accent1"/>
+            </a:fillRef>
+            <a:effectRef idx="0">
+              <a:schemeClr val="accent1"/>
+            </a:effectRef>
+            <a:fontRef idx="minor">
+              <a:schemeClr val="lt1"/>
+            </a:fontRef>
+          </p:style>
+          <p:txBody>
+            <a:bodyPr rot="0" spcFirstLastPara="0" vert="horz" wrap="square" lIns="91440" tIns="45720" rIns="91440" bIns="45720" numCol="1" spcCol="0" rtlCol="0" fromWordArt="0" anchor="ctr" anchorCtr="0" forceAA="0" compatLnSpc="1">
+              <a:prstTxWarp prst="textNoShape">
+                <a:avLst/>
+              </a:prstTxWarp>
+              <a:noAutofit/>
+            </a:bodyPr>
+            <a:lstStyle/>
+            <a:p>
+              <a:pPr algn="ctr">
+                <a:spcAft>
+                  <a:spcPts val="0"/>
+                </a:spcAft>
+              </a:pPr>
+              <a:r>
+                <a:rPr lang="zh-TW" sz="1200" kern="100">
                   <a:solidFill>
-                    <a:schemeClr val="lt1"/>
+                    <a:srgbClr val="000000"/>
                   </a:solidFill>
-                  <a:latin typeface="+mn-lt"/>
-                  <a:ea typeface="+mn-ea"/>
-                  <a:cs typeface="+mn-cs"/>
-                </a:defRPr>
-              </a:lvl7pPr>
-              <a:lvl8pPr marL="3200400" algn="l" defTabSz="914400" rtl="0" eaLnBrk="1" latinLnBrk="0" hangingPunct="1">
-                <a:defRPr sz="1800" kern="1200">
+                  <a:effectLst/>
+                  <a:latin typeface="Times New Roman"/>
+                  <a:ea typeface="標楷體"/>
+                </a:rPr>
+                <a:t>新增天氣因素</a:t>
+              </a:r>
+              <a:endParaRPr lang="zh-TW" sz="1200" kern="100">
+                <a:effectLst/>
+                <a:latin typeface="Times New Roman"/>
+                <a:ea typeface="新細明體"/>
+              </a:endParaRPr>
+            </a:p>
+          </p:txBody>
+        </p:sp>
+        <p:sp>
+          <p:nvSpPr>
+            <p:cNvPr id="35" name="矩形 34"/>
+            <p:cNvSpPr/>
+            <p:nvPr/>
+          </p:nvSpPr>
+          <p:spPr>
+            <a:xfrm>
+              <a:off x="3343275" y="1943100"/>
+              <a:ext cx="1152525" cy="314325"/>
+            </a:xfrm>
+            <a:prstGeom prst="rect">
+              <a:avLst/>
+            </a:prstGeom>
+            <a:noFill/>
+          </p:spPr>
+          <p:style>
+            <a:lnRef idx="2">
+              <a:schemeClr val="accent1">
+                <a:shade val="50000"/>
+              </a:schemeClr>
+            </a:lnRef>
+            <a:fillRef idx="1">
+              <a:schemeClr val="accent1"/>
+            </a:fillRef>
+            <a:effectRef idx="0">
+              <a:schemeClr val="accent1"/>
+            </a:effectRef>
+            <a:fontRef idx="minor">
+              <a:schemeClr val="lt1"/>
+            </a:fontRef>
+          </p:style>
+          <p:txBody>
+            <a:bodyPr rot="0" spcFirstLastPara="0" vert="horz" wrap="square" lIns="91440" tIns="45720" rIns="91440" bIns="45720" numCol="1" spcCol="0" rtlCol="0" fromWordArt="0" anchor="ctr" anchorCtr="0" forceAA="0" compatLnSpc="1">
+              <a:prstTxWarp prst="textNoShape">
+                <a:avLst/>
+              </a:prstTxWarp>
+              <a:noAutofit/>
+            </a:bodyPr>
+            <a:lstStyle/>
+            <a:p>
+              <a:pPr algn="ctr">
+                <a:spcAft>
+                  <a:spcPts val="0"/>
+                </a:spcAft>
+              </a:pPr>
+              <a:r>
+                <a:rPr lang="zh-TW" sz="1200" kern="100">
                   <a:solidFill>
-                    <a:schemeClr val="lt1"/>
+                    <a:srgbClr val="000000"/>
                   </a:solidFill>
-                  <a:latin typeface="+mn-lt"/>
-                  <a:ea typeface="+mn-ea"/>
-                  <a:cs typeface="+mn-cs"/>
-                </a:defRPr>
-              </a:lvl8pPr>
-              <a:lvl9pPr marL="3657600" algn="l" defTabSz="914400" rtl="0" eaLnBrk="1" latinLnBrk="0" hangingPunct="1">
-                <a:defRPr sz="1800" kern="1200">
+                  <a:effectLst/>
+                  <a:latin typeface="Times New Roman"/>
+                  <a:ea typeface="標楷體"/>
+                </a:rPr>
+                <a:t>刪除天氣因素</a:t>
+              </a:r>
+              <a:endParaRPr lang="zh-TW" sz="1200" kern="100">
+                <a:effectLst/>
+                <a:latin typeface="Times New Roman"/>
+                <a:ea typeface="新細明體"/>
+              </a:endParaRPr>
+            </a:p>
+          </p:txBody>
+        </p:sp>
+        <p:sp>
+          <p:nvSpPr>
+            <p:cNvPr id="36" name="矩形 35"/>
+            <p:cNvSpPr/>
+            <p:nvPr/>
+          </p:nvSpPr>
+          <p:spPr>
+            <a:xfrm>
+              <a:off x="3343275" y="2371725"/>
+              <a:ext cx="1152525" cy="314325"/>
+            </a:xfrm>
+            <a:prstGeom prst="rect">
+              <a:avLst/>
+            </a:prstGeom>
+            <a:noFill/>
+          </p:spPr>
+          <p:style>
+            <a:lnRef idx="2">
+              <a:schemeClr val="accent1">
+                <a:shade val="50000"/>
+              </a:schemeClr>
+            </a:lnRef>
+            <a:fillRef idx="1">
+              <a:schemeClr val="accent1"/>
+            </a:fillRef>
+            <a:effectRef idx="0">
+              <a:schemeClr val="accent1"/>
+            </a:effectRef>
+            <a:fontRef idx="minor">
+              <a:schemeClr val="lt1"/>
+            </a:fontRef>
+          </p:style>
+          <p:txBody>
+            <a:bodyPr rot="0" spcFirstLastPara="0" vert="horz" wrap="square" lIns="91440" tIns="45720" rIns="91440" bIns="45720" numCol="1" spcCol="0" rtlCol="0" fromWordArt="0" anchor="ctr" anchorCtr="0" forceAA="0" compatLnSpc="1">
+              <a:prstTxWarp prst="textNoShape">
+                <a:avLst/>
+              </a:prstTxWarp>
+              <a:noAutofit/>
+            </a:bodyPr>
+            <a:lstStyle/>
+            <a:p>
+              <a:pPr algn="ctr">
+                <a:spcAft>
+                  <a:spcPts val="0"/>
+                </a:spcAft>
+              </a:pPr>
+              <a:r>
+                <a:rPr lang="zh-TW" sz="1200" kern="100">
                   <a:solidFill>
-                    <a:schemeClr val="lt1"/>
+                    <a:srgbClr val="000000"/>
                   </a:solidFill>
-                  <a:latin typeface="+mn-lt"/>
-                  <a:ea typeface="+mn-ea"/>
-                  <a:cs typeface="+mn-cs"/>
-                </a:defRPr>
-              </a:lvl9pPr>
-            </a:lstStyle>
-            <a:p>
-              <a:pPr algn="ctr"/>
-              <a:r>
-                <a:rPr lang="zh-TW" altLang="en-US" dirty="0">
-                  <a:solidFill>
-                    <a:schemeClr val="tx1"/>
-                  </a:solidFill>
-                  <a:latin typeface="標楷體" panose="03000509000000000000" pitchFamily="65" charset="-120"/>
-                  <a:ea typeface="標楷體" panose="03000509000000000000" pitchFamily="65" charset="-120"/>
+                  <a:effectLst/>
+                  <a:latin typeface="Times New Roman"/>
+                  <a:ea typeface="標楷體"/>
                 </a:rPr>
-                <a:t>關鍵字管理</a:t>
+                <a:t>修改天氣因素</a:t>
               </a:r>
+              <a:endParaRPr lang="zh-TW" sz="1200" kern="100">
+                <a:effectLst/>
+                <a:latin typeface="Times New Roman"/>
+                <a:ea typeface="新細明體"/>
+              </a:endParaRPr>
             </a:p>
           </p:txBody>
         </p:sp>
         <p:cxnSp>
           <p:nvCxnSpPr>
-            <p:cNvPr id="24" name="直線接點 23">
-              <a:extLst>
-                <a:ext uri="{FF2B5EF4-FFF2-40B4-BE49-F238E27FC236}">
-                  <a16:creationId xmlns="" xmlns:a16="http://schemas.microsoft.com/office/drawing/2014/main" xmlns:lc="http://schemas.openxmlformats.org/drawingml/2006/lockedCanvas" id="{E0E50787-F6A9-4F1E-946C-76165FB5F651}"/>
-                </a:ext>
-              </a:extLst>
-            </p:cNvPr>
-            <p:cNvCxnSpPr>
-              <a:stCxn id="18" idx="3"/>
-              <a:endCxn id="21" idx="1"/>
-            </p:cNvCxnSpPr>
+            <p:cNvPr id="37" name="直線接點 36"/>
+            <p:cNvCxnSpPr/>
             <p:nvPr/>
           </p:nvCxnSpPr>
           <p:spPr>
             <a:xfrm>
-              <a:off x="2579915" y="3767477"/>
-              <a:ext cx="1796142" cy="1"/>
+              <a:off x="152400" y="1333500"/>
+              <a:ext cx="0" cy="485775"/>
             </a:xfrm>
             <a:prstGeom prst="line">
               <a:avLst/>
             </a:prstGeom>
-            <a:ln w="38100">
-              <a:solidFill>
-                <a:schemeClr val="tx1"/>
-              </a:solidFill>
-            </a:ln>
+            <a:ln w="38100"/>
           </p:spPr>
           <p:style>
             <a:lnRef idx="1">
-              <a:schemeClr val="dk1"/>
+              <a:schemeClr val="accent1"/>
             </a:lnRef>
             <a:fillRef idx="0">
-              <a:schemeClr val="dk1"/>
+              <a:schemeClr val="accent1"/>
             </a:fillRef>
             <a:effectRef idx="0">
-              <a:schemeClr val="dk1"/>
+              <a:schemeClr val="accent1"/>
             </a:effectRef>
             <a:fontRef idx="minor">
               <a:schemeClr val="tx1"/>
@@ -5641,41 +5586,29 @@
         </p:cxnSp>
         <p:cxnSp>
           <p:nvCxnSpPr>
-            <p:cNvPr id="25" name="直線接點 24">
-              <a:extLst>
-                <a:ext uri="{FF2B5EF4-FFF2-40B4-BE49-F238E27FC236}">
-                  <a16:creationId xmlns="" xmlns:a16="http://schemas.microsoft.com/office/drawing/2014/main" xmlns:lc="http://schemas.openxmlformats.org/drawingml/2006/lockedCanvas" id="{A8980101-9E69-4FDC-913D-DE6DC051BE28}"/>
-                </a:ext>
-              </a:extLst>
-            </p:cNvPr>
-            <p:cNvCxnSpPr>
-              <a:endCxn id="19" idx="1"/>
-            </p:cNvCxnSpPr>
+            <p:cNvPr id="38" name="直線接點 37"/>
+            <p:cNvCxnSpPr/>
             <p:nvPr/>
           </p:nvCxnSpPr>
           <p:spPr>
             <a:xfrm>
-              <a:off x="3437164" y="2029165"/>
-              <a:ext cx="938893" cy="1"/>
+              <a:off x="152400" y="1819275"/>
+              <a:ext cx="200025" cy="0"/>
             </a:xfrm>
             <a:prstGeom prst="line">
               <a:avLst/>
             </a:prstGeom>
-            <a:ln w="38100">
-              <a:solidFill>
-                <a:schemeClr val="tx1"/>
-              </a:solidFill>
-            </a:ln>
+            <a:ln w="38100"/>
           </p:spPr>
           <p:style>
             <a:lnRef idx="1">
-              <a:schemeClr val="dk1"/>
+              <a:schemeClr val="accent1"/>
             </a:lnRef>
             <a:fillRef idx="0">
-              <a:schemeClr val="dk1"/>
+              <a:schemeClr val="accent1"/>
             </a:fillRef>
             <a:effectRef idx="0">
-              <a:schemeClr val="dk1"/>
+              <a:schemeClr val="accent1"/>
             </a:effectRef>
             <a:fontRef idx="minor">
               <a:schemeClr val="tx1"/>
@@ -5684,39 +5617,29 @@
         </p:cxnSp>
         <p:cxnSp>
           <p:nvCxnSpPr>
-            <p:cNvPr id="26" name="直線接點 25">
-              <a:extLst>
-                <a:ext uri="{FF2B5EF4-FFF2-40B4-BE49-F238E27FC236}">
-                  <a16:creationId xmlns="" xmlns:a16="http://schemas.microsoft.com/office/drawing/2014/main" xmlns:lc="http://schemas.openxmlformats.org/drawingml/2006/lockedCanvas" id="{8408AAC4-499C-4F68-812B-F5170D7E7EC8}"/>
-                </a:ext>
-              </a:extLst>
-            </p:cNvPr>
+            <p:cNvPr id="41" name="直線接點 40"/>
             <p:cNvCxnSpPr/>
             <p:nvPr/>
           </p:nvCxnSpPr>
           <p:spPr>
             <a:xfrm>
-              <a:off x="3437164" y="2964314"/>
-              <a:ext cx="938893" cy="1"/>
+              <a:off x="1571625" y="1333500"/>
+              <a:ext cx="0" cy="1200150"/>
             </a:xfrm>
             <a:prstGeom prst="line">
               <a:avLst/>
             </a:prstGeom>
-            <a:ln w="38100">
-              <a:solidFill>
-                <a:schemeClr val="tx1"/>
-              </a:solidFill>
-            </a:ln>
+            <a:ln w="38100"/>
           </p:spPr>
           <p:style>
             <a:lnRef idx="1">
-              <a:schemeClr val="dk1"/>
+              <a:schemeClr val="accent1"/>
             </a:lnRef>
             <a:fillRef idx="0">
-              <a:schemeClr val="dk1"/>
+              <a:schemeClr val="accent1"/>
             </a:fillRef>
             <a:effectRef idx="0">
-              <a:schemeClr val="dk1"/>
+              <a:schemeClr val="accent1"/>
             </a:effectRef>
             <a:fontRef idx="minor">
               <a:schemeClr val="tx1"/>
@@ -5725,39 +5648,29 @@
         </p:cxnSp>
         <p:cxnSp>
           <p:nvCxnSpPr>
-            <p:cNvPr id="27" name="直線接點 26">
-              <a:extLst>
-                <a:ext uri="{FF2B5EF4-FFF2-40B4-BE49-F238E27FC236}">
-                  <a16:creationId xmlns="" xmlns:a16="http://schemas.microsoft.com/office/drawing/2014/main" xmlns:lc="http://schemas.openxmlformats.org/drawingml/2006/lockedCanvas" id="{1F24A616-4B63-48BA-A7B3-C28ABD0D01C0}"/>
-                </a:ext>
-              </a:extLst>
-            </p:cNvPr>
+            <p:cNvPr id="42" name="直線接點 41"/>
             <p:cNvCxnSpPr/>
             <p:nvPr/>
           </p:nvCxnSpPr>
           <p:spPr>
             <a:xfrm>
-              <a:off x="3437164" y="4698883"/>
-              <a:ext cx="938893" cy="1"/>
+              <a:off x="1571625" y="2533650"/>
+              <a:ext cx="171450" cy="0"/>
             </a:xfrm>
             <a:prstGeom prst="line">
               <a:avLst/>
             </a:prstGeom>
-            <a:ln w="38100">
-              <a:solidFill>
-                <a:schemeClr val="tx1"/>
-              </a:solidFill>
-            </a:ln>
+            <a:ln w="38100"/>
           </p:spPr>
           <p:style>
             <a:lnRef idx="1">
-              <a:schemeClr val="dk1"/>
+              <a:schemeClr val="accent1"/>
             </a:lnRef>
             <a:fillRef idx="0">
-              <a:schemeClr val="dk1"/>
+              <a:schemeClr val="accent1"/>
             </a:fillRef>
             <a:effectRef idx="0">
-              <a:schemeClr val="dk1"/>
+              <a:schemeClr val="accent1"/>
             </a:effectRef>
             <a:fontRef idx="minor">
               <a:schemeClr val="tx1"/>
@@ -5766,39 +5679,29 @@
         </p:cxnSp>
         <p:cxnSp>
           <p:nvCxnSpPr>
-            <p:cNvPr id="28" name="直線接點 27">
-              <a:extLst>
-                <a:ext uri="{FF2B5EF4-FFF2-40B4-BE49-F238E27FC236}">
-                  <a16:creationId xmlns="" xmlns:a16="http://schemas.microsoft.com/office/drawing/2014/main" xmlns:lc="http://schemas.openxmlformats.org/drawingml/2006/lockedCanvas" id="{F264646A-4D5A-4E57-AF10-07ED0C4F48F3}"/>
-                </a:ext>
-              </a:extLst>
-            </p:cNvPr>
+            <p:cNvPr id="43" name="直線接點 42"/>
             <p:cNvCxnSpPr/>
             <p:nvPr/>
           </p:nvCxnSpPr>
           <p:spPr>
             <a:xfrm>
-              <a:off x="3437164" y="5518372"/>
-              <a:ext cx="938893" cy="1"/>
+              <a:off x="1571625" y="2095500"/>
+              <a:ext cx="171450" cy="0"/>
             </a:xfrm>
             <a:prstGeom prst="line">
               <a:avLst/>
             </a:prstGeom>
-            <a:ln w="38100">
-              <a:solidFill>
-                <a:schemeClr val="tx1"/>
-              </a:solidFill>
-            </a:ln>
+            <a:ln w="38100"/>
           </p:spPr>
           <p:style>
             <a:lnRef idx="1">
-              <a:schemeClr val="dk1"/>
+              <a:schemeClr val="accent1"/>
             </a:lnRef>
             <a:fillRef idx="0">
-              <a:schemeClr val="dk1"/>
+              <a:schemeClr val="accent1"/>
             </a:fillRef>
             <a:effectRef idx="0">
-              <a:schemeClr val="dk1"/>
+              <a:schemeClr val="accent1"/>
             </a:effectRef>
             <a:fontRef idx="minor">
               <a:schemeClr val="tx1"/>
@@ -5807,39 +5710,432 @@
         </p:cxnSp>
         <p:cxnSp>
           <p:nvCxnSpPr>
-            <p:cNvPr id="29" name="直線接點 28">
-              <a:extLst>
-                <a:ext uri="{FF2B5EF4-FFF2-40B4-BE49-F238E27FC236}">
-                  <a16:creationId xmlns="" xmlns:a16="http://schemas.microsoft.com/office/drawing/2014/main" xmlns:lc="http://schemas.openxmlformats.org/drawingml/2006/lockedCanvas" id="{70558D35-A990-4430-9F66-83B0DA487F5C}"/>
-                </a:ext>
-              </a:extLst>
-            </p:cNvPr>
+            <p:cNvPr id="44" name="直線接點 43"/>
             <p:cNvCxnSpPr/>
             <p:nvPr/>
           </p:nvCxnSpPr>
           <p:spPr>
             <a:xfrm>
-              <a:off x="3437164" y="2041750"/>
-              <a:ext cx="0" cy="3476622"/>
+              <a:off x="1571625" y="1685925"/>
+              <a:ext cx="171450" cy="0"/>
             </a:xfrm>
             <a:prstGeom prst="line">
               <a:avLst/>
             </a:prstGeom>
-            <a:ln w="38100">
-              <a:solidFill>
-                <a:schemeClr val="tx1"/>
-              </a:solidFill>
-            </a:ln>
+            <a:ln w="38100"/>
           </p:spPr>
           <p:style>
             <a:lnRef idx="1">
-              <a:schemeClr val="dk1"/>
+              <a:schemeClr val="accent1"/>
             </a:lnRef>
             <a:fillRef idx="0">
-              <a:schemeClr val="dk1"/>
+              <a:schemeClr val="accent1"/>
             </a:fillRef>
             <a:effectRef idx="0">
-              <a:schemeClr val="dk1"/>
+              <a:schemeClr val="accent1"/>
+            </a:effectRef>
+            <a:fontRef idx="minor">
+              <a:schemeClr val="tx1"/>
+            </a:fontRef>
+          </p:style>
+        </p:cxnSp>
+        <p:cxnSp>
+          <p:nvCxnSpPr>
+            <p:cNvPr id="45" name="直線接點 44"/>
+            <p:cNvCxnSpPr/>
+            <p:nvPr/>
+          </p:nvCxnSpPr>
+          <p:spPr>
+            <a:xfrm>
+              <a:off x="3171825" y="1333500"/>
+              <a:ext cx="0" cy="1200150"/>
+            </a:xfrm>
+            <a:prstGeom prst="line">
+              <a:avLst/>
+            </a:prstGeom>
+            <a:ln w="38100"/>
+          </p:spPr>
+          <p:style>
+            <a:lnRef idx="1">
+              <a:schemeClr val="accent1"/>
+            </a:lnRef>
+            <a:fillRef idx="0">
+              <a:schemeClr val="accent1"/>
+            </a:fillRef>
+            <a:effectRef idx="0">
+              <a:schemeClr val="accent1"/>
+            </a:effectRef>
+            <a:fontRef idx="minor">
+              <a:schemeClr val="tx1"/>
+            </a:fontRef>
+          </p:style>
+        </p:cxnSp>
+        <p:cxnSp>
+          <p:nvCxnSpPr>
+            <p:cNvPr id="46" name="直線接點 45"/>
+            <p:cNvCxnSpPr/>
+            <p:nvPr/>
+          </p:nvCxnSpPr>
+          <p:spPr>
+            <a:xfrm>
+              <a:off x="3171825" y="2533650"/>
+              <a:ext cx="171450" cy="0"/>
+            </a:xfrm>
+            <a:prstGeom prst="line">
+              <a:avLst/>
+            </a:prstGeom>
+            <a:ln w="38100"/>
+          </p:spPr>
+          <p:style>
+            <a:lnRef idx="1">
+              <a:schemeClr val="accent1"/>
+            </a:lnRef>
+            <a:fillRef idx="0">
+              <a:schemeClr val="accent1"/>
+            </a:fillRef>
+            <a:effectRef idx="0">
+              <a:schemeClr val="accent1"/>
+            </a:effectRef>
+            <a:fontRef idx="minor">
+              <a:schemeClr val="tx1"/>
+            </a:fontRef>
+          </p:style>
+        </p:cxnSp>
+        <p:cxnSp>
+          <p:nvCxnSpPr>
+            <p:cNvPr id="47" name="直線接點 46"/>
+            <p:cNvCxnSpPr/>
+            <p:nvPr/>
+          </p:nvCxnSpPr>
+          <p:spPr>
+            <a:xfrm>
+              <a:off x="3171825" y="2095500"/>
+              <a:ext cx="171450" cy="0"/>
+            </a:xfrm>
+            <a:prstGeom prst="line">
+              <a:avLst/>
+            </a:prstGeom>
+            <a:ln w="38100"/>
+          </p:spPr>
+          <p:style>
+            <a:lnRef idx="1">
+              <a:schemeClr val="accent1"/>
+            </a:lnRef>
+            <a:fillRef idx="0">
+              <a:schemeClr val="accent1"/>
+            </a:fillRef>
+            <a:effectRef idx="0">
+              <a:schemeClr val="accent1"/>
+            </a:effectRef>
+            <a:fontRef idx="minor">
+              <a:schemeClr val="tx1"/>
+            </a:fontRef>
+          </p:style>
+        </p:cxnSp>
+        <p:cxnSp>
+          <p:nvCxnSpPr>
+            <p:cNvPr id="48" name="直線接點 47"/>
+            <p:cNvCxnSpPr/>
+            <p:nvPr/>
+          </p:nvCxnSpPr>
+          <p:spPr>
+            <a:xfrm>
+              <a:off x="3171825" y="1685925"/>
+              <a:ext cx="171450" cy="0"/>
+            </a:xfrm>
+            <a:prstGeom prst="line">
+              <a:avLst/>
+            </a:prstGeom>
+            <a:ln w="38100"/>
+          </p:spPr>
+          <p:style>
+            <a:lnRef idx="1">
+              <a:schemeClr val="accent1"/>
+            </a:lnRef>
+            <a:fillRef idx="0">
+              <a:schemeClr val="accent1"/>
+            </a:fillRef>
+            <a:effectRef idx="0">
+              <a:schemeClr val="accent1"/>
+            </a:effectRef>
+            <a:fontRef idx="minor">
+              <a:schemeClr val="tx1"/>
+            </a:fontRef>
+          </p:style>
+        </p:cxnSp>
+        <p:cxnSp>
+          <p:nvCxnSpPr>
+            <p:cNvPr id="49" name="直線接點 48"/>
+            <p:cNvCxnSpPr/>
+            <p:nvPr/>
+          </p:nvCxnSpPr>
+          <p:spPr>
+            <a:xfrm>
+              <a:off x="4743450" y="1333500"/>
+              <a:ext cx="0" cy="1200150"/>
+            </a:xfrm>
+            <a:prstGeom prst="line">
+              <a:avLst/>
+            </a:prstGeom>
+            <a:ln w="38100"/>
+          </p:spPr>
+          <p:style>
+            <a:lnRef idx="1">
+              <a:schemeClr val="accent1"/>
+            </a:lnRef>
+            <a:fillRef idx="0">
+              <a:schemeClr val="accent1"/>
+            </a:fillRef>
+            <a:effectRef idx="0">
+              <a:schemeClr val="accent1"/>
+            </a:effectRef>
+            <a:fontRef idx="minor">
+              <a:schemeClr val="tx1"/>
+            </a:fontRef>
+          </p:style>
+        </p:cxnSp>
+        <p:cxnSp>
+          <p:nvCxnSpPr>
+            <p:cNvPr id="50" name="直線接點 49"/>
+            <p:cNvCxnSpPr/>
+            <p:nvPr/>
+          </p:nvCxnSpPr>
+          <p:spPr>
+            <a:xfrm>
+              <a:off x="4743450" y="2533650"/>
+              <a:ext cx="171450" cy="0"/>
+            </a:xfrm>
+            <a:prstGeom prst="line">
+              <a:avLst/>
+            </a:prstGeom>
+            <a:ln w="38100"/>
+          </p:spPr>
+          <p:style>
+            <a:lnRef idx="1">
+              <a:schemeClr val="accent1"/>
+            </a:lnRef>
+            <a:fillRef idx="0">
+              <a:schemeClr val="accent1"/>
+            </a:fillRef>
+            <a:effectRef idx="0">
+              <a:schemeClr val="accent1"/>
+            </a:effectRef>
+            <a:fontRef idx="minor">
+              <a:schemeClr val="tx1"/>
+            </a:fontRef>
+          </p:style>
+        </p:cxnSp>
+        <p:cxnSp>
+          <p:nvCxnSpPr>
+            <p:cNvPr id="51" name="直線接點 50"/>
+            <p:cNvCxnSpPr/>
+            <p:nvPr/>
+          </p:nvCxnSpPr>
+          <p:spPr>
+            <a:xfrm>
+              <a:off x="4743450" y="1685925"/>
+              <a:ext cx="171450" cy="0"/>
+            </a:xfrm>
+            <a:prstGeom prst="line">
+              <a:avLst/>
+            </a:prstGeom>
+            <a:ln w="38100"/>
+          </p:spPr>
+          <p:style>
+            <a:lnRef idx="1">
+              <a:schemeClr val="accent1"/>
+            </a:lnRef>
+            <a:fillRef idx="0">
+              <a:schemeClr val="accent1"/>
+            </a:fillRef>
+            <a:effectRef idx="0">
+              <a:schemeClr val="accent1"/>
+            </a:effectRef>
+            <a:fontRef idx="minor">
+              <a:schemeClr val="tx1"/>
+            </a:fontRef>
+          </p:style>
+        </p:cxnSp>
+        <p:cxnSp>
+          <p:nvCxnSpPr>
+            <p:cNvPr id="52" name="直線接點 51"/>
+            <p:cNvCxnSpPr/>
+            <p:nvPr/>
+          </p:nvCxnSpPr>
+          <p:spPr>
+            <a:xfrm>
+              <a:off x="571500" y="790575"/>
+              <a:ext cx="4829175" cy="0"/>
+            </a:xfrm>
+            <a:prstGeom prst="line">
+              <a:avLst/>
+            </a:prstGeom>
+            <a:ln w="38100"/>
+          </p:spPr>
+          <p:style>
+            <a:lnRef idx="1">
+              <a:schemeClr val="accent1"/>
+            </a:lnRef>
+            <a:fillRef idx="0">
+              <a:schemeClr val="accent1"/>
+            </a:fillRef>
+            <a:effectRef idx="0">
+              <a:schemeClr val="accent1"/>
+            </a:effectRef>
+            <a:fontRef idx="minor">
+              <a:schemeClr val="tx1"/>
+            </a:fontRef>
+          </p:style>
+        </p:cxnSp>
+        <p:cxnSp>
+          <p:nvCxnSpPr>
+            <p:cNvPr id="53" name="直線接點 52"/>
+            <p:cNvCxnSpPr/>
+            <p:nvPr/>
+          </p:nvCxnSpPr>
+          <p:spPr>
+            <a:xfrm>
+              <a:off x="571500" y="790575"/>
+              <a:ext cx="0" cy="171450"/>
+            </a:xfrm>
+            <a:prstGeom prst="line">
+              <a:avLst/>
+            </a:prstGeom>
+            <a:ln w="38100"/>
+          </p:spPr>
+          <p:style>
+            <a:lnRef idx="1">
+              <a:schemeClr val="accent1"/>
+            </a:lnRef>
+            <a:fillRef idx="0">
+              <a:schemeClr val="accent1"/>
+            </a:fillRef>
+            <a:effectRef idx="0">
+              <a:schemeClr val="accent1"/>
+            </a:effectRef>
+            <a:fontRef idx="minor">
+              <a:schemeClr val="tx1"/>
+            </a:fontRef>
+          </p:style>
+        </p:cxnSp>
+        <p:cxnSp>
+          <p:nvCxnSpPr>
+            <p:cNvPr id="54" name="直線接點 53"/>
+            <p:cNvCxnSpPr/>
+            <p:nvPr/>
+          </p:nvCxnSpPr>
+          <p:spPr>
+            <a:xfrm>
+              <a:off x="2981325" y="619125"/>
+              <a:ext cx="0" cy="171450"/>
+            </a:xfrm>
+            <a:prstGeom prst="line">
+              <a:avLst/>
+            </a:prstGeom>
+            <a:ln w="38100"/>
+          </p:spPr>
+          <p:style>
+            <a:lnRef idx="1">
+              <a:schemeClr val="accent1"/>
+            </a:lnRef>
+            <a:fillRef idx="0">
+              <a:schemeClr val="accent1"/>
+            </a:fillRef>
+            <a:effectRef idx="0">
+              <a:schemeClr val="accent1"/>
+            </a:effectRef>
+            <a:fontRef idx="minor">
+              <a:schemeClr val="tx1"/>
+            </a:fontRef>
+          </p:style>
+        </p:cxnSp>
+        <p:cxnSp>
+          <p:nvCxnSpPr>
+            <p:cNvPr id="55" name="直線接點 54"/>
+            <p:cNvCxnSpPr/>
+            <p:nvPr/>
+          </p:nvCxnSpPr>
+          <p:spPr>
+            <a:xfrm>
+              <a:off x="2162175" y="790575"/>
+              <a:ext cx="0" cy="171450"/>
+            </a:xfrm>
+            <a:prstGeom prst="line">
+              <a:avLst/>
+            </a:prstGeom>
+            <a:ln w="38100"/>
+          </p:spPr>
+          <p:style>
+            <a:lnRef idx="1">
+              <a:schemeClr val="accent1"/>
+            </a:lnRef>
+            <a:fillRef idx="0">
+              <a:schemeClr val="accent1"/>
+            </a:fillRef>
+            <a:effectRef idx="0">
+              <a:schemeClr val="accent1"/>
+            </a:effectRef>
+            <a:fontRef idx="minor">
+              <a:schemeClr val="tx1"/>
+            </a:fontRef>
+          </p:style>
+        </p:cxnSp>
+        <p:cxnSp>
+          <p:nvCxnSpPr>
+            <p:cNvPr id="56" name="直線接點 55"/>
+            <p:cNvCxnSpPr/>
+            <p:nvPr/>
+          </p:nvCxnSpPr>
+          <p:spPr>
+            <a:xfrm>
+              <a:off x="3752850" y="790575"/>
+              <a:ext cx="0" cy="171450"/>
+            </a:xfrm>
+            <a:prstGeom prst="line">
+              <a:avLst/>
+            </a:prstGeom>
+            <a:ln w="38100"/>
+          </p:spPr>
+          <p:style>
+            <a:lnRef idx="1">
+              <a:schemeClr val="accent1"/>
+            </a:lnRef>
+            <a:fillRef idx="0">
+              <a:schemeClr val="accent1"/>
+            </a:fillRef>
+            <a:effectRef idx="0">
+              <a:schemeClr val="accent1"/>
+            </a:effectRef>
+            <a:fontRef idx="minor">
+              <a:schemeClr val="tx1"/>
+            </a:fontRef>
+          </p:style>
+        </p:cxnSp>
+        <p:cxnSp>
+          <p:nvCxnSpPr>
+            <p:cNvPr id="57" name="直線接點 56"/>
+            <p:cNvCxnSpPr/>
+            <p:nvPr/>
+          </p:nvCxnSpPr>
+          <p:spPr>
+            <a:xfrm>
+              <a:off x="5400675" y="790575"/>
+              <a:ext cx="0" cy="171450"/>
+            </a:xfrm>
+            <a:prstGeom prst="line">
+              <a:avLst/>
+            </a:prstGeom>
+            <a:ln w="38100"/>
+          </p:spPr>
+          <p:style>
+            <a:lnRef idx="1">
+              <a:schemeClr val="accent1"/>
+            </a:lnRef>
+            <a:fillRef idx="0">
+              <a:schemeClr val="accent1"/>
+            </a:fillRef>
+            <a:effectRef idx="0">
+              <a:schemeClr val="accent1"/>
             </a:effectRef>
             <a:fontRef idx="minor">
               <a:schemeClr val="tx1"/>
@@ -5918,7 +6214,7 @@
         </p:spPr>
         <p:txBody>
           <a:bodyPr>
-            <a:normAutofit fontScale="92500" lnSpcReduction="10000"/>
+            <a:normAutofit/>
           </a:bodyPr>
           <a:lstStyle/>
           <a:p>
@@ -5949,79 +6245,9 @@
             <a:endParaRPr lang="en-US" dirty="0"/>
           </a:p>
           <a:p>
-            <a:r>
-              <a:rPr lang="en-US" dirty="0" smtClean="0"/>
-              <a:t>Project tool </a:t>
-            </a:r>
-            <a:r>
-              <a:rPr lang="zh-TW" altLang="en-US" dirty="0" smtClean="0"/>
-              <a:t>：</a:t>
-            </a:r>
-            <a:endParaRPr lang="en-US" altLang="zh-TW" dirty="0" smtClean="0"/>
-          </a:p>
-          <a:p>
-            <a:pPr lvl="1"/>
-            <a:r>
-              <a:rPr lang="en-US" altLang="zh-TW" sz="2000" u="sng" dirty="0" smtClean="0">
-                <a:hlinkClick r:id="rId2"/>
-              </a:rPr>
-              <a:t>Office </a:t>
-            </a:r>
-            <a:r>
-              <a:rPr lang="en-US" altLang="zh-TW" sz="2000" u="sng" dirty="0" err="1" smtClean="0">
-                <a:hlinkClick r:id="rId2"/>
-              </a:rPr>
-              <a:t>visio</a:t>
-            </a:r>
-            <a:r>
-              <a:rPr lang="zh-TW" altLang="en-US" sz="2000" u="sng" dirty="0" smtClean="0">
-                <a:hlinkClick r:id="rId2"/>
-              </a:rPr>
-              <a:t>流程圖</a:t>
-            </a:r>
-            <a:r>
-              <a:rPr lang="zh-TW" altLang="en-US" sz="2000" u="sng" dirty="0">
-                <a:hlinkClick r:id="rId2"/>
-              </a:rPr>
-              <a:t>製作程式與圖表製作軟體</a:t>
-            </a:r>
-          </a:p>
-          <a:p>
-            <a:pPr lvl="1"/>
-            <a:r>
-              <a:rPr lang="en-US" altLang="zh-TW" sz="2000" dirty="0" smtClean="0">
-                <a:hlinkClick r:id="rId3"/>
-              </a:rPr>
-              <a:t>Trello </a:t>
-            </a:r>
-            <a:r>
-              <a:rPr lang="zh-TW" altLang="en-US" sz="2000" dirty="0" smtClean="0">
-                <a:hlinkClick r:id="rId3"/>
-              </a:rPr>
-              <a:t>專案工作管理</a:t>
-            </a:r>
-            <a:endParaRPr lang="en-US" altLang="zh-TW" sz="2000" dirty="0" smtClean="0"/>
-          </a:p>
-          <a:p>
-            <a:pPr lvl="1"/>
-            <a:r>
-              <a:rPr lang="en-US" altLang="zh-TW" sz="2000" u="sng" dirty="0" smtClean="0">
-                <a:hlinkClick r:id="rId4"/>
-              </a:rPr>
-              <a:t>Google </a:t>
-            </a:r>
-            <a:r>
-              <a:rPr lang="zh-TW" altLang="en-US" sz="2000" u="sng" dirty="0" smtClean="0">
-                <a:hlinkClick r:id="rId4"/>
-              </a:rPr>
-              <a:t>日曆</a:t>
-            </a:r>
-            <a:endParaRPr lang="zh-TW" altLang="en-US" sz="2000" u="sng" dirty="0">
-              <a:hlinkClick r:id="rId5"/>
-            </a:endParaRPr>
-          </a:p>
-          <a:p>
-            <a:pPr lvl="1"/>
+            <a:pPr marL="457200" lvl="1" indent="0">
+              <a:buNone/>
+            </a:pPr>
             <a:endParaRPr lang="en-US" dirty="0"/>
           </a:p>
           <a:p>
@@ -6037,10 +6263,10 @@
         </p:nvGrpSpPr>
         <p:grpSpPr>
           <a:xfrm>
-            <a:off x="940524" y="1952898"/>
-            <a:ext cx="7445829" cy="2913021"/>
+            <a:off x="1784435" y="2051092"/>
+            <a:ext cx="5630093" cy="4603366"/>
             <a:chOff x="940524" y="1952898"/>
-            <a:chExt cx="7445829" cy="2913021"/>
+            <a:chExt cx="5630093" cy="4603366"/>
           </a:xfrm>
         </p:grpSpPr>
         <p:sp>
@@ -6051,7 +6277,7 @@
           </p:nvSpPr>
           <p:spPr>
             <a:xfrm>
-              <a:off x="3291840" y="1952898"/>
+              <a:off x="2377437" y="1952898"/>
               <a:ext cx="2560320" cy="450668"/>
             </a:xfrm>
             <a:prstGeom prst="rect">
@@ -6078,13 +6304,20 @@
             <a:p>
               <a:pPr algn="ctr"/>
               <a:r>
-                <a:rPr lang="zh-TW" altLang="en-US" dirty="0">
+                <a:rPr lang="zh-TW" altLang="en-US" sz="1400" dirty="0">
                   <a:latin typeface="微軟正黑體" panose="020B0604030504040204" pitchFamily="34" charset="-120"/>
                   <a:ea typeface="微軟正黑體" panose="020B0604030504040204" pitchFamily="34" charset="-120"/>
                 </a:rPr>
-                <a:t>美膚諮詢機器人設計</a:t>
+                <a:t>美膚諮詢</a:t>
               </a:r>
-              <a:endParaRPr lang="zh-TW" altLang="en-US" dirty="0">
+              <a:r>
+                <a:rPr lang="zh-TW" altLang="en-US" sz="1400" dirty="0" smtClean="0">
+                  <a:latin typeface="微軟正黑體" panose="020B0604030504040204" pitchFamily="34" charset="-120"/>
+                  <a:ea typeface="微軟正黑體" panose="020B0604030504040204" pitchFamily="34" charset="-120"/>
+                </a:rPr>
+                <a:t>機器人後台設計</a:t>
+              </a:r>
+              <a:endParaRPr lang="zh-TW" altLang="en-US" sz="1400" dirty="0">
                 <a:latin typeface="微軟正黑體" panose="020B0604030504040204" pitchFamily="34" charset="-120"/>
                 <a:ea typeface="微軟正黑體" panose="020B0604030504040204" pitchFamily="34" charset="-120"/>
               </a:endParaRPr>
@@ -6126,13 +6359,13 @@
             <a:p>
               <a:pPr algn="ctr"/>
               <a:r>
-                <a:rPr lang="zh-TW" altLang="en-US" dirty="0" smtClean="0">
+                <a:rPr lang="zh-TW" altLang="en-US" sz="1400" dirty="0" smtClean="0">
                   <a:latin typeface="微軟正黑體" panose="020B0604030504040204" pitchFamily="34" charset="-120"/>
                   <a:ea typeface="微軟正黑體" panose="020B0604030504040204" pitchFamily="34" charset="-120"/>
                 </a:rPr>
-                <a:t>需求分析</a:t>
+                <a:t>取得氣象開放資料</a:t>
               </a:r>
-              <a:endParaRPr lang="zh-TW" altLang="en-US" dirty="0">
+              <a:endParaRPr lang="zh-TW" altLang="en-US" sz="1400" dirty="0">
                 <a:latin typeface="微軟正黑體" panose="020B0604030504040204" pitchFamily="34" charset="-120"/>
                 <a:ea typeface="微軟正黑體" panose="020B0604030504040204" pitchFamily="34" charset="-120"/>
               </a:endParaRPr>
@@ -6174,13 +6407,13 @@
             <a:p>
               <a:pPr algn="ctr"/>
               <a:r>
-                <a:rPr lang="zh-TW" altLang="en-US" dirty="0" smtClean="0">
+                <a:rPr lang="zh-TW" altLang="en-US" sz="1400" dirty="0" smtClean="0">
                   <a:latin typeface="微軟正黑體" panose="020B0604030504040204" pitchFamily="34" charset="-120"/>
                   <a:ea typeface="微軟正黑體" panose="020B0604030504040204" pitchFamily="34" charset="-120"/>
                 </a:rPr>
                 <a:t>系統設計</a:t>
               </a:r>
-              <a:endParaRPr lang="zh-TW" altLang="en-US" dirty="0">
+              <a:endParaRPr lang="zh-TW" altLang="en-US" sz="1400" dirty="0">
                 <a:latin typeface="微軟正黑體" panose="020B0604030504040204" pitchFamily="34" charset="-120"/>
                 <a:ea typeface="微軟正黑體" panose="020B0604030504040204" pitchFamily="34" charset="-120"/>
               </a:endParaRPr>
@@ -6222,61 +6455,13 @@
             <a:p>
               <a:pPr algn="ctr"/>
               <a:r>
-                <a:rPr lang="zh-TW" altLang="en-US" dirty="0">
+                <a:rPr lang="zh-TW" altLang="en-US" sz="1400" dirty="0" smtClean="0">
                   <a:latin typeface="微軟正黑體" panose="020B0604030504040204" pitchFamily="34" charset="-120"/>
                   <a:ea typeface="微軟正黑體" panose="020B0604030504040204" pitchFamily="34" charset="-120"/>
                 </a:rPr>
-                <a:t>結構設計</a:t>
+                <a:t>系統開發</a:t>
               </a:r>
-              <a:endParaRPr lang="zh-TW" altLang="en-US" dirty="0">
-                <a:latin typeface="微軟正黑體" panose="020B0604030504040204" pitchFamily="34" charset="-120"/>
-                <a:ea typeface="微軟正黑體" panose="020B0604030504040204" pitchFamily="34" charset="-120"/>
-              </a:endParaRPr>
-            </a:p>
-          </p:txBody>
-        </p:sp>
-        <p:sp>
-          <p:nvSpPr>
-            <p:cNvPr id="8" name="矩形 7"/>
-            <p:cNvSpPr/>
-            <p:nvPr/>
-          </p:nvSpPr>
-          <p:spPr>
-            <a:xfrm>
-              <a:off x="6818810" y="2926086"/>
-              <a:ext cx="1567543" cy="450668"/>
-            </a:xfrm>
-            <a:prstGeom prst="rect">
-              <a:avLst/>
-            </a:prstGeom>
-          </p:spPr>
-          <p:style>
-            <a:lnRef idx="1">
-              <a:schemeClr val="accent6"/>
-            </a:lnRef>
-            <a:fillRef idx="2">
-              <a:schemeClr val="accent6"/>
-            </a:fillRef>
-            <a:effectRef idx="1">
-              <a:schemeClr val="accent6"/>
-            </a:effectRef>
-            <a:fontRef idx="minor">
-              <a:schemeClr val="dk1"/>
-            </a:fontRef>
-          </p:style>
-          <p:txBody>
-            <a:bodyPr rtlCol="0" anchor="ctr"/>
-            <a:lstStyle/>
-            <a:p>
-              <a:pPr algn="ctr"/>
-              <a:r>
-                <a:rPr lang="zh-TW" altLang="en-US" dirty="0" smtClean="0">
-                  <a:latin typeface="微軟正黑體" panose="020B0604030504040204" pitchFamily="34" charset="-120"/>
-                  <a:ea typeface="微軟正黑體" panose="020B0604030504040204" pitchFamily="34" charset="-120"/>
-                </a:rPr>
-                <a:t>測試與驗收</a:t>
-              </a:r>
-              <a:endParaRPr lang="zh-TW" altLang="en-US" dirty="0">
+              <a:endParaRPr lang="zh-TW" altLang="en-US" sz="1400" dirty="0">
                 <a:latin typeface="微軟正黑體" panose="020B0604030504040204" pitchFamily="34" charset="-120"/>
                 <a:ea typeface="微軟正黑體" panose="020B0604030504040204" pitchFamily="34" charset="-120"/>
               </a:endParaRPr>
@@ -6318,13 +6503,13 @@
             <a:p>
               <a:pPr algn="ctr"/>
               <a:r>
-                <a:rPr lang="zh-TW" altLang="en-US" dirty="0" smtClean="0">
+                <a:rPr lang="zh-TW" altLang="en-US" sz="1400" dirty="0" smtClean="0">
                   <a:latin typeface="微軟正黑體" panose="020B0604030504040204" pitchFamily="34" charset="-120"/>
                   <a:ea typeface="微軟正黑體" panose="020B0604030504040204" pitchFamily="34" charset="-120"/>
                 </a:rPr>
-                <a:t>系統目的</a:t>
+                <a:t>認識開放資料</a:t>
               </a:r>
-              <a:endParaRPr lang="zh-TW" altLang="en-US" dirty="0">
+              <a:endParaRPr lang="zh-TW" altLang="en-US" sz="1400" dirty="0">
                 <a:latin typeface="微軟正黑體" panose="020B0604030504040204" pitchFamily="34" charset="-120"/>
                 <a:ea typeface="微軟正黑體" panose="020B0604030504040204" pitchFamily="34" charset="-120"/>
               </a:endParaRPr>
@@ -6366,13 +6551,13 @@
             <a:p>
               <a:pPr algn="ctr"/>
               <a:r>
-                <a:rPr lang="zh-TW" altLang="en-US" dirty="0" smtClean="0">
+                <a:rPr lang="zh-TW" altLang="en-US" sz="1400" dirty="0" smtClean="0">
                   <a:latin typeface="微軟正黑體" panose="020B0604030504040204" pitchFamily="34" charset="-120"/>
                   <a:ea typeface="微軟正黑體" panose="020B0604030504040204" pitchFamily="34" charset="-120"/>
                 </a:rPr>
-                <a:t>使用情境</a:t>
+                <a:t>取得資料方法</a:t>
               </a:r>
-              <a:endParaRPr lang="zh-TW" altLang="en-US" dirty="0">
+              <a:endParaRPr lang="zh-TW" altLang="en-US" sz="1400" dirty="0">
                 <a:latin typeface="微軟正黑體" panose="020B0604030504040204" pitchFamily="34" charset="-120"/>
                 <a:ea typeface="微軟正黑體" panose="020B0604030504040204" pitchFamily="34" charset="-120"/>
               </a:endParaRPr>
@@ -6506,13 +6691,13 @@
             <a:p>
               <a:pPr algn="ctr"/>
               <a:r>
-                <a:rPr lang="zh-TW" altLang="en-US" dirty="0" smtClean="0">
+                <a:rPr lang="zh-TW" altLang="en-US" sz="1400" dirty="0" smtClean="0">
                   <a:latin typeface="微軟正黑體" panose="020B0604030504040204" pitchFamily="34" charset="-120"/>
                   <a:ea typeface="微軟正黑體" panose="020B0604030504040204" pitchFamily="34" charset="-120"/>
                 </a:rPr>
                 <a:t>流程設計</a:t>
               </a:r>
-              <a:endParaRPr lang="zh-TW" altLang="en-US" dirty="0">
+              <a:endParaRPr lang="zh-TW" altLang="en-US" sz="1400" dirty="0">
                 <a:latin typeface="微軟正黑體" panose="020B0604030504040204" pitchFamily="34" charset="-120"/>
                 <a:ea typeface="微軟正黑體" panose="020B0604030504040204" pitchFamily="34" charset="-120"/>
               </a:endParaRPr>
@@ -6527,7 +6712,7 @@
           </p:nvSpPr>
           <p:spPr>
             <a:xfrm>
-              <a:off x="3200400" y="4415251"/>
+              <a:off x="3200400" y="4383721"/>
               <a:ext cx="1227907" cy="450668"/>
             </a:xfrm>
             <a:prstGeom prst="rect">
@@ -6554,13 +6739,13 @@
             <a:p>
               <a:pPr algn="ctr"/>
               <a:r>
-                <a:rPr lang="zh-TW" altLang="en-US" dirty="0" smtClean="0">
+                <a:rPr lang="zh-TW" altLang="en-US" sz="1400" dirty="0" smtClean="0">
                   <a:latin typeface="微軟正黑體" panose="020B0604030504040204" pitchFamily="34" charset="-120"/>
                   <a:ea typeface="微軟正黑體" panose="020B0604030504040204" pitchFamily="34" charset="-120"/>
                 </a:rPr>
-                <a:t>結構設計</a:t>
+                <a:t>資料庫結構設計</a:t>
               </a:r>
-              <a:endParaRPr lang="zh-TW" altLang="en-US" dirty="0">
+              <a:endParaRPr lang="zh-TW" altLang="en-US" sz="1400" dirty="0">
                 <a:latin typeface="微軟正黑體" panose="020B0604030504040204" pitchFamily="34" charset="-120"/>
                 <a:ea typeface="微軟正黑體" panose="020B0604030504040204" pitchFamily="34" charset="-120"/>
               </a:endParaRPr>
@@ -6607,7 +6792,7 @@
           </p:nvCxnSpPr>
           <p:spPr>
             <a:xfrm flipH="1">
-              <a:off x="2860764" y="4640585"/>
+              <a:off x="2860764" y="4609055"/>
               <a:ext cx="339636" cy="0"/>
             </a:xfrm>
             <a:prstGeom prst="line">
@@ -6637,8 +6822,8 @@
           </p:nvCxnSpPr>
           <p:spPr>
             <a:xfrm flipV="1">
-              <a:off x="2860764" y="3376754"/>
-              <a:ext cx="0" cy="1263831"/>
+              <a:off x="2860764" y="3376755"/>
+              <a:ext cx="0" cy="2684137"/>
             </a:xfrm>
             <a:prstGeom prst="line">
               <a:avLst/>
@@ -6694,13 +6879,13 @@
             <a:p>
               <a:pPr algn="ctr"/>
               <a:r>
-                <a:rPr lang="zh-TW" altLang="en-US" dirty="0" smtClean="0">
+                <a:rPr lang="zh-TW" altLang="en-US" sz="1400" dirty="0" smtClean="0">
                   <a:latin typeface="微軟正黑體" panose="020B0604030504040204" pitchFamily="34" charset="-120"/>
                   <a:ea typeface="微軟正黑體" panose="020B0604030504040204" pitchFamily="34" charset="-120"/>
                 </a:rPr>
                 <a:t>資料庫開發</a:t>
               </a:r>
-              <a:endParaRPr lang="zh-TW" altLang="en-US" dirty="0">
+              <a:endParaRPr lang="zh-TW" altLang="en-US" sz="1400" dirty="0">
                 <a:latin typeface="微軟正黑體" panose="020B0604030504040204" pitchFamily="34" charset="-120"/>
                 <a:ea typeface="微軟正黑體" panose="020B0604030504040204" pitchFamily="34" charset="-120"/>
               </a:endParaRPr>
@@ -6742,20 +6927,20 @@
             <a:p>
               <a:pPr algn="ctr"/>
               <a:r>
-                <a:rPr lang="en-US" altLang="zh-TW" dirty="0" smtClean="0">
+                <a:rPr lang="en-US" altLang="zh-TW" sz="1400" dirty="0" smtClean="0">
                   <a:latin typeface="微軟正黑體" panose="020B0604030504040204" pitchFamily="34" charset="-120"/>
                   <a:ea typeface="微軟正黑體" panose="020B0604030504040204" pitchFamily="34" charset="-120"/>
                 </a:rPr>
-                <a:t>API</a:t>
+                <a:t>Line BOT</a:t>
               </a:r>
               <a:r>
-                <a:rPr lang="zh-TW" altLang="en-US" dirty="0" smtClean="0">
+                <a:rPr lang="zh-TW" altLang="en-US" sz="1400" dirty="0" smtClean="0">
                   <a:latin typeface="微軟正黑體" panose="020B0604030504040204" pitchFamily="34" charset="-120"/>
                   <a:ea typeface="微軟正黑體" panose="020B0604030504040204" pitchFamily="34" charset="-120"/>
                 </a:rPr>
                 <a:t>串接</a:t>
               </a:r>
-              <a:endParaRPr lang="zh-TW" altLang="en-US" dirty="0">
+              <a:endParaRPr lang="zh-TW" altLang="en-US" sz="1400" dirty="0">
                 <a:latin typeface="微軟正黑體" panose="020B0604030504040204" pitchFamily="34" charset="-120"/>
                 <a:ea typeface="微軟正黑體" panose="020B0604030504040204" pitchFamily="34" charset="-120"/>
               </a:endParaRPr>
@@ -6832,196 +7017,8 @@
           </p:nvCxnSpPr>
           <p:spPr>
             <a:xfrm flipV="1">
-              <a:off x="4820192" y="3376754"/>
-              <a:ext cx="0" cy="1263831"/>
-            </a:xfrm>
-            <a:prstGeom prst="line">
-              <a:avLst/>
-            </a:prstGeom>
-          </p:spPr>
-          <p:style>
-            <a:lnRef idx="2">
-              <a:schemeClr val="accent1"/>
-            </a:lnRef>
-            <a:fillRef idx="0">
-              <a:schemeClr val="accent1"/>
-            </a:fillRef>
-            <a:effectRef idx="1">
-              <a:schemeClr val="accent1"/>
-            </a:effectRef>
-            <a:fontRef idx="minor">
-              <a:schemeClr val="tx1"/>
-            </a:fontRef>
-          </p:style>
-        </p:cxnSp>
-        <p:sp>
-          <p:nvSpPr>
-            <p:cNvPr id="26" name="矩形 25"/>
-            <p:cNvSpPr/>
-            <p:nvPr/>
-          </p:nvSpPr>
-          <p:spPr>
-            <a:xfrm>
-              <a:off x="7158446" y="3696794"/>
-              <a:ext cx="1227907" cy="450668"/>
-            </a:xfrm>
-            <a:prstGeom prst="rect">
-              <a:avLst/>
-            </a:prstGeom>
-          </p:spPr>
-          <p:style>
-            <a:lnRef idx="1">
-              <a:schemeClr val="accent1"/>
-            </a:lnRef>
-            <a:fillRef idx="2">
-              <a:schemeClr val="accent1"/>
-            </a:fillRef>
-            <a:effectRef idx="1">
-              <a:schemeClr val="accent1"/>
-            </a:effectRef>
-            <a:fontRef idx="minor">
-              <a:schemeClr val="dk1"/>
-            </a:fontRef>
-          </p:style>
-          <p:txBody>
-            <a:bodyPr rtlCol="0" anchor="ctr"/>
-            <a:lstStyle/>
-            <a:p>
-              <a:pPr algn="ctr"/>
-              <a:r>
-                <a:rPr lang="zh-TW" altLang="en-US" dirty="0" smtClean="0">
-                  <a:latin typeface="微軟正黑體" panose="020B0604030504040204" pitchFamily="34" charset="-120"/>
-                  <a:ea typeface="微軟正黑體" panose="020B0604030504040204" pitchFamily="34" charset="-120"/>
-                </a:rPr>
-                <a:t>功能測試</a:t>
-              </a:r>
-              <a:endParaRPr lang="zh-TW" altLang="en-US" dirty="0">
-                <a:latin typeface="微軟正黑體" panose="020B0604030504040204" pitchFamily="34" charset="-120"/>
-                <a:ea typeface="微軟正黑體" panose="020B0604030504040204" pitchFamily="34" charset="-120"/>
-              </a:endParaRPr>
-            </a:p>
-          </p:txBody>
-        </p:sp>
-        <p:sp>
-          <p:nvSpPr>
-            <p:cNvPr id="27" name="矩形 26"/>
-            <p:cNvSpPr/>
-            <p:nvPr/>
-          </p:nvSpPr>
-          <p:spPr>
-            <a:xfrm>
-              <a:off x="7158446" y="4415251"/>
-              <a:ext cx="1227907" cy="450668"/>
-            </a:xfrm>
-            <a:prstGeom prst="rect">
-              <a:avLst/>
-            </a:prstGeom>
-          </p:spPr>
-          <p:style>
-            <a:lnRef idx="1">
-              <a:schemeClr val="accent1"/>
-            </a:lnRef>
-            <a:fillRef idx="2">
-              <a:schemeClr val="accent1"/>
-            </a:fillRef>
-            <a:effectRef idx="1">
-              <a:schemeClr val="accent1"/>
-            </a:effectRef>
-            <a:fontRef idx="minor">
-              <a:schemeClr val="dk1"/>
-            </a:fontRef>
-          </p:style>
-          <p:txBody>
-            <a:bodyPr rtlCol="0" anchor="ctr"/>
-            <a:lstStyle/>
-            <a:p>
-              <a:pPr algn="ctr"/>
-              <a:r>
-                <a:rPr lang="zh-TW" altLang="en-US" dirty="0" smtClean="0">
-                  <a:latin typeface="微軟正黑體" panose="020B0604030504040204" pitchFamily="34" charset="-120"/>
-                  <a:ea typeface="微軟正黑體" panose="020B0604030504040204" pitchFamily="34" charset="-120"/>
-                </a:rPr>
-                <a:t>系統驗收</a:t>
-              </a:r>
-              <a:endParaRPr lang="zh-TW" altLang="en-US" dirty="0">
-                <a:latin typeface="微軟正黑體" panose="020B0604030504040204" pitchFamily="34" charset="-120"/>
-                <a:ea typeface="微軟正黑體" panose="020B0604030504040204" pitchFamily="34" charset="-120"/>
-              </a:endParaRPr>
-            </a:p>
-          </p:txBody>
-        </p:sp>
-        <p:cxnSp>
-          <p:nvCxnSpPr>
-            <p:cNvPr id="28" name="直線接點 27"/>
-            <p:cNvCxnSpPr>
-              <a:stCxn id="26" idx="1"/>
-            </p:cNvCxnSpPr>
-            <p:nvPr/>
-          </p:nvCxnSpPr>
-          <p:spPr>
-            <a:xfrm flipH="1">
-              <a:off x="6818810" y="3922128"/>
-              <a:ext cx="339636" cy="0"/>
-            </a:xfrm>
-            <a:prstGeom prst="line">
-              <a:avLst/>
-            </a:prstGeom>
-          </p:spPr>
-          <p:style>
-            <a:lnRef idx="2">
-              <a:schemeClr val="accent1"/>
-            </a:lnRef>
-            <a:fillRef idx="0">
-              <a:schemeClr val="accent1"/>
-            </a:fillRef>
-            <a:effectRef idx="1">
-              <a:schemeClr val="accent1"/>
-            </a:effectRef>
-            <a:fontRef idx="minor">
-              <a:schemeClr val="tx1"/>
-            </a:fontRef>
-          </p:style>
-        </p:cxnSp>
-        <p:cxnSp>
-          <p:nvCxnSpPr>
-            <p:cNvPr id="29" name="直線接點 28"/>
-            <p:cNvCxnSpPr/>
-            <p:nvPr/>
-          </p:nvCxnSpPr>
-          <p:spPr>
-            <a:xfrm flipH="1">
-              <a:off x="6818810" y="4640585"/>
-              <a:ext cx="339636" cy="0"/>
-            </a:xfrm>
-            <a:prstGeom prst="line">
-              <a:avLst/>
-            </a:prstGeom>
-          </p:spPr>
-          <p:style>
-            <a:lnRef idx="2">
-              <a:schemeClr val="accent1"/>
-            </a:lnRef>
-            <a:fillRef idx="0">
-              <a:schemeClr val="accent1"/>
-            </a:fillRef>
-            <a:effectRef idx="1">
-              <a:schemeClr val="accent1"/>
-            </a:effectRef>
-            <a:fontRef idx="minor">
-              <a:schemeClr val="tx1"/>
-            </a:fontRef>
-          </p:style>
-        </p:cxnSp>
-        <p:cxnSp>
-          <p:nvCxnSpPr>
-            <p:cNvPr id="30" name="直線接點 29"/>
-            <p:cNvCxnSpPr/>
-            <p:nvPr/>
-          </p:nvCxnSpPr>
-          <p:spPr>
-            <a:xfrm flipV="1">
-              <a:off x="6818810" y="3376754"/>
-              <a:ext cx="0" cy="1263831"/>
+              <a:off x="4820192" y="3376755"/>
+              <a:ext cx="0" cy="2596316"/>
             </a:xfrm>
             <a:prstGeom prst="line">
               <a:avLst/>
@@ -7136,36 +7133,6 @@
         </p:cxnSp>
         <p:cxnSp>
           <p:nvCxnSpPr>
-            <p:cNvPr id="36" name="直線接點 35"/>
-            <p:cNvCxnSpPr/>
-            <p:nvPr/>
-          </p:nvCxnSpPr>
-          <p:spPr>
-            <a:xfrm flipV="1">
-              <a:off x="7615639" y="2690949"/>
-              <a:ext cx="0" cy="235137"/>
-            </a:xfrm>
-            <a:prstGeom prst="line">
-              <a:avLst/>
-            </a:prstGeom>
-          </p:spPr>
-          <p:style>
-            <a:lnRef idx="2">
-              <a:schemeClr val="accent1"/>
-            </a:lnRef>
-            <a:fillRef idx="0">
-              <a:schemeClr val="accent1"/>
-            </a:fillRef>
-            <a:effectRef idx="1">
-              <a:schemeClr val="accent1"/>
-            </a:effectRef>
-            <a:fontRef idx="minor">
-              <a:schemeClr val="tx1"/>
-            </a:fontRef>
-          </p:style>
-        </p:cxnSp>
-        <p:cxnSp>
-          <p:nvCxnSpPr>
             <p:cNvPr id="38" name="直線接點 37"/>
             <p:cNvCxnSpPr/>
             <p:nvPr/>
@@ -7173,7 +7140,7 @@
           <p:spPr>
             <a:xfrm>
               <a:off x="1724296" y="2690949"/>
-              <a:ext cx="5891343" cy="0"/>
+              <a:ext cx="3866602" cy="0"/>
             </a:xfrm>
             <a:prstGeom prst="line">
               <a:avLst/>
@@ -7202,8 +7169,327 @@
           </p:nvCxnSpPr>
           <p:spPr>
             <a:xfrm flipV="1">
-              <a:off x="4572000" y="2403566"/>
+              <a:off x="3644535" y="2403566"/>
               <a:ext cx="0" cy="287383"/>
+            </a:xfrm>
+            <a:prstGeom prst="line">
+              <a:avLst/>
+            </a:prstGeom>
+          </p:spPr>
+          <p:style>
+            <a:lnRef idx="2">
+              <a:schemeClr val="accent1"/>
+            </a:lnRef>
+            <a:fillRef idx="0">
+              <a:schemeClr val="accent1"/>
+            </a:fillRef>
+            <a:effectRef idx="1">
+              <a:schemeClr val="accent1"/>
+            </a:effectRef>
+            <a:fontRef idx="minor">
+              <a:schemeClr val="tx1"/>
+            </a:fontRef>
+          </p:style>
+        </p:cxnSp>
+        <p:sp>
+          <p:nvSpPr>
+            <p:cNvPr id="39" name="矩形 38"/>
+            <p:cNvSpPr/>
+            <p:nvPr/>
+          </p:nvSpPr>
+          <p:spPr>
+            <a:xfrm>
+              <a:off x="3200400" y="5066892"/>
+              <a:ext cx="1227907" cy="720707"/>
+            </a:xfrm>
+            <a:prstGeom prst="rect">
+              <a:avLst/>
+            </a:prstGeom>
+          </p:spPr>
+          <p:style>
+            <a:lnRef idx="1">
+              <a:schemeClr val="accent1"/>
+            </a:lnRef>
+            <a:fillRef idx="2">
+              <a:schemeClr val="accent1"/>
+            </a:fillRef>
+            <a:effectRef idx="1">
+              <a:schemeClr val="accent1"/>
+            </a:effectRef>
+            <a:fontRef idx="minor">
+              <a:schemeClr val="dk1"/>
+            </a:fontRef>
+          </p:style>
+          <p:txBody>
+            <a:bodyPr rtlCol="0" anchor="ctr"/>
+            <a:lstStyle/>
+            <a:p>
+              <a:pPr algn="ctr"/>
+              <a:r>
+                <a:rPr lang="zh-TW" altLang="en-US" sz="1400" dirty="0">
+                  <a:latin typeface="微軟正黑體" panose="020B0604030504040204" pitchFamily="34" charset="-120"/>
+                  <a:ea typeface="微軟正黑體" panose="020B0604030504040204" pitchFamily="34" charset="-120"/>
+                </a:rPr>
+                <a:t>收集</a:t>
+              </a:r>
+              <a:r>
+                <a:rPr lang="zh-TW" altLang="en-US" sz="1400" dirty="0" smtClean="0">
+                  <a:latin typeface="微軟正黑體" panose="020B0604030504040204" pitchFamily="34" charset="-120"/>
+                  <a:ea typeface="微軟正黑體" panose="020B0604030504040204" pitchFamily="34" charset="-120"/>
+                </a:rPr>
+                <a:t>保養技巧及對應關鍵字</a:t>
+              </a:r>
+              <a:endParaRPr lang="zh-TW" altLang="en-US" sz="1400" dirty="0">
+                <a:latin typeface="微軟正黑體" panose="020B0604030504040204" pitchFamily="34" charset="-120"/>
+                <a:ea typeface="微軟正黑體" panose="020B0604030504040204" pitchFamily="34" charset="-120"/>
+              </a:endParaRPr>
+            </a:p>
+          </p:txBody>
+        </p:sp>
+        <p:cxnSp>
+          <p:nvCxnSpPr>
+            <p:cNvPr id="41" name="直線接點 40"/>
+            <p:cNvCxnSpPr/>
+            <p:nvPr/>
+          </p:nvCxnSpPr>
+          <p:spPr>
+            <a:xfrm flipH="1">
+              <a:off x="2860764" y="5292227"/>
+              <a:ext cx="339636" cy="0"/>
+            </a:xfrm>
+            <a:prstGeom prst="line">
+              <a:avLst/>
+            </a:prstGeom>
+          </p:spPr>
+          <p:style>
+            <a:lnRef idx="2">
+              <a:schemeClr val="accent1"/>
+            </a:lnRef>
+            <a:fillRef idx="0">
+              <a:schemeClr val="accent1"/>
+            </a:fillRef>
+            <a:effectRef idx="1">
+              <a:schemeClr val="accent1"/>
+            </a:effectRef>
+            <a:fontRef idx="minor">
+              <a:schemeClr val="tx1"/>
+            </a:fontRef>
+          </p:style>
+        </p:cxnSp>
+        <p:sp>
+          <p:nvSpPr>
+            <p:cNvPr id="43" name="矩形 42"/>
+            <p:cNvSpPr/>
+            <p:nvPr/>
+          </p:nvSpPr>
+          <p:spPr>
+            <a:xfrm>
+              <a:off x="5159828" y="5066893"/>
+              <a:ext cx="1410789" cy="450668"/>
+            </a:xfrm>
+            <a:prstGeom prst="rect">
+              <a:avLst/>
+            </a:prstGeom>
+          </p:spPr>
+          <p:style>
+            <a:lnRef idx="1">
+              <a:schemeClr val="accent1"/>
+            </a:lnRef>
+            <a:fillRef idx="2">
+              <a:schemeClr val="accent1"/>
+            </a:fillRef>
+            <a:effectRef idx="1">
+              <a:schemeClr val="accent1"/>
+            </a:effectRef>
+            <a:fontRef idx="minor">
+              <a:schemeClr val="dk1"/>
+            </a:fontRef>
+          </p:style>
+          <p:txBody>
+            <a:bodyPr rtlCol="0" anchor="ctr"/>
+            <a:lstStyle/>
+            <a:p>
+              <a:pPr algn="ctr"/>
+              <a:r>
+                <a:rPr lang="zh-TW" altLang="en-US" sz="1400" dirty="0" smtClean="0">
+                  <a:latin typeface="微軟正黑體" panose="020B0604030504040204" pitchFamily="34" charset="-120"/>
+                  <a:ea typeface="微軟正黑體" panose="020B0604030504040204" pitchFamily="34" charset="-120"/>
+                </a:rPr>
+                <a:t>開放資料取得判斷</a:t>
+              </a:r>
+              <a:endParaRPr lang="zh-TW" altLang="en-US" sz="1400" dirty="0">
+                <a:latin typeface="微軟正黑體" panose="020B0604030504040204" pitchFamily="34" charset="-120"/>
+                <a:ea typeface="微軟正黑體" panose="020B0604030504040204" pitchFamily="34" charset="-120"/>
+              </a:endParaRPr>
+            </a:p>
+          </p:txBody>
+        </p:sp>
+        <p:cxnSp>
+          <p:nvCxnSpPr>
+            <p:cNvPr id="44" name="直線接點 43"/>
+            <p:cNvCxnSpPr/>
+            <p:nvPr/>
+          </p:nvCxnSpPr>
+          <p:spPr>
+            <a:xfrm flipH="1">
+              <a:off x="4820192" y="5292227"/>
+              <a:ext cx="339636" cy="0"/>
+            </a:xfrm>
+            <a:prstGeom prst="line">
+              <a:avLst/>
+            </a:prstGeom>
+          </p:spPr>
+          <p:style>
+            <a:lnRef idx="2">
+              <a:schemeClr val="accent1"/>
+            </a:lnRef>
+            <a:fillRef idx="0">
+              <a:schemeClr val="accent1"/>
+            </a:fillRef>
+            <a:effectRef idx="1">
+              <a:schemeClr val="accent1"/>
+            </a:effectRef>
+            <a:fontRef idx="minor">
+              <a:schemeClr val="tx1"/>
+            </a:fontRef>
+          </p:style>
+        </p:cxnSp>
+        <p:sp>
+          <p:nvSpPr>
+            <p:cNvPr id="45" name="矩形 44"/>
+            <p:cNvSpPr/>
+            <p:nvPr/>
+          </p:nvSpPr>
+          <p:spPr>
+            <a:xfrm>
+              <a:off x="3200400" y="5835557"/>
+              <a:ext cx="1227907" cy="720707"/>
+            </a:xfrm>
+            <a:prstGeom prst="rect">
+              <a:avLst/>
+            </a:prstGeom>
+          </p:spPr>
+          <p:style>
+            <a:lnRef idx="1">
+              <a:schemeClr val="accent1"/>
+            </a:lnRef>
+            <a:fillRef idx="2">
+              <a:schemeClr val="accent1"/>
+            </a:fillRef>
+            <a:effectRef idx="1">
+              <a:schemeClr val="accent1"/>
+            </a:effectRef>
+            <a:fontRef idx="minor">
+              <a:schemeClr val="dk1"/>
+            </a:fontRef>
+          </p:style>
+          <p:txBody>
+            <a:bodyPr rtlCol="0" anchor="ctr"/>
+            <a:lstStyle/>
+            <a:p>
+              <a:pPr algn="ctr"/>
+              <a:r>
+                <a:rPr lang="zh-TW" altLang="en-US" sz="1400" dirty="0" smtClean="0">
+                  <a:latin typeface="微軟正黑體" panose="020B0604030504040204" pitchFamily="34" charset="-120"/>
+                  <a:ea typeface="微軟正黑體" panose="020B0604030504040204" pitchFamily="34" charset="-120"/>
+                </a:rPr>
+                <a:t>收集氣象對保養的關聯性</a:t>
+              </a:r>
+              <a:endParaRPr lang="zh-TW" altLang="en-US" sz="1400" dirty="0">
+                <a:latin typeface="微軟正黑體" panose="020B0604030504040204" pitchFamily="34" charset="-120"/>
+                <a:ea typeface="微軟正黑體" panose="020B0604030504040204" pitchFamily="34" charset="-120"/>
+              </a:endParaRPr>
+            </a:p>
+          </p:txBody>
+        </p:sp>
+        <p:cxnSp>
+          <p:nvCxnSpPr>
+            <p:cNvPr id="46" name="直線接點 45"/>
+            <p:cNvCxnSpPr/>
+            <p:nvPr/>
+          </p:nvCxnSpPr>
+          <p:spPr>
+            <a:xfrm flipH="1">
+              <a:off x="2860764" y="6060892"/>
+              <a:ext cx="339636" cy="0"/>
+            </a:xfrm>
+            <a:prstGeom prst="line">
+              <a:avLst/>
+            </a:prstGeom>
+          </p:spPr>
+          <p:style>
+            <a:lnRef idx="2">
+              <a:schemeClr val="accent1"/>
+            </a:lnRef>
+            <a:fillRef idx="0">
+              <a:schemeClr val="accent1"/>
+            </a:fillRef>
+            <a:effectRef idx="1">
+              <a:schemeClr val="accent1"/>
+            </a:effectRef>
+            <a:fontRef idx="minor">
+              <a:schemeClr val="tx1"/>
+            </a:fontRef>
+          </p:style>
+        </p:cxnSp>
+        <p:sp>
+          <p:nvSpPr>
+            <p:cNvPr id="48" name="矩形 47"/>
+            <p:cNvSpPr/>
+            <p:nvPr/>
+          </p:nvSpPr>
+          <p:spPr>
+            <a:xfrm>
+              <a:off x="5159828" y="5745242"/>
+              <a:ext cx="1410789" cy="450668"/>
+            </a:xfrm>
+            <a:prstGeom prst="rect">
+              <a:avLst/>
+            </a:prstGeom>
+          </p:spPr>
+          <p:style>
+            <a:lnRef idx="1">
+              <a:schemeClr val="accent1"/>
+            </a:lnRef>
+            <a:fillRef idx="2">
+              <a:schemeClr val="accent1"/>
+            </a:fillRef>
+            <a:effectRef idx="1">
+              <a:schemeClr val="accent1"/>
+            </a:effectRef>
+            <a:fontRef idx="minor">
+              <a:schemeClr val="dk1"/>
+            </a:fontRef>
+          </p:style>
+          <p:txBody>
+            <a:bodyPr rtlCol="0" anchor="ctr"/>
+            <a:lstStyle/>
+            <a:p>
+              <a:pPr algn="ctr"/>
+              <a:r>
+                <a:rPr lang="zh-TW" altLang="en-US" sz="1400" dirty="0" smtClean="0">
+                  <a:latin typeface="微軟正黑體" panose="020B0604030504040204" pitchFamily="34" charset="-120"/>
+                  <a:ea typeface="微軟正黑體" panose="020B0604030504040204" pitchFamily="34" charset="-120"/>
+                </a:rPr>
+                <a:t>使用者管理</a:t>
+              </a:r>
+              <a:endParaRPr lang="zh-TW" altLang="en-US" sz="1400" dirty="0">
+                <a:latin typeface="微軟正黑體" panose="020B0604030504040204" pitchFamily="34" charset="-120"/>
+                <a:ea typeface="微軟正黑體" panose="020B0604030504040204" pitchFamily="34" charset="-120"/>
+              </a:endParaRPr>
+            </a:p>
+          </p:txBody>
+        </p:sp>
+        <p:cxnSp>
+          <p:nvCxnSpPr>
+            <p:cNvPr id="49" name="直線接點 48"/>
+            <p:cNvCxnSpPr/>
+            <p:nvPr/>
+          </p:nvCxnSpPr>
+          <p:spPr>
+            <a:xfrm flipH="1">
+              <a:off x="4820192" y="5973071"/>
+              <a:ext cx="339636" cy="0"/>
             </a:xfrm>
             <a:prstGeom prst="line">
               <a:avLst/>
@@ -7308,13 +7594,13 @@
       </p:sp>
       <p:pic>
         <p:nvPicPr>
-          <p:cNvPr id="1027" name="Picture 3"/>
+          <p:cNvPr id="2050" name="Picture 2"/>
           <p:cNvPicPr>
             <a:picLocks noChangeAspect="1" noChangeArrowheads="1"/>
           </p:cNvPicPr>
           <p:nvPr/>
         </p:nvPicPr>
-        <p:blipFill>
+        <p:blipFill rotWithShape="1">
           <a:blip r:embed="rId2">
             <a:extLst>
               <a:ext uri="{28A0092B-C50C-407E-A947-70E740481C1C}">
@@ -7322,15 +7608,13 @@
               </a:ext>
             </a:extLst>
           </a:blip>
-          <a:srcRect/>
-          <a:stretch>
-            <a:fillRect/>
-          </a:stretch>
+          <a:srcRect l="15625" t="18893" r="17969" b="11260"/>
+          <a:stretch/>
         </p:blipFill>
         <p:spPr bwMode="auto">
           <a:xfrm>
-            <a:off x="330588" y="1894438"/>
-            <a:ext cx="8638022" cy="4297362"/>
+            <a:off x="-2" y="1417638"/>
+            <a:ext cx="9207825" cy="5286375"/>
           </a:xfrm>
           <a:prstGeom prst="rect">
             <a:avLst/>
@@ -7444,23 +7728,7 @@
             <a:pPr lvl="1"/>
             <a:r>
               <a:rPr lang="en-US" dirty="0" smtClean="0"/>
-              <a:t>google </a:t>
-            </a:r>
-            <a:r>
-              <a:rPr lang="en-US" dirty="0" smtClean="0"/>
-              <a:t>calendar, google keep, </a:t>
-            </a:r>
-            <a:r>
-              <a:rPr lang="en-US" dirty="0" smtClean="0"/>
-              <a:t>Trello</a:t>
-            </a:r>
-            <a:r>
-              <a:rPr lang="en-US" dirty="0" smtClean="0"/>
-              <a:t>, google doc, google excel, </a:t>
-            </a:r>
-            <a:r>
-              <a:rPr lang="en-US" dirty="0" smtClean="0"/>
-              <a:t>office </a:t>
+              <a:t>google calendar, google keep, Trello, google doc, google excel, office </a:t>
             </a:r>
             <a:r>
               <a:rPr lang="en-US" dirty="0" err="1" smtClean="0"/>
@@ -7471,11 +7739,16 @@
           <a:p>
             <a:pPr lvl="1"/>
             <a:r>
-              <a:rPr lang="zh-TW" altLang="en-US" u="sng" dirty="0">
-                <a:hlinkClick r:id="rId3"/>
-              </a:rPr>
-              <a:t>政府資料開放平台</a:t>
-            </a:r>
+              <a:rPr lang="zh-TW" altLang="en-US" dirty="0"/>
+              <a:t>政府資料開放</a:t>
+            </a:r>
+            <a:r>
+              <a:rPr lang="zh-TW" altLang="en-US" dirty="0" smtClean="0"/>
+              <a:t>平台，氣象資料開放平台，行政院環境保護署。</a:t>
+            </a:r>
+            <a:endParaRPr lang="zh-TW" altLang="en-US" dirty="0">
+              <a:hlinkClick r:id="rId3"/>
+            </a:endParaRPr>
           </a:p>
           <a:p>
             <a:pPr lvl="1"/>
@@ -8269,8 +8542,14 @@
 <file path=customXml/itemProps2.xml><?xml version="1.0" encoding="utf-8"?>
 <ds:datastoreItem xmlns:ds="http://schemas.openxmlformats.org/officeDocument/2006/customXml" ds:itemID="{7B6F2769-7194-4217-93D3-3AF3A4742282}">
   <ds:schemaRefs>
+    <ds:schemaRef ds:uri="http://purl.org/dc/dcmitype/"/>
+    <ds:schemaRef ds:uri="http://purl.org/dc/terms/"/>
+    <ds:schemaRef ds:uri="http://www.w3.org/XML/1998/namespace"/>
+    <ds:schemaRef ds:uri="http://purl.org/dc/elements/1.1/"/>
     <ds:schemaRef ds:uri="http://schemas.microsoft.com/office/2006/metadata/properties"/>
+    <ds:schemaRef ds:uri="http://schemas.microsoft.com/office/2006/documentManagement/types"/>
     <ds:schemaRef ds:uri="http://schemas.microsoft.com/office/infopath/2007/PartnerControls"/>
+    <ds:schemaRef ds:uri="http://schemas.openxmlformats.org/package/2006/metadata/core-properties"/>
     <ds:schemaRef ds:uri="http://schemas.microsoft.com/sharepoint/v3/fields"/>
   </ds:schemaRefs>
 </ds:datastoreItem>

--- a/軟體品質管理期中專案報告_team4.pptx
+++ b/軟體品質管理期中專案報告_team4.pptx
@@ -117,7 +117,7 @@
   </p:defaultTextStyle>
   <p:extLst>
     <p:ext uri="{EFAFB233-063F-42B5-8137-9DF3F51BA10A}">
-      <p15:sldGuideLst xmlns="" xmlns:p15="http://schemas.microsoft.com/office/powerpoint/2012/main">
+      <p15:sldGuideLst xmlns:p15="http://schemas.microsoft.com/office/powerpoint/2012/main">
         <p15:guide id="1" orient="horz" pos="2160">
           <p15:clr>
             <a:srgbClr val="A4A3A4"/>
@@ -216,7 +216,7 @@
           <a:p>
             <a:fld id="{77C96CCE-68B5-9B4D-B8A4-9D885A674F26}" type="datetimeFigureOut">
               <a:rPr lang="en-US" smtClean="0"/>
-              <a:t>5/31/2019</a:t>
+              <a:t>6/8/2019</a:t>
             </a:fld>
             <a:endParaRPr lang="en-US"/>
           </a:p>
@@ -852,7 +852,7 @@
             <a:fld id="{8ACDB3CC-F982-40F9-8DD6-BCC9AFBF44BD}" type="datetime1">
               <a:rPr lang="en-US" smtClean="0"/>
               <a:pPr/>
-              <a:t>5/31/2019</a:t>
+              <a:t>6/8/2019</a:t>
             </a:fld>
             <a:endParaRPr lang="en-US" dirty="0"/>
           </a:p>
@@ -1022,7 +1022,7 @@
           <a:p>
             <a:fld id="{68C2560D-EC28-3B41-86E8-18F1CE0113B4}" type="datetimeFigureOut">
               <a:rPr lang="en-US" smtClean="0"/>
-              <a:t>5/31/2019</a:t>
+              <a:t>6/8/2019</a:t>
             </a:fld>
             <a:endParaRPr lang="en-US"/>
           </a:p>
@@ -1202,7 +1202,7 @@
           <a:p>
             <a:fld id="{68C2560D-EC28-3B41-86E8-18F1CE0113B4}" type="datetimeFigureOut">
               <a:rPr lang="en-US" smtClean="0"/>
-              <a:t>5/31/2019</a:t>
+              <a:t>6/8/2019</a:t>
             </a:fld>
             <a:endParaRPr lang="en-US"/>
           </a:p>
@@ -1372,7 +1372,7 @@
           <a:p>
             <a:fld id="{68C2560D-EC28-3B41-86E8-18F1CE0113B4}" type="datetimeFigureOut">
               <a:rPr lang="en-US" smtClean="0"/>
-              <a:t>5/31/2019</a:t>
+              <a:t>6/8/2019</a:t>
             </a:fld>
             <a:endParaRPr lang="en-US"/>
           </a:p>
@@ -1619,7 +1619,7 @@
             <a:fld id="{4A9E7B99-7C3F-4BC3-B7B8-7E1F8C620B24}" type="datetime1">
               <a:rPr lang="en-US" smtClean="0"/>
               <a:pPr/>
-              <a:t>5/31/2019</a:t>
+              <a:t>6/8/2019</a:t>
             </a:fld>
             <a:endParaRPr lang="en-US"/>
           </a:p>
@@ -1908,7 +1908,7 @@
           <a:p>
             <a:fld id="{68C2560D-EC28-3B41-86E8-18F1CE0113B4}" type="datetimeFigureOut">
               <a:rPr lang="en-US" smtClean="0"/>
-              <a:t>5/31/2019</a:t>
+              <a:t>6/8/2019</a:t>
             </a:fld>
             <a:endParaRPr lang="en-US"/>
           </a:p>
@@ -2330,7 +2330,7 @@
           <a:p>
             <a:fld id="{68C2560D-EC28-3B41-86E8-18F1CE0113B4}" type="datetimeFigureOut">
               <a:rPr lang="en-US" smtClean="0"/>
-              <a:t>5/31/2019</a:t>
+              <a:t>6/8/2019</a:t>
             </a:fld>
             <a:endParaRPr lang="en-US"/>
           </a:p>
@@ -2448,7 +2448,7 @@
           <a:p>
             <a:fld id="{68C2560D-EC28-3B41-86E8-18F1CE0113B4}" type="datetimeFigureOut">
               <a:rPr lang="en-US" smtClean="0"/>
-              <a:t>5/31/2019</a:t>
+              <a:t>6/8/2019</a:t>
             </a:fld>
             <a:endParaRPr lang="en-US"/>
           </a:p>
@@ -2543,7 +2543,7 @@
           <a:p>
             <a:fld id="{68C2560D-EC28-3B41-86E8-18F1CE0113B4}" type="datetimeFigureOut">
               <a:rPr lang="en-US" smtClean="0"/>
-              <a:t>5/31/2019</a:t>
+              <a:t>6/8/2019</a:t>
             </a:fld>
             <a:endParaRPr lang="en-US"/>
           </a:p>
@@ -2820,7 +2820,7 @@
           <a:p>
             <a:fld id="{68C2560D-EC28-3B41-86E8-18F1CE0113B4}" type="datetimeFigureOut">
               <a:rPr lang="en-US" smtClean="0"/>
-              <a:t>5/31/2019</a:t>
+              <a:t>6/8/2019</a:t>
             </a:fld>
             <a:endParaRPr lang="en-US"/>
           </a:p>
@@ -3080,7 +3080,7 @@
           <a:p>
             <a:fld id="{68C2560D-EC28-3B41-86E8-18F1CE0113B4}" type="datetimeFigureOut">
               <a:rPr lang="en-US" smtClean="0"/>
-              <a:t>5/31/2019</a:t>
+              <a:t>6/8/2019</a:t>
             </a:fld>
             <a:endParaRPr lang="en-US"/>
           </a:p>
@@ -3293,7 +3293,7 @@
           <a:p>
             <a:fld id="{68C2560D-EC28-3B41-86E8-18F1CE0113B4}" type="datetimeFigureOut">
               <a:rPr lang="en-US" smtClean="0"/>
-              <a:t>5/31/2019</a:t>
+              <a:t>6/8/2019</a:t>
             </a:fld>
             <a:endParaRPr lang="en-US"/>
           </a:p>
@@ -3684,18 +3684,24 @@
           <a:lstStyle/>
           <a:p>
             <a:r>
-              <a:rPr lang="zh-TW" altLang="en-US" b="1" dirty="0" smtClean="0">
-                <a:latin typeface="微軟正黑體" panose="020B0604030504040204" pitchFamily="34" charset="-120"/>
-                <a:ea typeface="微軟正黑體" panose="020B0604030504040204" pitchFamily="34" charset="-120"/>
+              <a:rPr lang="zh-TW" altLang="zh-TW" b="1" kern="100" dirty="0">
+                <a:solidFill>
+                  <a:srgbClr val="000000"/>
+                </a:solidFill>
+                <a:latin typeface="Times New Roman"/>
+                <a:ea typeface="標楷體"/>
               </a:rPr>
-              <a:t>美</a:t>
-            </a:r>
-            <a:r>
-              <a:rPr lang="zh-TW" altLang="en-US" b="1" dirty="0" smtClean="0">
-                <a:latin typeface="微軟正黑體" panose="020B0604030504040204" pitchFamily="34" charset="-120"/>
-                <a:ea typeface="微軟正黑體" panose="020B0604030504040204" pitchFamily="34" charset="-120"/>
+              <a:t>美膚諮詢</a:t>
+            </a:r>
+            <a:r>
+              <a:rPr lang="zh-TW" altLang="en-US" b="1" kern="100" dirty="0">
+                <a:solidFill>
+                  <a:srgbClr val="000000"/>
+                </a:solidFill>
+                <a:latin typeface="Times New Roman"/>
+                <a:ea typeface="標楷體"/>
               </a:rPr>
-              <a:t>膚小秘書</a:t>
+              <a:t>機器人</a:t>
             </a:r>
             <a:endParaRPr lang="en-US" b="1" dirty="0">
               <a:latin typeface="微軟正黑體" panose="020B0604030504040204" pitchFamily="34" charset="-120"/>
@@ -3848,7 +3854,7 @@
         </p:blipFill>
         <p:spPr bwMode="auto">
           <a:xfrm>
-            <a:off x="2757991" y="2599509"/>
+            <a:off x="3262487" y="2599509"/>
             <a:ext cx="6386009" cy="4258492"/>
           </a:xfrm>
           <a:prstGeom prst="rect">
@@ -3905,7 +3911,12 @@
             <p:ph idx="1"/>
           </p:nvPr>
         </p:nvSpPr>
-        <p:spPr/>
+        <p:spPr>
+          <a:xfrm>
+            <a:off x="457200" y="1600200"/>
+            <a:ext cx="5018690" cy="4525963"/>
+          </a:xfrm>
+        </p:spPr>
         <p:txBody>
           <a:bodyPr/>
           <a:lstStyle/>
@@ -3914,6 +3925,20 @@
               <a:buFont typeface="Arial"/>
               <a:buChar char="•"/>
             </a:pPr>
+            <a:r>
+              <a:rPr lang="zh-TW" altLang="en-US" sz="2800" dirty="0">
+                <a:latin typeface="微軟正黑體" panose="020B0604030504040204" pitchFamily="34" charset="-120"/>
+                <a:ea typeface="微軟正黑體" panose="020B0604030504040204" pitchFamily="34" charset="-120"/>
+              </a:rPr>
+              <a:t>皮膚是人體最大和最重要的</a:t>
+            </a:r>
+            <a:r>
+              <a:rPr lang="zh-TW" altLang="en-US" sz="2800" dirty="0" smtClean="0">
+                <a:latin typeface="微軟正黑體" panose="020B0604030504040204" pitchFamily="34" charset="-120"/>
+                <a:ea typeface="微軟正黑體" panose="020B0604030504040204" pitchFamily="34" charset="-120"/>
+              </a:rPr>
+              <a:t>器官，</a:t>
+            </a:r>
             <a:r>
               <a:rPr lang="zh-TW" altLang="en-US" sz="2800" b="1" dirty="0" smtClean="0">
                 <a:solidFill>
@@ -3929,7 +3954,14 @@
                 <a:latin typeface="微軟正黑體" panose="020B0604030504040204" pitchFamily="34" charset="-120"/>
                 <a:ea typeface="微軟正黑體" panose="020B0604030504040204" pitchFamily="34" charset="-120"/>
               </a:rPr>
-              <a:t>在陽光下最久的部位</a:t>
+              <a:t>在陽光下最久的</a:t>
+            </a:r>
+            <a:r>
+              <a:rPr lang="zh-TW" altLang="en-US" sz="2800" dirty="0" smtClean="0">
+                <a:latin typeface="微軟正黑體" panose="020B0604030504040204" pitchFamily="34" charset="-120"/>
+                <a:ea typeface="微軟正黑體" panose="020B0604030504040204" pitchFamily="34" charset="-120"/>
+              </a:rPr>
+              <a:t>部位。</a:t>
             </a:r>
             <a:endParaRPr lang="en-US" altLang="zh-TW" sz="2800" dirty="0" smtClean="0">
               <a:latin typeface="微軟正黑體" panose="020B0604030504040204" pitchFamily="34" charset="-120"/>
@@ -3942,59 +3974,121 @@
               <a:buChar char="•"/>
             </a:pPr>
             <a:r>
+              <a:rPr lang="zh-TW" altLang="zh-TW" sz="2800" dirty="0">
+                <a:latin typeface="微軟正黑體" panose="020B0604030504040204" pitchFamily="34" charset="-120"/>
+                <a:ea typeface="微軟正黑體" panose="020B0604030504040204" pitchFamily="34" charset="-120"/>
+              </a:rPr>
+              <a:t>臉部</a:t>
+            </a:r>
+            <a:r>
+              <a:rPr lang="zh-TW" altLang="zh-TW" sz="2800" dirty="0" smtClean="0">
+                <a:latin typeface="微軟正黑體" panose="020B0604030504040204" pitchFamily="34" charset="-120"/>
+                <a:ea typeface="微軟正黑體" panose="020B0604030504040204" pitchFamily="34" charset="-120"/>
+              </a:rPr>
+              <a:t>皮膚</a:t>
+            </a:r>
+            <a:r>
               <a:rPr lang="zh-TW" altLang="en-US" sz="2800" dirty="0" smtClean="0">
                 <a:latin typeface="微軟正黑體" panose="020B0604030504040204" pitchFamily="34" charset="-120"/>
                 <a:ea typeface="微軟正黑體" panose="020B0604030504040204" pitchFamily="34" charset="-120"/>
               </a:rPr>
-              <a:t>與</a:t>
-            </a:r>
-            <a:r>
-              <a:rPr lang="zh-TW" altLang="en-US" sz="2800" dirty="0">
-                <a:latin typeface="微軟正黑體" panose="020B0604030504040204" pitchFamily="34" charset="-120"/>
-                <a:ea typeface="微軟正黑體" panose="020B0604030504040204" pitchFamily="34" charset="-120"/>
-              </a:rPr>
-              <a:t>人</a:t>
-            </a:r>
-            <a:r>
-              <a:rPr lang="zh-TW" altLang="en-US" sz="2800" b="1" dirty="0">
+              <a:t>代表</a:t>
+            </a:r>
+            <a:r>
+              <a:rPr lang="zh-TW" altLang="zh-TW" sz="2800" b="1" dirty="0" smtClean="0">
                 <a:solidFill>
                   <a:srgbClr val="FF0000"/>
                 </a:solidFill>
                 <a:latin typeface="微軟正黑體" panose="020B0604030504040204" pitchFamily="34" charset="-120"/>
                 <a:ea typeface="微軟正黑體" panose="020B0604030504040204" pitchFamily="34" charset="-120"/>
               </a:rPr>
-              <a:t>互動</a:t>
+              <a:t>人體</a:t>
+            </a:r>
+            <a:r>
+              <a:rPr lang="zh-TW" altLang="zh-TW" sz="2800" b="1" dirty="0">
+                <a:solidFill>
+                  <a:srgbClr val="FF0000"/>
+                </a:solidFill>
+                <a:latin typeface="微軟正黑體" panose="020B0604030504040204" pitchFamily="34" charset="-120"/>
+                <a:ea typeface="微軟正黑體" panose="020B0604030504040204" pitchFamily="34" charset="-120"/>
+              </a:rPr>
+              <a:t>健康</a:t>
+            </a:r>
+            <a:r>
+              <a:rPr lang="zh-TW" altLang="zh-TW" sz="2800" b="1" dirty="0" smtClean="0">
+                <a:solidFill>
+                  <a:srgbClr val="FF0000"/>
+                </a:solidFill>
+                <a:latin typeface="微軟正黑體" panose="020B0604030504040204" pitchFamily="34" charset="-120"/>
+                <a:ea typeface="微軟正黑體" panose="020B0604030504040204" pitchFamily="34" charset="-120"/>
+              </a:rPr>
+              <a:t>狀況</a:t>
+            </a:r>
+            <a:r>
+              <a:rPr lang="zh-TW" altLang="zh-TW" sz="2800" dirty="0" smtClean="0">
+                <a:latin typeface="微軟正黑體" panose="020B0604030504040204" pitchFamily="34" charset="-120"/>
+                <a:ea typeface="微軟正黑體" panose="020B0604030504040204" pitchFamily="34" charset="-120"/>
+              </a:rPr>
+              <a:t>，</a:t>
+            </a:r>
+            <a:r>
+              <a:rPr lang="zh-TW" altLang="zh-TW" sz="2800" dirty="0">
+                <a:latin typeface="微軟正黑體" panose="020B0604030504040204" pitchFamily="34" charset="-120"/>
+                <a:ea typeface="微軟正黑體" panose="020B0604030504040204" pitchFamily="34" charset="-120"/>
+              </a:rPr>
+              <a:t>許多內臟</a:t>
+            </a:r>
+            <a:r>
+              <a:rPr lang="zh-TW" altLang="zh-TW" sz="2800" dirty="0" smtClean="0">
+                <a:latin typeface="微軟正黑體" panose="020B0604030504040204" pitchFamily="34" charset="-120"/>
+                <a:ea typeface="微軟正黑體" panose="020B0604030504040204" pitchFamily="34" charset="-120"/>
+              </a:rPr>
+              <a:t>病變反映</a:t>
+            </a:r>
+            <a:r>
+              <a:rPr lang="zh-TW" altLang="zh-TW" sz="2800" dirty="0">
+                <a:latin typeface="微軟正黑體" panose="020B0604030504040204" pitchFamily="34" charset="-120"/>
+                <a:ea typeface="微軟正黑體" panose="020B0604030504040204" pitchFamily="34" charset="-120"/>
+              </a:rPr>
+              <a:t>到面部</a:t>
+            </a:r>
+            <a:r>
+              <a:rPr lang="zh-TW" altLang="zh-TW" sz="2800" dirty="0" smtClean="0">
+                <a:latin typeface="微軟正黑體" panose="020B0604030504040204" pitchFamily="34" charset="-120"/>
+                <a:ea typeface="微軟正黑體" panose="020B0604030504040204" pitchFamily="34" charset="-120"/>
+              </a:rPr>
+              <a:t>皮膚</a:t>
             </a:r>
             <a:r>
               <a:rPr lang="zh-TW" altLang="en-US" sz="2800" dirty="0">
                 <a:latin typeface="微軟正黑體" panose="020B0604030504040204" pitchFamily="34" charset="-120"/>
                 <a:ea typeface="微軟正黑體" panose="020B0604030504040204" pitchFamily="34" charset="-120"/>
               </a:rPr>
-              <a:t>最多次的人體</a:t>
-            </a:r>
+              <a:t>。</a:t>
+            </a:r>
+            <a:endParaRPr lang="en-US" altLang="zh-TW" sz="2800" dirty="0" smtClean="0">
+              <a:latin typeface="微軟正黑體" panose="020B0604030504040204" pitchFamily="34" charset="-120"/>
+              <a:ea typeface="微軟正黑體" panose="020B0604030504040204" pitchFamily="34" charset="-120"/>
+            </a:endParaRPr>
+          </a:p>
+          <a:p>
+            <a:pPr marL="342900" lvl="1" indent="-342900">
+              <a:buFont typeface="Arial"/>
+              <a:buChar char="•"/>
+            </a:pPr>
             <a:r>
               <a:rPr lang="zh-TW" altLang="en-US" sz="2800" dirty="0" smtClean="0">
                 <a:latin typeface="微軟正黑體" panose="020B0604030504040204" pitchFamily="34" charset="-120"/>
                 <a:ea typeface="微軟正黑體" panose="020B0604030504040204" pitchFamily="34" charset="-120"/>
               </a:rPr>
-              <a:t>部位</a:t>
-            </a:r>
-            <a:endParaRPr lang="en-US" altLang="zh-TW" sz="2800" dirty="0">
-              <a:latin typeface="微軟正黑體" panose="020B0604030504040204" pitchFamily="34" charset="-120"/>
-              <a:ea typeface="微軟正黑體" panose="020B0604030504040204" pitchFamily="34" charset="-120"/>
-            </a:endParaRPr>
-          </a:p>
-          <a:p>
-            <a:pPr marL="342900" lvl="1" indent="-342900">
-              <a:buFont typeface="Arial"/>
-              <a:buChar char="•"/>
-            </a:pPr>
-            <a:r>
-              <a:rPr lang="zh-TW" altLang="en-US" sz="2800" dirty="0" smtClean="0">
+              <a:t>沒有醜女人</a:t>
+            </a:r>
+            <a:r>
+              <a:rPr lang="zh-TW" altLang="en-US" sz="2800" dirty="0">
                 <a:latin typeface="微軟正黑體" panose="020B0604030504040204" pitchFamily="34" charset="-120"/>
                 <a:ea typeface="微軟正黑體" panose="020B0604030504040204" pitchFamily="34" charset="-120"/>
               </a:rPr>
-              <a:t>呈現年齡歲月的</a:t>
+              <a:t>，只有</a:t>
             </a:r>
             <a:r>
               <a:rPr lang="zh-TW" altLang="en-US" sz="2800" b="1" dirty="0" smtClean="0">
@@ -4004,7 +4098,7 @@
                 <a:latin typeface="微軟正黑體" panose="020B0604030504040204" pitchFamily="34" charset="-120"/>
                 <a:ea typeface="微軟正黑體" panose="020B0604030504040204" pitchFamily="34" charset="-120"/>
               </a:rPr>
-              <a:t>痕跡</a:t>
+              <a:t>懶女人。</a:t>
             </a:r>
             <a:endParaRPr lang="en-US" altLang="zh-TW" sz="2800" b="1" dirty="0" smtClean="0">
               <a:solidFill>
@@ -4020,27 +4114,6 @@
               <a:buChar char="•"/>
             </a:pPr>
             <a:r>
-              <a:rPr lang="zh-TW" altLang="en-US" sz="2800" dirty="0">
-                <a:latin typeface="微軟正黑體" panose="020B0604030504040204" pitchFamily="34" charset="-120"/>
-                <a:ea typeface="微軟正黑體" panose="020B0604030504040204" pitchFamily="34" charset="-120"/>
-              </a:rPr>
-              <a:t>世上</a:t>
-            </a:r>
-            <a:r>
-              <a:rPr lang="zh-TW" altLang="en-US" sz="2800" dirty="0" smtClean="0">
-                <a:latin typeface="微軟正黑體" panose="020B0604030504040204" pitchFamily="34" charset="-120"/>
-                <a:ea typeface="微軟正黑體" panose="020B0604030504040204" pitchFamily="34" charset="-120"/>
-              </a:rPr>
-              <a:t>沒有醜人</a:t>
-            </a:r>
-            <a:r>
-              <a:rPr lang="zh-TW" altLang="en-US" sz="2800" dirty="0">
-                <a:latin typeface="微軟正黑體" panose="020B0604030504040204" pitchFamily="34" charset="-120"/>
-                <a:ea typeface="微軟正黑體" panose="020B0604030504040204" pitchFamily="34" charset="-120"/>
-              </a:rPr>
-              <a:t>，只有</a:t>
-            </a:r>
-            <a:r>
               <a:rPr lang="zh-TW" altLang="en-US" sz="2800" b="1" dirty="0" smtClean="0">
                 <a:solidFill>
                   <a:srgbClr val="FF0000"/>
@@ -4048,7 +4121,7 @@
                 <a:latin typeface="微軟正黑體" panose="020B0604030504040204" pitchFamily="34" charset="-120"/>
                 <a:ea typeface="微軟正黑體" panose="020B0604030504040204" pitchFamily="34" charset="-120"/>
               </a:rPr>
-              <a:t>懶人</a:t>
+              <a:t>聊天機器人服務趨勢。</a:t>
             </a:r>
             <a:endParaRPr lang="en-US" altLang="zh-TW" sz="2800" b="1" dirty="0" smtClean="0">
               <a:solidFill>
@@ -4148,18 +4221,30 @@
           <a:lstStyle/>
           <a:p>
             <a:r>
-              <a:rPr lang="zh-TW" altLang="zh-TW" dirty="0" smtClean="0"/>
+              <a:rPr lang="zh-TW" altLang="zh-TW" dirty="0" smtClean="0">
+                <a:latin typeface="微軟正黑體" panose="020B0604030504040204" pitchFamily="34" charset="-120"/>
+                <a:ea typeface="微軟正黑體" panose="020B0604030504040204" pitchFamily="34" charset="-120"/>
+              </a:rPr>
               <a:t>解決</a:t>
             </a:r>
             <a:r>
-              <a:rPr lang="zh-TW" altLang="zh-TW" dirty="0"/>
+              <a:rPr lang="zh-TW" altLang="zh-TW" dirty="0">
+                <a:latin typeface="微軟正黑體" panose="020B0604030504040204" pitchFamily="34" charset="-120"/>
+                <a:ea typeface="微軟正黑體" panose="020B0604030504040204" pitchFamily="34" charset="-120"/>
+              </a:rPr>
               <a:t>每日操煩的保養決定</a:t>
             </a:r>
             <a:r>
-              <a:rPr lang="zh-TW" altLang="zh-TW" dirty="0" smtClean="0"/>
+              <a:rPr lang="zh-TW" altLang="zh-TW" dirty="0" smtClean="0">
+                <a:latin typeface="微軟正黑體" panose="020B0604030504040204" pitchFamily="34" charset="-120"/>
+                <a:ea typeface="微軟正黑體" panose="020B0604030504040204" pitchFamily="34" charset="-120"/>
+              </a:rPr>
               <a:t>。</a:t>
             </a:r>
-            <a:endParaRPr lang="en-US" altLang="zh-TW" dirty="0" smtClean="0"/>
+            <a:endParaRPr lang="en-US" altLang="zh-TW" dirty="0" smtClean="0">
+              <a:latin typeface="微軟正黑體" panose="020B0604030504040204" pitchFamily="34" charset="-120"/>
+              <a:ea typeface="微軟正黑體" panose="020B0604030504040204" pitchFamily="34" charset="-120"/>
+            </a:endParaRPr>
           </a:p>
           <a:p>
             <a:r>
@@ -4333,35 +4418,59 @@
           <a:p>
             <a:pPr lvl="1"/>
             <a:r>
-              <a:rPr lang="zh-TW" altLang="en-US" dirty="0" smtClean="0"/>
+              <a:rPr lang="zh-TW" altLang="en-US" dirty="0" smtClean="0">
+                <a:latin typeface="微軟正黑體" panose="020B0604030504040204" pitchFamily="34" charset="-120"/>
+                <a:ea typeface="微軟正黑體" panose="020B0604030504040204" pitchFamily="34" charset="-120"/>
+              </a:rPr>
               <a:t>從氣象資料開放平台取得當日</a:t>
             </a:r>
             <a:r>
-              <a:rPr lang="zh-TW" altLang="zh-TW" dirty="0" smtClean="0"/>
+              <a:rPr lang="zh-TW" altLang="zh-TW" dirty="0" smtClean="0">
+                <a:latin typeface="微軟正黑體" panose="020B0604030504040204" pitchFamily="34" charset="-120"/>
+                <a:ea typeface="微軟正黑體" panose="020B0604030504040204" pitchFamily="34" charset="-120"/>
+              </a:rPr>
               <a:t>天氣資訊</a:t>
             </a:r>
             <a:r>
-              <a:rPr lang="en-US" altLang="zh-TW" dirty="0" smtClean="0"/>
+              <a:rPr lang="en-US" altLang="zh-TW" dirty="0" smtClean="0">
+                <a:latin typeface="微軟正黑體" panose="020B0604030504040204" pitchFamily="34" charset="-120"/>
+                <a:ea typeface="微軟正黑體" panose="020B0604030504040204" pitchFamily="34" charset="-120"/>
+              </a:rPr>
               <a:t>(</a:t>
             </a:r>
             <a:r>
-              <a:rPr lang="zh-TW" altLang="en-US" dirty="0" smtClean="0"/>
+              <a:rPr lang="zh-TW" altLang="en-US" dirty="0" smtClean="0">
+                <a:latin typeface="微軟正黑體" panose="020B0604030504040204" pitchFamily="34" charset="-120"/>
+                <a:ea typeface="微軟正黑體" panose="020B0604030504040204" pitchFamily="34" charset="-120"/>
+              </a:rPr>
               <a:t>溫度、濕度、紫外線指數及</a:t>
             </a:r>
             <a:r>
-              <a:rPr lang="en-US" altLang="zh-TW" dirty="0" smtClean="0"/>
+              <a:rPr lang="en-US" altLang="zh-TW" dirty="0" smtClean="0">
+                <a:latin typeface="微軟正黑體" panose="020B0604030504040204" pitchFamily="34" charset="-120"/>
+                <a:ea typeface="微軟正黑體" panose="020B0604030504040204" pitchFamily="34" charset="-120"/>
+              </a:rPr>
               <a:t>PM2.5)</a:t>
             </a:r>
             <a:r>
-              <a:rPr lang="zh-TW" altLang="en-US" dirty="0" smtClean="0"/>
+              <a:rPr lang="zh-TW" altLang="en-US" dirty="0" smtClean="0">
+                <a:latin typeface="微軟正黑體" panose="020B0604030504040204" pitchFamily="34" charset="-120"/>
+                <a:ea typeface="微軟正黑體" panose="020B0604030504040204" pitchFamily="34" charset="-120"/>
+              </a:rPr>
               <a:t>，分析保養關聯性後</a:t>
             </a:r>
             <a:r>
-              <a:rPr lang="zh-TW" altLang="zh-TW" dirty="0" smtClean="0"/>
+              <a:rPr lang="zh-TW" altLang="zh-TW" dirty="0" smtClean="0">
+                <a:latin typeface="微軟正黑體" panose="020B0604030504040204" pitchFamily="34" charset="-120"/>
+                <a:ea typeface="微軟正黑體" panose="020B0604030504040204" pitchFamily="34" charset="-120"/>
+              </a:rPr>
               <a:t>提供</a:t>
             </a:r>
             <a:r>
-              <a:rPr lang="zh-TW" altLang="en-US" dirty="0" smtClean="0"/>
+              <a:rPr lang="zh-TW" altLang="en-US" dirty="0" smtClean="0">
+                <a:latin typeface="微軟正黑體" panose="020B0604030504040204" pitchFamily="34" charset="-120"/>
+                <a:ea typeface="微軟正黑體" panose="020B0604030504040204" pitchFamily="34" charset="-120"/>
+              </a:rPr>
               <a:t>當日</a:t>
             </a:r>
             <a:r>
@@ -4369,23 +4478,37 @@
                 <a:solidFill>
                   <a:srgbClr val="FF0000"/>
                 </a:solidFill>
+                <a:latin typeface="微軟正黑體" panose="020B0604030504040204" pitchFamily="34" charset="-120"/>
+                <a:ea typeface="微軟正黑體" panose="020B0604030504040204" pitchFamily="34" charset="-120"/>
               </a:rPr>
               <a:t>保養意見</a:t>
             </a:r>
             <a:r>
-              <a:rPr lang="zh-TW" altLang="zh-TW" dirty="0"/>
+              <a:rPr lang="zh-TW" altLang="zh-TW" dirty="0">
+                <a:latin typeface="微軟正黑體" panose="020B0604030504040204" pitchFamily="34" charset="-120"/>
+                <a:ea typeface="微軟正黑體" panose="020B0604030504040204" pitchFamily="34" charset="-120"/>
+              </a:rPr>
               <a:t>。</a:t>
             </a:r>
-            <a:endParaRPr lang="en-US" altLang="zh-TW" dirty="0"/>
+            <a:endParaRPr lang="en-US" altLang="zh-TW" dirty="0">
+              <a:latin typeface="微軟正黑體" panose="020B0604030504040204" pitchFamily="34" charset="-120"/>
+              <a:ea typeface="微軟正黑體" panose="020B0604030504040204" pitchFamily="34" charset="-120"/>
+            </a:endParaRPr>
           </a:p>
           <a:p>
             <a:pPr lvl="1"/>
             <a:r>
-              <a:rPr lang="zh-TW" altLang="en-US" dirty="0"/>
+              <a:rPr lang="zh-TW" altLang="en-US" dirty="0">
+                <a:latin typeface="微軟正黑體" panose="020B0604030504040204" pitchFamily="34" charset="-120"/>
+                <a:ea typeface="微軟正黑體" panose="020B0604030504040204" pitchFamily="34" charset="-120"/>
+              </a:rPr>
               <a:t>以</a:t>
             </a:r>
             <a:r>
-              <a:rPr lang="zh-TW" altLang="en-US" dirty="0" smtClean="0"/>
+              <a:rPr lang="zh-TW" altLang="en-US" dirty="0" smtClean="0">
+                <a:latin typeface="微軟正黑體" panose="020B0604030504040204" pitchFamily="34" charset="-120"/>
+                <a:ea typeface="微軟正黑體" panose="020B0604030504040204" pitchFamily="34" charset="-120"/>
+              </a:rPr>
               <a:t>常見保養詢問關鍵字，提供</a:t>
             </a:r>
             <a:r>
@@ -4393,6 +4516,8 @@
                 <a:solidFill>
                   <a:srgbClr val="FF0000"/>
                 </a:solidFill>
+                <a:latin typeface="微軟正黑體" panose="020B0604030504040204" pitchFamily="34" charset="-120"/>
+                <a:ea typeface="微軟正黑體" panose="020B0604030504040204" pitchFamily="34" charset="-120"/>
               </a:rPr>
               <a:t>保養</a:t>
             </a:r>
@@ -4401,14 +4526,22 @@
                 <a:solidFill>
                   <a:srgbClr val="FF0000"/>
                 </a:solidFill>
+                <a:latin typeface="微軟正黑體" panose="020B0604030504040204" pitchFamily="34" charset="-120"/>
+                <a:ea typeface="微軟正黑體" panose="020B0604030504040204" pitchFamily="34" charset="-120"/>
               </a:rPr>
               <a:t>小技巧</a:t>
             </a:r>
             <a:r>
-              <a:rPr lang="zh-TW" altLang="zh-TW" dirty="0" smtClean="0"/>
+              <a:rPr lang="zh-TW" altLang="zh-TW" dirty="0" smtClean="0">
+                <a:latin typeface="微軟正黑體" panose="020B0604030504040204" pitchFamily="34" charset="-120"/>
+                <a:ea typeface="微軟正黑體" panose="020B0604030504040204" pitchFamily="34" charset="-120"/>
+              </a:rPr>
               <a:t>資訊。</a:t>
             </a:r>
-            <a:endParaRPr lang="en-US" altLang="zh-TW" dirty="0"/>
+            <a:endParaRPr lang="en-US" altLang="zh-TW" dirty="0">
+              <a:latin typeface="微軟正黑體" panose="020B0604030504040204" pitchFamily="34" charset="-120"/>
+              <a:ea typeface="微軟正黑體" panose="020B0604030504040204" pitchFamily="34" charset="-120"/>
+            </a:endParaRPr>
           </a:p>
         </p:txBody>
       </p:sp>
@@ -4657,7 +4790,7 @@
                 </a:spcAft>
               </a:pPr>
               <a:r>
-                <a:rPr lang="zh-TW" sz="1200" kern="100">
+                <a:rPr lang="zh-TW" b="1" kern="100" dirty="0">
                   <a:solidFill>
                     <a:srgbClr val="000000"/>
                   </a:solidFill>
@@ -4665,10 +4798,31 @@
                   <a:latin typeface="Times New Roman"/>
                   <a:ea typeface="標楷體"/>
                 </a:rPr>
-                <a:t>美膚諮詢小秘書</a:t>
+                <a:t>美膚</a:t>
               </a:r>
               <a:r>
-                <a:rPr lang="en-US" sz="1200" kern="100">
+                <a:rPr lang="zh-TW" b="1" kern="100" dirty="0" smtClean="0">
+                  <a:solidFill>
+                    <a:srgbClr val="000000"/>
+                  </a:solidFill>
+                  <a:effectLst/>
+                  <a:latin typeface="Times New Roman"/>
+                  <a:ea typeface="標楷體"/>
+                </a:rPr>
+                <a:t>諮詢</a:t>
+              </a:r>
+              <a:r>
+                <a:rPr lang="zh-TW" altLang="en-US" b="1" kern="100" dirty="0" smtClean="0">
+                  <a:solidFill>
+                    <a:srgbClr val="000000"/>
+                  </a:solidFill>
+                  <a:latin typeface="Times New Roman"/>
+                  <a:ea typeface="標楷體"/>
+                </a:rPr>
+                <a:t>機器人</a:t>
+              </a:r>
+              <a:r>
+                <a:rPr lang="en-US" b="1" kern="100" dirty="0" smtClean="0">
                   <a:solidFill>
                     <a:srgbClr val="000000"/>
                   </a:solidFill>
@@ -4679,7 +4833,7 @@
                 <a:t>server</a:t>
               </a:r>
               <a:r>
-                <a:rPr lang="zh-TW" sz="1200" kern="100">
+                <a:rPr lang="zh-TW" b="1" kern="100" dirty="0">
                   <a:solidFill>
                     <a:srgbClr val="000000"/>
                   </a:solidFill>
@@ -4689,7 +4843,7 @@
                 </a:rPr>
                 <a:t>後台</a:t>
               </a:r>
-              <a:endParaRPr lang="zh-TW" sz="1200" kern="100">
+              <a:endParaRPr lang="zh-TW" b="1" kern="100" dirty="0">
                 <a:effectLst/>
                 <a:latin typeface="Times New Roman"/>
                 <a:ea typeface="新細明體"/>
@@ -4744,7 +4898,7 @@
                 </a:spcAft>
               </a:pPr>
               <a:r>
-                <a:rPr lang="zh-TW" sz="1200" kern="100">
+                <a:rPr lang="zh-TW" b="1" kern="100">
                   <a:solidFill>
                     <a:srgbClr val="000000"/>
                   </a:solidFill>
@@ -4754,7 +4908,7 @@
                 </a:rPr>
                 <a:t>使用者管理</a:t>
               </a:r>
-              <a:endParaRPr lang="zh-TW" sz="1200" kern="100">
+              <a:endParaRPr lang="zh-TW" b="1" kern="100">
                 <a:effectLst/>
                 <a:latin typeface="Times New Roman"/>
                 <a:ea typeface="新細明體"/>
@@ -4809,7 +4963,7 @@
                 </a:spcAft>
               </a:pPr>
               <a:r>
-                <a:rPr lang="zh-TW" sz="1200" kern="100">
+                <a:rPr lang="zh-TW" b="1" kern="100">
                   <a:solidFill>
                     <a:srgbClr val="000000"/>
                   </a:solidFill>
@@ -4819,7 +4973,7 @@
                 </a:rPr>
                 <a:t>保養技巧管理</a:t>
               </a:r>
-              <a:endParaRPr lang="zh-TW" sz="1200" kern="100">
+              <a:endParaRPr lang="zh-TW" b="1" kern="100">
                 <a:effectLst/>
                 <a:latin typeface="Times New Roman"/>
                 <a:ea typeface="新細明體"/>
@@ -4874,7 +5028,7 @@
                 </a:spcAft>
               </a:pPr>
               <a:r>
-                <a:rPr lang="zh-TW" sz="1200" kern="100">
+                <a:rPr lang="zh-TW" b="1" kern="100">
                   <a:solidFill>
                     <a:srgbClr val="000000"/>
                   </a:solidFill>
@@ -4884,7 +5038,7 @@
                 </a:rPr>
                 <a:t>氣象保養關聯性</a:t>
               </a:r>
-              <a:endParaRPr lang="zh-TW" sz="1200" kern="100">
+              <a:endParaRPr lang="zh-TW" b="1" kern="100">
                 <a:effectLst/>
                 <a:latin typeface="Times New Roman"/>
                 <a:ea typeface="新細明體"/>
@@ -4939,7 +5093,7 @@
                 </a:spcAft>
               </a:pPr>
               <a:r>
-                <a:rPr lang="en-US" sz="1200" kern="100">
+                <a:rPr lang="en-US" b="1" kern="100">
                   <a:solidFill>
                     <a:srgbClr val="000000"/>
                   </a:solidFill>
@@ -4950,7 +5104,7 @@
                 <a:t>API</a:t>
               </a:r>
               <a:r>
-                <a:rPr lang="zh-TW" sz="1200" kern="100">
+                <a:rPr lang="zh-TW" b="1" kern="100">
                   <a:solidFill>
                     <a:srgbClr val="000000"/>
                   </a:solidFill>
@@ -4960,7 +5114,7 @@
                 </a:rPr>
                 <a:t>資料設定</a:t>
               </a:r>
-              <a:endParaRPr lang="zh-TW" sz="1200" kern="100">
+              <a:endParaRPr lang="zh-TW" b="1" kern="100">
                 <a:effectLst/>
                 <a:latin typeface="Times New Roman"/>
                 <a:ea typeface="新細明體"/>
@@ -5015,7 +5169,7 @@
                 </a:spcAft>
               </a:pPr>
               <a:r>
-                <a:rPr lang="zh-TW" sz="1200" kern="100">
+                <a:rPr lang="zh-TW" b="1" kern="100">
                   <a:solidFill>
                     <a:srgbClr val="000000"/>
                   </a:solidFill>
@@ -5025,7 +5179,7 @@
                 </a:rPr>
                 <a:t>查詢使用者使用情況</a:t>
               </a:r>
-              <a:endParaRPr lang="zh-TW" sz="1200" kern="100">
+              <a:endParaRPr lang="zh-TW" b="1" kern="100">
                 <a:effectLst/>
                 <a:latin typeface="Times New Roman"/>
                 <a:ea typeface="新細明體"/>
@@ -5080,7 +5234,7 @@
                 </a:spcAft>
               </a:pPr>
               <a:r>
-                <a:rPr lang="zh-TW" sz="1200" kern="100">
+                <a:rPr lang="zh-TW" b="1" kern="100">
                   <a:solidFill>
                     <a:srgbClr val="000000"/>
                   </a:solidFill>
@@ -5090,7 +5244,7 @@
                 </a:rPr>
                 <a:t>設定天氣預報時間</a:t>
               </a:r>
-              <a:endParaRPr lang="zh-TW" sz="1200" kern="100">
+              <a:endParaRPr lang="zh-TW" b="1" kern="100">
                 <a:effectLst/>
                 <a:latin typeface="Times New Roman"/>
                 <a:ea typeface="新細明體"/>
@@ -5145,7 +5299,7 @@
                 </a:spcAft>
               </a:pPr>
               <a:r>
-                <a:rPr lang="zh-TW" sz="1200" kern="100">
+                <a:rPr lang="zh-TW" b="1" kern="100">
                   <a:solidFill>
                     <a:srgbClr val="000000"/>
                   </a:solidFill>
@@ -5155,7 +5309,7 @@
                 </a:rPr>
                 <a:t>設定所在地</a:t>
               </a:r>
-              <a:endParaRPr lang="zh-TW" sz="1200" kern="100">
+              <a:endParaRPr lang="zh-TW" b="1" kern="100">
                 <a:effectLst/>
                 <a:latin typeface="Times New Roman"/>
                 <a:ea typeface="新細明體"/>
@@ -5210,7 +5364,7 @@
                 </a:spcAft>
               </a:pPr>
               <a:r>
-                <a:rPr lang="zh-TW" sz="1200" kern="100">
+                <a:rPr lang="zh-TW" b="1" kern="100">
                   <a:solidFill>
                     <a:srgbClr val="000000"/>
                   </a:solidFill>
@@ -5220,7 +5374,7 @@
                 </a:rPr>
                 <a:t>新增保養資枓</a:t>
               </a:r>
-              <a:endParaRPr lang="zh-TW" sz="1200" kern="100">
+              <a:endParaRPr lang="zh-TW" b="1" kern="100">
                 <a:effectLst/>
                 <a:latin typeface="Times New Roman"/>
                 <a:ea typeface="新細明體"/>
@@ -5275,7 +5429,7 @@
                 </a:spcAft>
               </a:pPr>
               <a:r>
-                <a:rPr lang="zh-TW" sz="1200" kern="100">
+                <a:rPr lang="zh-TW" b="1" kern="100">
                   <a:solidFill>
                     <a:srgbClr val="000000"/>
                   </a:solidFill>
@@ -5285,7 +5439,7 @@
                 </a:rPr>
                 <a:t>刪除保養資枓</a:t>
               </a:r>
-              <a:endParaRPr lang="zh-TW" sz="1200" kern="100">
+              <a:endParaRPr lang="zh-TW" b="1" kern="100">
                 <a:effectLst/>
                 <a:latin typeface="Times New Roman"/>
                 <a:ea typeface="新細明體"/>
@@ -5340,7 +5494,7 @@
                 </a:spcAft>
               </a:pPr>
               <a:r>
-                <a:rPr lang="zh-TW" sz="1200" kern="100">
+                <a:rPr lang="zh-TW" b="1" kern="100">
                   <a:solidFill>
                     <a:srgbClr val="000000"/>
                   </a:solidFill>
@@ -5350,7 +5504,7 @@
                 </a:rPr>
                 <a:t>修改保養資枓</a:t>
               </a:r>
-              <a:endParaRPr lang="zh-TW" sz="1200" kern="100">
+              <a:endParaRPr lang="zh-TW" b="1" kern="100">
                 <a:effectLst/>
                 <a:latin typeface="Times New Roman"/>
                 <a:ea typeface="新細明體"/>
@@ -5405,7 +5559,7 @@
                 </a:spcAft>
               </a:pPr>
               <a:r>
-                <a:rPr lang="zh-TW" sz="1200" kern="100">
+                <a:rPr lang="zh-TW" b="1" kern="100">
                   <a:solidFill>
                     <a:srgbClr val="000000"/>
                   </a:solidFill>
@@ -5415,7 +5569,7 @@
                 </a:rPr>
                 <a:t>新增天氣因素</a:t>
               </a:r>
-              <a:endParaRPr lang="zh-TW" sz="1200" kern="100">
+              <a:endParaRPr lang="zh-TW" b="1" kern="100">
                 <a:effectLst/>
                 <a:latin typeface="Times New Roman"/>
                 <a:ea typeface="新細明體"/>
@@ -5470,7 +5624,7 @@
                 </a:spcAft>
               </a:pPr>
               <a:r>
-                <a:rPr lang="zh-TW" sz="1200" kern="100">
+                <a:rPr lang="zh-TW" b="1" kern="100">
                   <a:solidFill>
                     <a:srgbClr val="000000"/>
                   </a:solidFill>
@@ -5480,7 +5634,7 @@
                 </a:rPr>
                 <a:t>刪除天氣因素</a:t>
               </a:r>
-              <a:endParaRPr lang="zh-TW" sz="1200" kern="100">
+              <a:endParaRPr lang="zh-TW" b="1" kern="100">
                 <a:effectLst/>
                 <a:latin typeface="Times New Roman"/>
                 <a:ea typeface="新細明體"/>
@@ -5535,7 +5689,7 @@
                 </a:spcAft>
               </a:pPr>
               <a:r>
-                <a:rPr lang="zh-TW" sz="1200" kern="100">
+                <a:rPr lang="zh-TW" b="1" kern="100">
                   <a:solidFill>
                     <a:srgbClr val="000000"/>
                   </a:solidFill>
@@ -5545,7 +5699,7 @@
                 </a:rPr>
                 <a:t>修改天氣因素</a:t>
               </a:r>
-              <a:endParaRPr lang="zh-TW" sz="1200" kern="100">
+              <a:endParaRPr lang="zh-TW" b="1" kern="100">
                 <a:effectLst/>
                 <a:latin typeface="Times New Roman"/>
                 <a:ea typeface="新細明體"/>
@@ -7471,7 +7625,7 @@
                   <a:latin typeface="微軟正黑體" panose="020B0604030504040204" pitchFamily="34" charset="-120"/>
                   <a:ea typeface="微軟正黑體" panose="020B0604030504040204" pitchFamily="34" charset="-120"/>
                 </a:rPr>
-                <a:t>使用者管理</a:t>
+                <a:t>後台功能開發</a:t>
               </a:r>
               <a:endParaRPr lang="zh-TW" altLang="en-US" sz="1400" dirty="0">
                 <a:latin typeface="微軟正黑體" panose="020B0604030504040204" pitchFamily="34" charset="-120"/>
@@ -7573,34 +7727,15 @@
           </a:p>
         </p:txBody>
       </p:sp>
-      <p:sp>
-        <p:nvSpPr>
-          <p:cNvPr id="4" name="內容版面配置區 3"/>
-          <p:cNvSpPr>
-            <a:spLocks noGrp="1"/>
-          </p:cNvSpPr>
-          <p:nvPr>
-            <p:ph idx="1"/>
-          </p:nvPr>
-        </p:nvSpPr>
-        <p:spPr/>
-        <p:txBody>
-          <a:bodyPr/>
-          <a:lstStyle/>
-          <a:p>
-            <a:endParaRPr lang="zh-TW" altLang="en-US"/>
-          </a:p>
-        </p:txBody>
-      </p:sp>
       <p:pic>
         <p:nvPicPr>
-          <p:cNvPr id="2050" name="Picture 2"/>
+          <p:cNvPr id="1026" name="圖片 1"/>
           <p:cNvPicPr>
             <a:picLocks noChangeAspect="1" noChangeArrowheads="1"/>
           </p:cNvPicPr>
           <p:nvPr/>
         </p:nvPicPr>
-        <p:blipFill rotWithShape="1">
+        <p:blipFill>
           <a:blip r:embed="rId2">
             <a:extLst>
               <a:ext uri="{28A0092B-C50C-407E-A947-70E740481C1C}">
@@ -7608,13 +7743,15 @@
               </a:ext>
             </a:extLst>
           </a:blip>
-          <a:srcRect l="15625" t="18893" r="17969" b="11260"/>
-          <a:stretch/>
+          <a:srcRect l="3751" t="27434" r="34506" b="11842"/>
+          <a:stretch>
+            <a:fillRect/>
+          </a:stretch>
         </p:blipFill>
         <p:spPr bwMode="auto">
           <a:xfrm>
-            <a:off x="-2" y="1417638"/>
-            <a:ext cx="9207825" cy="5286375"/>
+            <a:off x="4763" y="1416379"/>
+            <a:ext cx="9158173" cy="4847787"/>
           </a:xfrm>
           <a:prstGeom prst="rect">
             <a:avLst/>
@@ -7627,14 +7764,14 @@
             <a:ext uri="{909E8E84-426E-40DD-AFC4-6F175D3DCCD1}">
               <a14:hiddenFill xmlns:a14="http://schemas.microsoft.com/office/drawing/2010/main">
                 <a:solidFill>
-                  <a:schemeClr val="accent1"/>
+                  <a:srgbClr val="FFFFFF"/>
                 </a:solidFill>
               </a14:hiddenFill>
             </a:ext>
             <a:ext uri="{91240B29-F687-4F45-9708-019B960494DF}">
               <a14:hiddenLine xmlns:a14="http://schemas.microsoft.com/office/drawing/2010/main" w="9525">
                 <a:solidFill>
-                  <a:schemeClr val="tx1"/>
+                  <a:srgbClr val="000000"/>
                 </a:solidFill>
                 <a:miter lim="800000"/>
                 <a:headEnd/>
@@ -8379,15 +8516,6 @@
 </file>
 
 <file path=customXml/item2.xml><?xml version="1.0" encoding="utf-8"?>
-<p:properties xmlns:p="http://schemas.microsoft.com/office/2006/metadata/properties" xmlns:xsi="http://www.w3.org/2001/XMLSchema-instance" xmlns:pc="http://schemas.microsoft.com/office/infopath/2007/PartnerControls">
-  <documentManagement>
-    <_Version xmlns="http://schemas.microsoft.com/sharepoint/v3/fields" xsi:nil="true"/>
-    <_Status xmlns="http://schemas.microsoft.com/sharepoint/v3/fields">Not Started</_Status>
-  </documentManagement>
-</p:properties>
-</file>
-
-<file path=customXml/item3.xml><?xml version="1.0" encoding="utf-8"?>
 <ct:contentTypeSchema xmlns:ct="http://schemas.microsoft.com/office/2006/metadata/contentType" xmlns:ma="http://schemas.microsoft.com/office/2006/metadata/properties/metaAttributes" ct:_="" ma:_="" ma:contentTypeName="Document" ma:contentTypeID="0x0101000DE64AEEDD9B7A4D93545ACBE97D4615" ma:contentTypeVersion="2" ma:contentTypeDescription="Create a new document." ma:contentTypeScope="" ma:versionID="f49002b78e3a4a71b814eef46a983816">
   <xsd:schema xmlns:xsd="http://www.w3.org/2001/XMLSchema" xmlns:xs="http://www.w3.org/2001/XMLSchema" xmlns:p="http://schemas.microsoft.com/office/2006/metadata/properties" xmlns:ns2="http://schemas.microsoft.com/sharepoint/v3/fields" targetNamespace="http://schemas.microsoft.com/office/2006/metadata/properties" ma:root="true" ma:fieldsID="38f6db2dd0d9a0cf6a8dc37be32b365b" ns2:_="">
     <xsd:import namespace="http://schemas.microsoft.com/sharepoint/v3/fields"/>
@@ -8531,6 +8659,15 @@
 </ct:contentTypeSchema>
 </file>
 
+<file path=customXml/item3.xml><?xml version="1.0" encoding="utf-8"?>
+<p:properties xmlns:p="http://schemas.microsoft.com/office/2006/metadata/properties" xmlns:xsi="http://www.w3.org/2001/XMLSchema-instance" xmlns:pc="http://schemas.microsoft.com/office/infopath/2007/PartnerControls">
+  <documentManagement>
+    <_Version xmlns="http://schemas.microsoft.com/sharepoint/v3/fields" xsi:nil="true"/>
+    <_Status xmlns="http://schemas.microsoft.com/sharepoint/v3/fields">Not Started</_Status>
+  </documentManagement>
+</p:properties>
+</file>
+
 <file path=customXml/itemProps1.xml><?xml version="1.0" encoding="utf-8"?>
 <ds:datastoreItem xmlns:ds="http://schemas.openxmlformats.org/officeDocument/2006/customXml" ds:itemID="{87D2A1B0-FF3E-4009-940D-AED0EB70AA20}">
   <ds:schemaRefs>
@@ -8540,22 +8677,6 @@
 </file>
 
 <file path=customXml/itemProps2.xml><?xml version="1.0" encoding="utf-8"?>
-<ds:datastoreItem xmlns:ds="http://schemas.openxmlformats.org/officeDocument/2006/customXml" ds:itemID="{7B6F2769-7194-4217-93D3-3AF3A4742282}">
-  <ds:schemaRefs>
-    <ds:schemaRef ds:uri="http://purl.org/dc/dcmitype/"/>
-    <ds:schemaRef ds:uri="http://purl.org/dc/terms/"/>
-    <ds:schemaRef ds:uri="http://www.w3.org/XML/1998/namespace"/>
-    <ds:schemaRef ds:uri="http://purl.org/dc/elements/1.1/"/>
-    <ds:schemaRef ds:uri="http://schemas.microsoft.com/office/2006/metadata/properties"/>
-    <ds:schemaRef ds:uri="http://schemas.microsoft.com/office/2006/documentManagement/types"/>
-    <ds:schemaRef ds:uri="http://schemas.microsoft.com/office/infopath/2007/PartnerControls"/>
-    <ds:schemaRef ds:uri="http://schemas.openxmlformats.org/package/2006/metadata/core-properties"/>
-    <ds:schemaRef ds:uri="http://schemas.microsoft.com/sharepoint/v3/fields"/>
-  </ds:schemaRefs>
-</ds:datastoreItem>
-</file>
-
-<file path=customXml/itemProps3.xml><?xml version="1.0" encoding="utf-8"?>
 <ds:datastoreItem xmlns:ds="http://schemas.openxmlformats.org/officeDocument/2006/customXml" ds:itemID="{E4214858-785C-42F7-BE66-6D0E79395FC8}">
   <ds:schemaRefs>
     <ds:schemaRef ds:uri="http://schemas.microsoft.com/office/2006/metadata/contentType"/>
@@ -8571,4 +8692,20 @@
     <ds:schemaRef ds:uri="http://schemas.microsoft.com/internal/obd"/>
   </ds:schemaRefs>
 </ds:datastoreItem>
+</file>
+
+<file path=customXml/itemProps3.xml><?xml version="1.0" encoding="utf-8"?>
+<ds:datastoreItem xmlns:ds="http://schemas.openxmlformats.org/officeDocument/2006/customXml" ds:itemID="{7B6F2769-7194-4217-93D3-3AF3A4742282}">
+  <ds:schemaRefs>
+    <ds:schemaRef ds:uri="http://purl.org/dc/dcmitype/"/>
+    <ds:schemaRef ds:uri="http://purl.org/dc/terms/"/>
+    <ds:schemaRef ds:uri="http://www.w3.org/XML/1998/namespace"/>
+    <ds:schemaRef ds:uri="http://purl.org/dc/elements/1.1/"/>
+    <ds:schemaRef ds:uri="http://schemas.microsoft.com/office/2006/metadata/properties"/>
+    <ds:schemaRef ds:uri="http://schemas.microsoft.com/office/2006/documentManagement/types"/>
+    <ds:schemaRef ds:uri="http://schemas.microsoft.com/office/infopath/2007/PartnerControls"/>
+    <ds:schemaRef ds:uri="http://schemas.openxmlformats.org/package/2006/metadata/core-properties"/>
+    <ds:schemaRef ds:uri="http://schemas.microsoft.com/sharepoint/v3/fields"/>
+  </ds:schemaRefs>
+</ds:datastoreItem>
 </file>
--- a/軟體品質管理期中專案報告_team4.pptx
+++ b/軟體品質管理期中專案報告_team4.pptx
@@ -5,7 +5,7 @@
     <p:sldMasterId id="2147493455" r:id="rId4"/>
   </p:sldMasterIdLst>
   <p:notesMasterIdLst>
-    <p:notesMasterId r:id="rId14"/>
+    <p:notesMasterId r:id="rId16"/>
   </p:notesMasterIdLst>
   <p:sldIdLst>
     <p:sldId id="256" r:id="rId5"/>
@@ -14,9 +14,11 @@
     <p:sldId id="259" r:id="rId8"/>
     <p:sldId id="265" r:id="rId9"/>
     <p:sldId id="264" r:id="rId10"/>
-    <p:sldId id="260" r:id="rId11"/>
-    <p:sldId id="262" r:id="rId12"/>
-    <p:sldId id="261" r:id="rId13"/>
+    <p:sldId id="267" r:id="rId11"/>
+    <p:sldId id="260" r:id="rId12"/>
+    <p:sldId id="266" r:id="rId13"/>
+    <p:sldId id="262" r:id="rId14"/>
+    <p:sldId id="261" r:id="rId15"/>
   </p:sldIdLst>
   <p:sldSz cx="9144000" cy="6858000" type="screen4x3"/>
   <p:notesSz cx="6858000" cy="9144000"/>
@@ -117,7 +119,7 @@
   </p:defaultTextStyle>
   <p:extLst>
     <p:ext uri="{EFAFB233-063F-42B5-8137-9DF3F51BA10A}">
-      <p15:sldGuideLst xmlns:p15="http://schemas.microsoft.com/office/powerpoint/2012/main">
+      <p15:sldGuideLst xmlns:p15="http://schemas.microsoft.com/office/powerpoint/2012/main" xmlns="">
         <p15:guide id="1" orient="horz" pos="2160">
           <p15:clr>
             <a:srgbClr val="A4A3A4"/>
@@ -216,7 +218,7 @@
           <a:p>
             <a:fld id="{77C96CCE-68B5-9B4D-B8A4-9D885A674F26}" type="datetimeFigureOut">
               <a:rPr lang="en-US" smtClean="0"/>
-              <a:t>6/8/2019</a:t>
+              <a:t>6/13/2019</a:t>
             </a:fld>
             <a:endParaRPr lang="en-US"/>
           </a:p>
@@ -651,7 +653,7 @@
           <a:p>
             <a:fld id="{8662E17B-74C6-844B-874E-AD2BA74226A5}" type="slidenum">
               <a:rPr lang="en-US" smtClean="0"/>
-              <a:t>9</a:t>
+              <a:t>11</a:t>
             </a:fld>
             <a:endParaRPr lang="en-US"/>
           </a:p>
@@ -852,7 +854,7 @@
             <a:fld id="{8ACDB3CC-F982-40F9-8DD6-BCC9AFBF44BD}" type="datetime1">
               <a:rPr lang="en-US" smtClean="0"/>
               <a:pPr/>
-              <a:t>6/8/2019</a:t>
+              <a:t>6/13/2019</a:t>
             </a:fld>
             <a:endParaRPr lang="en-US" dirty="0"/>
           </a:p>
@@ -1022,7 +1024,7 @@
           <a:p>
             <a:fld id="{68C2560D-EC28-3B41-86E8-18F1CE0113B4}" type="datetimeFigureOut">
               <a:rPr lang="en-US" smtClean="0"/>
-              <a:t>6/8/2019</a:t>
+              <a:t>6/13/2019</a:t>
             </a:fld>
             <a:endParaRPr lang="en-US"/>
           </a:p>
@@ -1202,7 +1204,7 @@
           <a:p>
             <a:fld id="{68C2560D-EC28-3B41-86E8-18F1CE0113B4}" type="datetimeFigureOut">
               <a:rPr lang="en-US" smtClean="0"/>
-              <a:t>6/8/2019</a:t>
+              <a:t>6/13/2019</a:t>
             </a:fld>
             <a:endParaRPr lang="en-US"/>
           </a:p>
@@ -1372,7 +1374,7 @@
           <a:p>
             <a:fld id="{68C2560D-EC28-3B41-86E8-18F1CE0113B4}" type="datetimeFigureOut">
               <a:rPr lang="en-US" smtClean="0"/>
-              <a:t>6/8/2019</a:t>
+              <a:t>6/13/2019</a:t>
             </a:fld>
             <a:endParaRPr lang="en-US"/>
           </a:p>
@@ -1619,7 +1621,7 @@
             <a:fld id="{4A9E7B99-7C3F-4BC3-B7B8-7E1F8C620B24}" type="datetime1">
               <a:rPr lang="en-US" smtClean="0"/>
               <a:pPr/>
-              <a:t>6/8/2019</a:t>
+              <a:t>6/13/2019</a:t>
             </a:fld>
             <a:endParaRPr lang="en-US"/>
           </a:p>
@@ -1908,7 +1910,7 @@
           <a:p>
             <a:fld id="{68C2560D-EC28-3B41-86E8-18F1CE0113B4}" type="datetimeFigureOut">
               <a:rPr lang="en-US" smtClean="0"/>
-              <a:t>6/8/2019</a:t>
+              <a:t>6/13/2019</a:t>
             </a:fld>
             <a:endParaRPr lang="en-US"/>
           </a:p>
@@ -2330,7 +2332,7 @@
           <a:p>
             <a:fld id="{68C2560D-EC28-3B41-86E8-18F1CE0113B4}" type="datetimeFigureOut">
               <a:rPr lang="en-US" smtClean="0"/>
-              <a:t>6/8/2019</a:t>
+              <a:t>6/13/2019</a:t>
             </a:fld>
             <a:endParaRPr lang="en-US"/>
           </a:p>
@@ -2448,7 +2450,7 @@
           <a:p>
             <a:fld id="{68C2560D-EC28-3B41-86E8-18F1CE0113B4}" type="datetimeFigureOut">
               <a:rPr lang="en-US" smtClean="0"/>
-              <a:t>6/8/2019</a:t>
+              <a:t>6/13/2019</a:t>
             </a:fld>
             <a:endParaRPr lang="en-US"/>
           </a:p>
@@ -2543,7 +2545,7 @@
           <a:p>
             <a:fld id="{68C2560D-EC28-3B41-86E8-18F1CE0113B4}" type="datetimeFigureOut">
               <a:rPr lang="en-US" smtClean="0"/>
-              <a:t>6/8/2019</a:t>
+              <a:t>6/13/2019</a:t>
             </a:fld>
             <a:endParaRPr lang="en-US"/>
           </a:p>
@@ -2820,7 +2822,7 @@
           <a:p>
             <a:fld id="{68C2560D-EC28-3B41-86E8-18F1CE0113B4}" type="datetimeFigureOut">
               <a:rPr lang="en-US" smtClean="0"/>
-              <a:t>6/8/2019</a:t>
+              <a:t>6/13/2019</a:t>
             </a:fld>
             <a:endParaRPr lang="en-US"/>
           </a:p>
@@ -3080,7 +3082,7 @@
           <a:p>
             <a:fld id="{68C2560D-EC28-3B41-86E8-18F1CE0113B4}" type="datetimeFigureOut">
               <a:rPr lang="en-US" smtClean="0"/>
-              <a:t>6/8/2019</a:t>
+              <a:t>6/13/2019</a:t>
             </a:fld>
             <a:endParaRPr lang="en-US"/>
           </a:p>
@@ -3293,7 +3295,7 @@
           <a:p>
             <a:fld id="{68C2560D-EC28-3B41-86E8-18F1CE0113B4}" type="datetimeFigureOut">
               <a:rPr lang="en-US" smtClean="0"/>
-              <a:t>6/8/2019</a:t>
+              <a:t>6/13/2019</a:t>
             </a:fld>
             <a:endParaRPr lang="en-US"/>
           </a:p>
@@ -3814,6 +3816,241 @@
 </p:sld>
 </file>
 
+<file path=ppt/slides/slide10.xml><?xml version="1.0" encoding="utf-8"?>
+<p:sld xmlns:a="http://schemas.openxmlformats.org/drawingml/2006/main" xmlns:r="http://schemas.openxmlformats.org/officeDocument/2006/relationships" xmlns:p="http://schemas.openxmlformats.org/presentationml/2006/main">
+  <p:cSld>
+    <p:spTree>
+      <p:nvGrpSpPr>
+        <p:cNvPr id="1" name=""/>
+        <p:cNvGrpSpPr/>
+        <p:nvPr/>
+      </p:nvGrpSpPr>
+      <p:grpSpPr>
+        <a:xfrm>
+          <a:off x="0" y="0"/>
+          <a:ext cx="0" cy="0"/>
+          <a:chOff x="0" y="0"/>
+          <a:chExt cx="0" cy="0"/>
+        </a:xfrm>
+      </p:grpSpPr>
+      <p:sp>
+        <p:nvSpPr>
+          <p:cNvPr id="2" name="標題 1"/>
+          <p:cNvSpPr>
+            <a:spLocks noGrp="1"/>
+          </p:cNvSpPr>
+          <p:nvPr>
+            <p:ph type="title"/>
+          </p:nvPr>
+        </p:nvSpPr>
+        <p:spPr/>
+        <p:txBody>
+          <a:bodyPr>
+            <a:normAutofit/>
+          </a:bodyPr>
+          <a:lstStyle/>
+          <a:p>
+            <a:r>
+              <a:rPr lang="en-US" altLang="zh-TW" dirty="0" smtClean="0"/>
+              <a:t>Schedule Planning</a:t>
+            </a:r>
+            <a:endParaRPr lang="zh-TW" altLang="en-US" dirty="0"/>
+          </a:p>
+        </p:txBody>
+      </p:sp>
+      <p:pic>
+        <p:nvPicPr>
+          <p:cNvPr id="1026" name="圖片 1"/>
+          <p:cNvPicPr>
+            <a:picLocks noChangeAspect="1" noChangeArrowheads="1"/>
+          </p:cNvPicPr>
+          <p:nvPr/>
+        </p:nvPicPr>
+        <p:blipFill>
+          <a:blip r:embed="rId2">
+            <a:extLst>
+              <a:ext uri="{28A0092B-C50C-407E-A947-70E740481C1C}">
+                <a14:useLocalDpi xmlns:a14="http://schemas.microsoft.com/office/drawing/2010/main" val="0"/>
+              </a:ext>
+            </a:extLst>
+          </a:blip>
+          <a:srcRect l="3751" t="27434" r="34506" b="11842"/>
+          <a:stretch>
+            <a:fillRect/>
+          </a:stretch>
+        </p:blipFill>
+        <p:spPr bwMode="auto">
+          <a:xfrm>
+            <a:off x="4763" y="1416379"/>
+            <a:ext cx="9158173" cy="4847787"/>
+          </a:xfrm>
+          <a:prstGeom prst="rect">
+            <a:avLst/>
+          </a:prstGeom>
+          <a:noFill/>
+          <a:ln>
+            <a:noFill/>
+          </a:ln>
+          <a:extLst>
+            <a:ext uri="{909E8E84-426E-40DD-AFC4-6F175D3DCCD1}">
+              <a14:hiddenFill xmlns:a14="http://schemas.microsoft.com/office/drawing/2010/main">
+                <a:solidFill>
+                  <a:srgbClr val="FFFFFF"/>
+                </a:solidFill>
+              </a14:hiddenFill>
+            </a:ext>
+            <a:ext uri="{91240B29-F687-4F45-9708-019B960494DF}">
+              <a14:hiddenLine xmlns:a14="http://schemas.microsoft.com/office/drawing/2010/main" w="9525">
+                <a:solidFill>
+                  <a:srgbClr val="000000"/>
+                </a:solidFill>
+                <a:miter lim="800000"/>
+                <a:headEnd/>
+                <a:tailEnd/>
+              </a14:hiddenLine>
+            </a:ext>
+          </a:extLst>
+        </p:spPr>
+      </p:pic>
+    </p:spTree>
+    <p:extLst>
+      <p:ext uri="{BB962C8B-B14F-4D97-AF65-F5344CB8AC3E}">
+        <p14:creationId xmlns:p14="http://schemas.microsoft.com/office/powerpoint/2010/main" val="1924423371"/>
+      </p:ext>
+    </p:extLst>
+  </p:cSld>
+  <p:clrMapOvr>
+    <a:masterClrMapping/>
+  </p:clrMapOvr>
+  <p:timing>
+    <p:tnLst>
+      <p:par>
+        <p:cTn id="1" dur="indefinite" restart="never" nodeType="tmRoot"/>
+      </p:par>
+    </p:tnLst>
+  </p:timing>
+</p:sld>
+</file>
+
+<file path=ppt/slides/slide11.xml><?xml version="1.0" encoding="utf-8"?>
+<p:sld xmlns:a="http://schemas.openxmlformats.org/drawingml/2006/main" xmlns:r="http://schemas.openxmlformats.org/officeDocument/2006/relationships" xmlns:p="http://schemas.openxmlformats.org/presentationml/2006/main">
+  <p:cSld>
+    <p:spTree>
+      <p:nvGrpSpPr>
+        <p:cNvPr id="1" name=""/>
+        <p:cNvGrpSpPr/>
+        <p:nvPr/>
+      </p:nvGrpSpPr>
+      <p:grpSpPr>
+        <a:xfrm>
+          <a:off x="0" y="0"/>
+          <a:ext cx="0" cy="0"/>
+          <a:chOff x="0" y="0"/>
+          <a:chExt cx="0" cy="0"/>
+        </a:xfrm>
+      </p:grpSpPr>
+      <p:sp>
+        <p:nvSpPr>
+          <p:cNvPr id="2" name="Title 1"/>
+          <p:cNvSpPr>
+            <a:spLocks noGrp="1"/>
+          </p:cNvSpPr>
+          <p:nvPr>
+            <p:ph type="title"/>
+          </p:nvPr>
+        </p:nvSpPr>
+        <p:spPr/>
+        <p:txBody>
+          <a:bodyPr/>
+          <a:lstStyle/>
+          <a:p>
+            <a:r>
+              <a:rPr lang="en-US" dirty="0" smtClean="0"/>
+              <a:t>Resource Required</a:t>
+            </a:r>
+            <a:endParaRPr lang="en-US" dirty="0"/>
+          </a:p>
+        </p:txBody>
+      </p:sp>
+      <p:sp>
+        <p:nvSpPr>
+          <p:cNvPr id="3" name="Content Placeholder 2"/>
+          <p:cNvSpPr>
+            <a:spLocks noGrp="1"/>
+          </p:cNvSpPr>
+          <p:nvPr>
+            <p:ph idx="1"/>
+          </p:nvPr>
+        </p:nvSpPr>
+        <p:spPr/>
+        <p:txBody>
+          <a:bodyPr/>
+          <a:lstStyle/>
+          <a:p>
+            <a:r>
+              <a:rPr lang="en-US" sz="2800" dirty="0" smtClean="0"/>
+              <a:t>Device and tools</a:t>
+            </a:r>
+          </a:p>
+          <a:p>
+            <a:pPr lvl="1"/>
+            <a:r>
+              <a:rPr lang="en-US" dirty="0" smtClean="0"/>
+              <a:t>google calendar, google keep, Trello, google doc, google excel, office </a:t>
+            </a:r>
+            <a:r>
+              <a:rPr lang="en-US" dirty="0" err="1" smtClean="0"/>
+              <a:t>visio</a:t>
+            </a:r>
+            <a:endParaRPr lang="en-US" dirty="0" smtClean="0"/>
+          </a:p>
+          <a:p>
+            <a:pPr lvl="1"/>
+            <a:r>
+              <a:rPr lang="zh-TW" altLang="en-US" dirty="0"/>
+              <a:t>政府資料開放</a:t>
+            </a:r>
+            <a:r>
+              <a:rPr lang="zh-TW" altLang="en-US" dirty="0" smtClean="0"/>
+              <a:t>平台，氣象資料開放平台，行政院環境保護署。</a:t>
+            </a:r>
+            <a:endParaRPr lang="zh-TW" altLang="en-US" dirty="0">
+              <a:hlinkClick r:id="rId3"/>
+            </a:endParaRPr>
+          </a:p>
+          <a:p>
+            <a:pPr lvl="1"/>
+            <a:r>
+              <a:rPr lang="en-US" dirty="0" err="1" smtClean="0"/>
+              <a:t>Chatbot</a:t>
+            </a:r>
+            <a:endParaRPr lang="en-US" dirty="0"/>
+          </a:p>
+          <a:p>
+            <a:endParaRPr lang="en-US" sz="2800" dirty="0" smtClean="0"/>
+          </a:p>
+        </p:txBody>
+      </p:sp>
+    </p:spTree>
+    <p:extLst>
+      <p:ext uri="{BB962C8B-B14F-4D97-AF65-F5344CB8AC3E}">
+        <p14:creationId xmlns:p14="http://schemas.microsoft.com/office/powerpoint/2010/main" val="311315968"/>
+      </p:ext>
+    </p:extLst>
+  </p:cSld>
+  <p:clrMapOvr>
+    <a:masterClrMapping/>
+  </p:clrMapOvr>
+  <p:timing>
+    <p:tnLst>
+      <p:par>
+        <p:cTn id="1" dur="indefinite" restart="never" nodeType="tmRoot"/>
+      </p:par>
+    </p:tnLst>
+  </p:timing>
+</p:sld>
+</file>
+
 <file path=ppt/slides/slide2.xml><?xml version="1.0" encoding="utf-8"?>
 <p:sld xmlns:a="http://schemas.openxmlformats.org/drawingml/2006/main" xmlns:r="http://schemas.openxmlformats.org/officeDocument/2006/relationships" xmlns:p="http://schemas.openxmlformats.org/presentationml/2006/main">
   <p:cSld>
@@ -3913,12 +4150,14 @@
         </p:nvSpPr>
         <p:spPr>
           <a:xfrm>
-            <a:off x="457200" y="1600200"/>
-            <a:ext cx="5018690" cy="4525963"/>
+            <a:off x="457200" y="1456324"/>
+            <a:ext cx="5324622" cy="4525963"/>
           </a:xfrm>
         </p:spPr>
         <p:txBody>
-          <a:bodyPr/>
+          <a:bodyPr>
+            <a:normAutofit/>
+          </a:bodyPr>
           <a:lstStyle/>
           <a:p>
             <a:pPr marL="342900" lvl="1" indent="-342900">
@@ -3954,14 +4193,7 @@
                 <a:latin typeface="微軟正黑體" panose="020B0604030504040204" pitchFamily="34" charset="-120"/>
                 <a:ea typeface="微軟正黑體" panose="020B0604030504040204" pitchFamily="34" charset="-120"/>
               </a:rPr>
-              <a:t>在陽光下最久的</a:t>
-            </a:r>
-            <a:r>
-              <a:rPr lang="zh-TW" altLang="en-US" sz="2800" dirty="0" smtClean="0">
-                <a:latin typeface="微軟正黑體" panose="020B0604030504040204" pitchFamily="34" charset="-120"/>
-                <a:ea typeface="微軟正黑體" panose="020B0604030504040204" pitchFamily="34" charset="-120"/>
-              </a:rPr>
-              <a:t>部位。</a:t>
+              <a:t>在陽光下最久的部位。</a:t>
             </a:r>
             <a:endParaRPr lang="en-US" altLang="zh-TW" sz="2800" dirty="0" smtClean="0">
               <a:latin typeface="微軟正黑體" panose="020B0604030504040204" pitchFamily="34" charset="-120"/>
@@ -4114,6 +4346,73 @@
               <a:buChar char="•"/>
             </a:pPr>
             <a:r>
+              <a:rPr lang="zh-TW" altLang="zh-TW" sz="2800" dirty="0" smtClean="0"/>
+              <a:t>每月活躍</a:t>
+            </a:r>
+            <a:r>
+              <a:rPr lang="en-US" altLang="zh-TW" sz="2800" dirty="0" smtClean="0"/>
+              <a:t>line</a:t>
+            </a:r>
+            <a:r>
+              <a:rPr lang="zh-TW" altLang="zh-TW" sz="2800" dirty="0" smtClean="0"/>
+              <a:t>用戶達</a:t>
+            </a:r>
+            <a:r>
+              <a:rPr lang="en-US" altLang="zh-TW" sz="2800" b="1" dirty="0">
+                <a:solidFill>
+                  <a:srgbClr val="FF0000"/>
+                </a:solidFill>
+              </a:rPr>
+              <a:t>2100</a:t>
+            </a:r>
+            <a:r>
+              <a:rPr lang="zh-TW" altLang="zh-TW" sz="2800" b="1" dirty="0">
+                <a:solidFill>
+                  <a:srgbClr val="FF0000"/>
+                </a:solidFill>
+              </a:rPr>
+              <a:t>萬</a:t>
+            </a:r>
+            <a:r>
+              <a:rPr lang="zh-TW" altLang="zh-TW" sz="2800" dirty="0"/>
+              <a:t>、全台人口</a:t>
+            </a:r>
+            <a:r>
+              <a:rPr lang="zh-TW" altLang="zh-TW" sz="2800" b="1" dirty="0">
+                <a:solidFill>
+                  <a:srgbClr val="FF0000"/>
+                </a:solidFill>
+              </a:rPr>
+              <a:t>滲透率</a:t>
+            </a:r>
+            <a:r>
+              <a:rPr lang="en-US" altLang="zh-TW" sz="2800" b="1" dirty="0">
+                <a:solidFill>
+                  <a:srgbClr val="FF0000"/>
+                </a:solidFill>
+              </a:rPr>
+              <a:t>82.6</a:t>
+            </a:r>
+            <a:r>
+              <a:rPr lang="zh-TW" altLang="zh-TW" sz="2800" b="1" dirty="0" smtClean="0">
+                <a:solidFill>
+                  <a:srgbClr val="FF0000"/>
+                </a:solidFill>
+              </a:rPr>
+              <a:t>％</a:t>
+            </a:r>
+            <a:endParaRPr lang="en-US" altLang="zh-TW" sz="2800" b="1" dirty="0" smtClean="0">
+              <a:solidFill>
+                <a:srgbClr val="FF0000"/>
+              </a:solidFill>
+            </a:endParaRPr>
+          </a:p>
+          <a:p>
+            <a:pPr marL="342900" lvl="1" indent="-342900">
+              <a:buFont typeface="Arial"/>
+              <a:buChar char="•"/>
+            </a:pPr>
+            <a:r>
               <a:rPr lang="zh-TW" altLang="en-US" sz="2800" b="1" dirty="0" smtClean="0">
                 <a:solidFill>
                   <a:srgbClr val="FF0000"/>
@@ -4121,7 +4420,17 @@
                 <a:latin typeface="微軟正黑體" panose="020B0604030504040204" pitchFamily="34" charset="-120"/>
                 <a:ea typeface="微軟正黑體" panose="020B0604030504040204" pitchFamily="34" charset="-120"/>
               </a:rPr>
-              <a:t>聊天機器人服務趨勢。</a:t>
+              <a:t>聊天</a:t>
+            </a:r>
+            <a:r>
+              <a:rPr lang="zh-TW" altLang="en-US" sz="2800" b="1" dirty="0" smtClean="0">
+                <a:solidFill>
+                  <a:srgbClr val="FF0000"/>
+                </a:solidFill>
+                <a:latin typeface="微軟正黑體" panose="020B0604030504040204" pitchFamily="34" charset="-120"/>
+                <a:ea typeface="微軟正黑體" panose="020B0604030504040204" pitchFamily="34" charset="-120"/>
+              </a:rPr>
+              <a:t>機器人服務趨勢。</a:t>
             </a:r>
             <a:endParaRPr lang="en-US" altLang="zh-TW" sz="2800" b="1" dirty="0" smtClean="0">
               <a:solidFill>
@@ -6307,10 +6616,425 @@
   <p:clrMapOvr>
     <a:masterClrMapping/>
   </p:clrMapOvr>
+  <p:timing>
+    <p:tnLst>
+      <p:par>
+        <p:cTn id="1" dur="indefinite" restart="never" nodeType="tmRoot"/>
+      </p:par>
+    </p:tnLst>
+  </p:timing>
 </p:sld>
 </file>
 
 <file path=ppt/slides/slide7.xml><?xml version="1.0" encoding="utf-8"?>
+<p:sld xmlns:a="http://schemas.openxmlformats.org/drawingml/2006/main" xmlns:r="http://schemas.openxmlformats.org/officeDocument/2006/relationships" xmlns:p="http://schemas.openxmlformats.org/presentationml/2006/main">
+  <p:cSld>
+    <p:spTree>
+      <p:nvGrpSpPr>
+        <p:cNvPr id="1" name=""/>
+        <p:cNvGrpSpPr/>
+        <p:nvPr/>
+      </p:nvGrpSpPr>
+      <p:grpSpPr>
+        <a:xfrm>
+          <a:off x="0" y="0"/>
+          <a:ext cx="0" cy="0"/>
+          <a:chOff x="0" y="0"/>
+          <a:chExt cx="0" cy="0"/>
+        </a:xfrm>
+      </p:grpSpPr>
+      <p:sp>
+        <p:nvSpPr>
+          <p:cNvPr id="2" name="標題 1"/>
+          <p:cNvSpPr>
+            <a:spLocks noGrp="1"/>
+          </p:cNvSpPr>
+          <p:nvPr>
+            <p:ph type="title"/>
+          </p:nvPr>
+        </p:nvSpPr>
+        <p:spPr/>
+        <p:txBody>
+          <a:bodyPr/>
+          <a:lstStyle/>
+          <a:p>
+            <a:r>
+              <a:rPr lang="zh-TW" altLang="en-US" dirty="0"/>
+              <a:t>後</a:t>
+            </a:r>
+            <a:r>
+              <a:rPr lang="zh-TW" altLang="en-US" dirty="0" smtClean="0"/>
+              <a:t>台</a:t>
+            </a:r>
+            <a:r>
+              <a:rPr lang="en-US" altLang="zh-TW" dirty="0" smtClean="0"/>
+              <a:t>UI</a:t>
+            </a:r>
+            <a:r>
+              <a:rPr lang="zh-TW" altLang="en-US" dirty="0" smtClean="0"/>
+              <a:t>示意圖</a:t>
+            </a:r>
+            <a:endParaRPr lang="zh-TW" altLang="en-US" dirty="0"/>
+          </a:p>
+        </p:txBody>
+      </p:sp>
+      <p:pic>
+        <p:nvPicPr>
+          <p:cNvPr id="2050" name="圖片 1"/>
+          <p:cNvPicPr>
+            <a:picLocks noChangeAspect="1" noChangeArrowheads="1"/>
+          </p:cNvPicPr>
+          <p:nvPr/>
+        </p:nvPicPr>
+        <p:blipFill>
+          <a:blip r:embed="rId2">
+            <a:extLst>
+              <a:ext uri="{28A0092B-C50C-407E-A947-70E740481C1C}">
+                <a14:useLocalDpi xmlns:a14="http://schemas.microsoft.com/office/drawing/2010/main" val="0"/>
+              </a:ext>
+            </a:extLst>
+          </a:blip>
+          <a:srcRect l="35715" t="18333" r="21428" b="30000"/>
+          <a:stretch>
+            <a:fillRect/>
+          </a:stretch>
+        </p:blipFill>
+        <p:spPr bwMode="auto">
+          <a:xfrm>
+            <a:off x="148679" y="1316777"/>
+            <a:ext cx="4154632" cy="2676072"/>
+          </a:xfrm>
+          <a:prstGeom prst="rect">
+            <a:avLst/>
+          </a:prstGeom>
+          <a:noFill/>
+          <a:ln>
+            <a:noFill/>
+          </a:ln>
+          <a:extLst>
+            <a:ext uri="{909E8E84-426E-40DD-AFC4-6F175D3DCCD1}">
+              <a14:hiddenFill xmlns:a14="http://schemas.microsoft.com/office/drawing/2010/main">
+                <a:solidFill>
+                  <a:srgbClr val="FFFFFF"/>
+                </a:solidFill>
+              </a14:hiddenFill>
+            </a:ext>
+            <a:ext uri="{91240B29-F687-4F45-9708-019B960494DF}">
+              <a14:hiddenLine xmlns:a14="http://schemas.microsoft.com/office/drawing/2010/main" w="9525">
+                <a:solidFill>
+                  <a:srgbClr val="000000"/>
+                </a:solidFill>
+                <a:miter lim="800000"/>
+                <a:headEnd/>
+                <a:tailEnd/>
+              </a14:hiddenLine>
+            </a:ext>
+          </a:extLst>
+        </p:spPr>
+      </p:pic>
+      <p:pic>
+        <p:nvPicPr>
+          <p:cNvPr id="2051" name="圖片 1"/>
+          <p:cNvPicPr>
+            <a:picLocks noChangeAspect="1" noChangeArrowheads="1"/>
+          </p:cNvPicPr>
+          <p:nvPr/>
+        </p:nvPicPr>
+        <p:blipFill>
+          <a:blip r:embed="rId3">
+            <a:extLst>
+              <a:ext uri="{28A0092B-C50C-407E-A947-70E740481C1C}">
+                <a14:useLocalDpi xmlns:a14="http://schemas.microsoft.com/office/drawing/2010/main" val="0"/>
+              </a:ext>
+            </a:extLst>
+          </a:blip>
+          <a:srcRect l="18155" t="22778" r="28572" b="12222"/>
+          <a:stretch>
+            <a:fillRect/>
+          </a:stretch>
+        </p:blipFill>
+        <p:spPr bwMode="auto">
+          <a:xfrm>
+            <a:off x="4425968" y="1319556"/>
+            <a:ext cx="4154632" cy="2676072"/>
+          </a:xfrm>
+          <a:prstGeom prst="rect">
+            <a:avLst/>
+          </a:prstGeom>
+          <a:noFill/>
+          <a:ln>
+            <a:noFill/>
+          </a:ln>
+          <a:extLst>
+            <a:ext uri="{909E8E84-426E-40DD-AFC4-6F175D3DCCD1}">
+              <a14:hiddenFill xmlns:a14="http://schemas.microsoft.com/office/drawing/2010/main">
+                <a:solidFill>
+                  <a:srgbClr val="FFFFFF"/>
+                </a:solidFill>
+              </a14:hiddenFill>
+            </a:ext>
+            <a:ext uri="{91240B29-F687-4F45-9708-019B960494DF}">
+              <a14:hiddenLine xmlns:a14="http://schemas.microsoft.com/office/drawing/2010/main" w="9525">
+                <a:solidFill>
+                  <a:srgbClr val="000000"/>
+                </a:solidFill>
+                <a:miter lim="800000"/>
+                <a:headEnd/>
+                <a:tailEnd/>
+              </a14:hiddenLine>
+            </a:ext>
+          </a:extLst>
+        </p:spPr>
+      </p:pic>
+      <p:pic>
+        <p:nvPicPr>
+          <p:cNvPr id="2052" name="圖片 1"/>
+          <p:cNvPicPr>
+            <a:picLocks noChangeAspect="1" noChangeArrowheads="1"/>
+          </p:cNvPicPr>
+          <p:nvPr/>
+        </p:nvPicPr>
+        <p:blipFill>
+          <a:blip r:embed="rId4">
+            <a:extLst>
+              <a:ext uri="{28A0092B-C50C-407E-A947-70E740481C1C}">
+                <a14:useLocalDpi xmlns:a14="http://schemas.microsoft.com/office/drawing/2010/main" val="0"/>
+              </a:ext>
+            </a:extLst>
+          </a:blip>
+          <a:srcRect l="8595" t="19444" r="28870" b="9445"/>
+          <a:stretch>
+            <a:fillRect/>
+          </a:stretch>
+        </p:blipFill>
+        <p:spPr bwMode="auto">
+          <a:xfrm>
+            <a:off x="148678" y="4206530"/>
+            <a:ext cx="4154635" cy="2505000"/>
+          </a:xfrm>
+          <a:prstGeom prst="rect">
+            <a:avLst/>
+          </a:prstGeom>
+          <a:noFill/>
+          <a:ln>
+            <a:noFill/>
+          </a:ln>
+          <a:extLst>
+            <a:ext uri="{909E8E84-426E-40DD-AFC4-6F175D3DCCD1}">
+              <a14:hiddenFill xmlns:a14="http://schemas.microsoft.com/office/drawing/2010/main">
+                <a:solidFill>
+                  <a:srgbClr val="FFFFFF"/>
+                </a:solidFill>
+              </a14:hiddenFill>
+            </a:ext>
+            <a:ext uri="{91240B29-F687-4F45-9708-019B960494DF}">
+              <a14:hiddenLine xmlns:a14="http://schemas.microsoft.com/office/drawing/2010/main" w="9525">
+                <a:solidFill>
+                  <a:srgbClr val="000000"/>
+                </a:solidFill>
+                <a:miter lim="800000"/>
+                <a:headEnd/>
+                <a:tailEnd/>
+              </a14:hiddenLine>
+            </a:ext>
+          </a:extLst>
+        </p:spPr>
+      </p:pic>
+      <p:pic>
+        <p:nvPicPr>
+          <p:cNvPr id="2053" name="圖片 1"/>
+          <p:cNvPicPr>
+            <a:picLocks noChangeAspect="1" noChangeArrowheads="1"/>
+          </p:cNvPicPr>
+          <p:nvPr/>
+        </p:nvPicPr>
+        <p:blipFill>
+          <a:blip r:embed="rId5">
+            <a:extLst>
+              <a:ext uri="{28A0092B-C50C-407E-A947-70E740481C1C}">
+                <a14:useLocalDpi xmlns:a14="http://schemas.microsoft.com/office/drawing/2010/main" val="0"/>
+              </a:ext>
+            </a:extLst>
+          </a:blip>
+          <a:srcRect l="9265" t="16667" r="28275" b="9381"/>
+          <a:stretch>
+            <a:fillRect/>
+          </a:stretch>
+        </p:blipFill>
+        <p:spPr bwMode="auto">
+          <a:xfrm>
+            <a:off x="4425968" y="4179359"/>
+            <a:ext cx="4154633" cy="2566097"/>
+          </a:xfrm>
+          <a:prstGeom prst="rect">
+            <a:avLst/>
+          </a:prstGeom>
+          <a:noFill/>
+          <a:ln>
+            <a:noFill/>
+          </a:ln>
+          <a:extLst>
+            <a:ext uri="{909E8E84-426E-40DD-AFC4-6F175D3DCCD1}">
+              <a14:hiddenFill xmlns:a14="http://schemas.microsoft.com/office/drawing/2010/main">
+                <a:solidFill>
+                  <a:srgbClr val="FFFFFF"/>
+                </a:solidFill>
+              </a14:hiddenFill>
+            </a:ext>
+            <a:ext uri="{91240B29-F687-4F45-9708-019B960494DF}">
+              <a14:hiddenLine xmlns:a14="http://schemas.microsoft.com/office/drawing/2010/main" w="9525">
+                <a:solidFill>
+                  <a:srgbClr val="000000"/>
+                </a:solidFill>
+                <a:miter lim="800000"/>
+                <a:headEnd/>
+                <a:tailEnd/>
+              </a14:hiddenLine>
+            </a:ext>
+          </a:extLst>
+        </p:spPr>
+      </p:pic>
+      <p:sp>
+        <p:nvSpPr>
+          <p:cNvPr id="4" name="矩形 3"/>
+          <p:cNvSpPr/>
+          <p:nvPr/>
+        </p:nvSpPr>
+        <p:spPr>
+          <a:xfrm>
+            <a:off x="1476431" y="3808183"/>
+            <a:ext cx="1107996" cy="369332"/>
+          </a:xfrm>
+          <a:prstGeom prst="rect">
+            <a:avLst/>
+          </a:prstGeom>
+        </p:spPr>
+        <p:txBody>
+          <a:bodyPr wrap="none">
+            <a:spAutoFit/>
+          </a:bodyPr>
+          <a:lstStyle/>
+          <a:p>
+            <a:r>
+              <a:rPr lang="zh-HK" altLang="zh-TW" dirty="0" smtClean="0"/>
+              <a:t>登入</a:t>
+            </a:r>
+            <a:r>
+              <a:rPr lang="zh-HK" altLang="zh-TW" dirty="0"/>
+              <a:t>畫面</a:t>
+            </a:r>
+            <a:endParaRPr lang="zh-TW" altLang="zh-TW" dirty="0"/>
+          </a:p>
+        </p:txBody>
+      </p:sp>
+      <p:sp>
+        <p:nvSpPr>
+          <p:cNvPr id="5" name="矩形 4"/>
+          <p:cNvSpPr/>
+          <p:nvPr/>
+        </p:nvSpPr>
+        <p:spPr>
+          <a:xfrm>
+            <a:off x="5603037" y="3808183"/>
+            <a:ext cx="1800493" cy="369332"/>
+          </a:xfrm>
+          <a:prstGeom prst="rect">
+            <a:avLst/>
+          </a:prstGeom>
+        </p:spPr>
+        <p:txBody>
+          <a:bodyPr wrap="none">
+            <a:spAutoFit/>
+          </a:bodyPr>
+          <a:lstStyle/>
+          <a:p>
+            <a:r>
+              <a:rPr lang="zh-HK" altLang="zh-TW" dirty="0"/>
+              <a:t>使用者管理畫面</a:t>
+            </a:r>
+            <a:endParaRPr lang="zh-TW" altLang="en-US" dirty="0"/>
+          </a:p>
+        </p:txBody>
+      </p:sp>
+      <p:sp>
+        <p:nvSpPr>
+          <p:cNvPr id="6" name="矩形 5"/>
+          <p:cNvSpPr/>
+          <p:nvPr/>
+        </p:nvSpPr>
+        <p:spPr>
+          <a:xfrm>
+            <a:off x="1210332" y="6463507"/>
+            <a:ext cx="2031325" cy="369332"/>
+          </a:xfrm>
+          <a:prstGeom prst="rect">
+            <a:avLst/>
+          </a:prstGeom>
+        </p:spPr>
+        <p:txBody>
+          <a:bodyPr wrap="none">
+            <a:spAutoFit/>
+          </a:bodyPr>
+          <a:lstStyle/>
+          <a:p>
+            <a:r>
+              <a:rPr lang="zh-HK" altLang="zh-TW" dirty="0"/>
+              <a:t>保養技巧管理畫面</a:t>
+            </a:r>
+            <a:endParaRPr lang="zh-TW" altLang="en-US" dirty="0"/>
+          </a:p>
+        </p:txBody>
+      </p:sp>
+      <p:sp>
+        <p:nvSpPr>
+          <p:cNvPr id="7" name="矩形 6"/>
+          <p:cNvSpPr/>
+          <p:nvPr/>
+        </p:nvSpPr>
+        <p:spPr>
+          <a:xfrm>
+            <a:off x="5418716" y="6488668"/>
+            <a:ext cx="2723823" cy="369332"/>
+          </a:xfrm>
+          <a:prstGeom prst="rect">
+            <a:avLst/>
+          </a:prstGeom>
+        </p:spPr>
+        <p:txBody>
+          <a:bodyPr wrap="none">
+            <a:spAutoFit/>
+          </a:bodyPr>
+          <a:lstStyle/>
+          <a:p>
+            <a:r>
+              <a:rPr lang="zh-HK" altLang="zh-TW" dirty="0"/>
+              <a:t>氣象保養關聯性管理畫面</a:t>
+            </a:r>
+            <a:endParaRPr lang="zh-TW" altLang="en-US" dirty="0"/>
+          </a:p>
+        </p:txBody>
+      </p:sp>
+    </p:spTree>
+    <p:extLst>
+      <p:ext uri="{BB962C8B-B14F-4D97-AF65-F5344CB8AC3E}">
+        <p14:creationId xmlns:p14="http://schemas.microsoft.com/office/powerpoint/2010/main" val="542896361"/>
+      </p:ext>
+    </p:extLst>
+  </p:cSld>
+  <p:clrMapOvr>
+    <a:masterClrMapping/>
+  </p:clrMapOvr>
+  <p:timing>
+    <p:tnLst>
+      <p:par>
+        <p:cTn id="1" dur="indefinite" restart="never" nodeType="tmRoot"/>
+      </p:par>
+    </p:tnLst>
+  </p:timing>
+</p:sld>
+</file>
+
+<file path=ppt/slides/slide8.xml><?xml version="1.0" encoding="utf-8"?>
 <p:sld xmlns:a="http://schemas.openxmlformats.org/drawingml/2006/main" xmlns:r="http://schemas.openxmlformats.org/officeDocument/2006/relationships" xmlns:p="http://schemas.openxmlformats.org/presentationml/2006/main">
   <p:cSld>
     <p:spTree>
@@ -7685,7 +8409,7 @@
 </p:sld>
 </file>
 
-<file path=ppt/slides/slide8.xml><?xml version="1.0" encoding="utf-8"?>
+<file path=ppt/slides/slide9.xml><?xml version="1.0" encoding="utf-8"?>
 <p:sld xmlns:a="http://schemas.openxmlformats.org/drawingml/2006/main" xmlns:r="http://schemas.openxmlformats.org/officeDocument/2006/relationships" xmlns:p="http://schemas.openxmlformats.org/presentationml/2006/main">
   <p:cSld>
     <p:spTree>
@@ -7714,196 +8438,1727 @@
         </p:nvSpPr>
         <p:spPr/>
         <p:txBody>
-          <a:bodyPr>
-            <a:normAutofit/>
-          </a:bodyPr>
+          <a:bodyPr/>
           <a:lstStyle/>
           <a:p>
             <a:r>
-              <a:rPr lang="en-US" altLang="zh-TW" dirty="0" smtClean="0"/>
-              <a:t>Schedule Planning</a:t>
+              <a:rPr lang="zh-TW" altLang="zh-TW" dirty="0"/>
+              <a:t>責任指派矩陣</a:t>
+            </a:r>
+            <a:r>
+              <a:rPr lang="en-US" altLang="zh-TW" dirty="0"/>
+              <a:t>(RAM)</a:t>
             </a:r>
             <a:endParaRPr lang="zh-TW" altLang="en-US" dirty="0"/>
           </a:p>
         </p:txBody>
       </p:sp>
-      <p:pic>
-        <p:nvPicPr>
-          <p:cNvPr id="1026" name="圖片 1"/>
-          <p:cNvPicPr>
-            <a:picLocks noChangeAspect="1" noChangeArrowheads="1"/>
-          </p:cNvPicPr>
-          <p:nvPr/>
-        </p:nvPicPr>
-        <p:blipFill>
-          <a:blip r:embed="rId2">
-            <a:extLst>
-              <a:ext uri="{28A0092B-C50C-407E-A947-70E740481C1C}">
-                <a14:useLocalDpi xmlns:a14="http://schemas.microsoft.com/office/drawing/2010/main" val="0"/>
-              </a:ext>
-            </a:extLst>
-          </a:blip>
-          <a:srcRect l="3751" t="27434" r="34506" b="11842"/>
-          <a:stretch>
-            <a:fillRect/>
-          </a:stretch>
-        </p:blipFill>
-        <p:spPr bwMode="auto">
-          <a:xfrm>
-            <a:off x="4763" y="1416379"/>
-            <a:ext cx="9158173" cy="4847787"/>
-          </a:xfrm>
-          <a:prstGeom prst="rect">
-            <a:avLst/>
-          </a:prstGeom>
-          <a:noFill/>
-          <a:ln>
-            <a:noFill/>
-          </a:ln>
-          <a:extLst>
-            <a:ext uri="{909E8E84-426E-40DD-AFC4-6F175D3DCCD1}">
-              <a14:hiddenFill xmlns:a14="http://schemas.microsoft.com/office/drawing/2010/main">
-                <a:solidFill>
-                  <a:srgbClr val="FFFFFF"/>
-                </a:solidFill>
-              </a14:hiddenFill>
-            </a:ext>
-            <a:ext uri="{91240B29-F687-4F45-9708-019B960494DF}">
-              <a14:hiddenLine xmlns:a14="http://schemas.microsoft.com/office/drawing/2010/main" w="9525">
-                <a:solidFill>
-                  <a:srgbClr val="000000"/>
-                </a:solidFill>
-                <a:miter lim="800000"/>
-                <a:headEnd/>
-                <a:tailEnd/>
-              </a14:hiddenLine>
-            </a:ext>
-          </a:extLst>
-        </p:spPr>
-      </p:pic>
+      <p:graphicFrame>
+        <p:nvGraphicFramePr>
+          <p:cNvPr id="4" name="表格 3"/>
+          <p:cNvGraphicFramePr>
+            <a:graphicFrameLocks noGrp="1"/>
+          </p:cNvGraphicFramePr>
+          <p:nvPr>
+            <p:extLst>
+              <p:ext uri="{D42A27DB-BD31-4B8C-83A1-F6EECF244321}">
+                <p14:modId xmlns:p14="http://schemas.microsoft.com/office/powerpoint/2010/main" val="1393469548"/>
+              </p:ext>
+            </p:extLst>
+          </p:nvPr>
+        </p:nvGraphicFramePr>
+        <p:xfrm>
+          <a:off x="844064" y="1456694"/>
+          <a:ext cx="7397163" cy="5076150"/>
+        </p:xfrm>
+        <a:graphic>
+          <a:graphicData uri="http://schemas.openxmlformats.org/drawingml/2006/table">
+            <a:tbl>
+              <a:tblPr firstRow="1" firstCol="1" bandRow="1">
+                <a:tableStyleId>{5C22544A-7EE6-4342-B048-85BDC9FD1C3A}</a:tableStyleId>
+              </a:tblPr>
+              <a:tblGrid>
+                <a:gridCol w="3390946"/>
+                <a:gridCol w="1232281"/>
+                <a:gridCol w="1477347"/>
+                <a:gridCol w="1296589"/>
+              </a:tblGrid>
+              <a:tr h="676820">
+                <a:tc>
+                  <a:txBody>
+                    <a:bodyPr/>
+                    <a:lstStyle/>
+                    <a:p>
+                      <a:pPr algn="ctr">
+                        <a:spcAft>
+                          <a:spcPts val="0"/>
+                        </a:spcAft>
+                      </a:pPr>
+                      <a:r>
+                        <a:rPr lang="zh-TW" sz="2200" kern="100">
+                          <a:effectLst/>
+                          <a:latin typeface="微軟正黑體" panose="020B0604030504040204" pitchFamily="34" charset="-120"/>
+                          <a:ea typeface="微軟正黑體" panose="020B0604030504040204" pitchFamily="34" charset="-120"/>
+                        </a:rPr>
+                        <a:t>任務名稱</a:t>
+                      </a:r>
+                      <a:endParaRPr lang="zh-TW" sz="3300" kern="100">
+                        <a:effectLst/>
+                        <a:latin typeface="微軟正黑體" panose="020B0604030504040204" pitchFamily="34" charset="-120"/>
+                        <a:ea typeface="微軟正黑體" panose="020B0604030504040204" pitchFamily="34" charset="-120"/>
+                      </a:endParaRPr>
+                    </a:p>
+                  </a:txBody>
+                  <a:tcPr marL="187710" marR="187710" marT="0" marB="0" anchor="ctr"/>
+                </a:tc>
+                <a:tc>
+                  <a:txBody>
+                    <a:bodyPr/>
+                    <a:lstStyle/>
+                    <a:p>
+                      <a:pPr algn="ctr">
+                        <a:spcAft>
+                          <a:spcPts val="0"/>
+                        </a:spcAft>
+                      </a:pPr>
+                      <a:r>
+                        <a:rPr lang="zh-TW" sz="2200" kern="100">
+                          <a:effectLst/>
+                          <a:latin typeface="微軟正黑體" panose="020B0604030504040204" pitchFamily="34" charset="-120"/>
+                          <a:ea typeface="微軟正黑體" panose="020B0604030504040204" pitchFamily="34" charset="-120"/>
+                        </a:rPr>
+                        <a:t>保養品廠商</a:t>
+                      </a:r>
+                      <a:endParaRPr lang="zh-TW" sz="3300" kern="100">
+                        <a:effectLst/>
+                        <a:latin typeface="微軟正黑體" panose="020B0604030504040204" pitchFamily="34" charset="-120"/>
+                        <a:ea typeface="微軟正黑體" panose="020B0604030504040204" pitchFamily="34" charset="-120"/>
+                      </a:endParaRPr>
+                    </a:p>
+                  </a:txBody>
+                  <a:tcPr marL="187710" marR="187710" marT="0" marB="0" anchor="ctr"/>
+                </a:tc>
+                <a:tc>
+                  <a:txBody>
+                    <a:bodyPr/>
+                    <a:lstStyle/>
+                    <a:p>
+                      <a:pPr algn="ctr">
+                        <a:spcAft>
+                          <a:spcPts val="0"/>
+                        </a:spcAft>
+                      </a:pPr>
+                      <a:r>
+                        <a:rPr lang="zh-TW" sz="2200" kern="100">
+                          <a:effectLst/>
+                          <a:latin typeface="微軟正黑體" panose="020B0604030504040204" pitchFamily="34" charset="-120"/>
+                          <a:ea typeface="微軟正黑體" panose="020B0604030504040204" pitchFamily="34" charset="-120"/>
+                        </a:rPr>
+                        <a:t>系統</a:t>
+                      </a:r>
+                      <a:endParaRPr lang="zh-TW" sz="3300" kern="100">
+                        <a:effectLst/>
+                        <a:latin typeface="微軟正黑體" panose="020B0604030504040204" pitchFamily="34" charset="-120"/>
+                        <a:ea typeface="微軟正黑體" panose="020B0604030504040204" pitchFamily="34" charset="-120"/>
+                      </a:endParaRPr>
+                    </a:p>
+                    <a:p>
+                      <a:pPr algn="ctr">
+                        <a:spcAft>
+                          <a:spcPts val="0"/>
+                        </a:spcAft>
+                      </a:pPr>
+                      <a:r>
+                        <a:rPr lang="zh-TW" sz="2200" kern="100">
+                          <a:effectLst/>
+                          <a:latin typeface="微軟正黑體" panose="020B0604030504040204" pitchFamily="34" charset="-120"/>
+                          <a:ea typeface="微軟正黑體" panose="020B0604030504040204" pitchFamily="34" charset="-120"/>
+                        </a:rPr>
+                        <a:t>設計師</a:t>
+                      </a:r>
+                      <a:endParaRPr lang="zh-TW" sz="3300" kern="100">
+                        <a:effectLst/>
+                        <a:latin typeface="微軟正黑體" panose="020B0604030504040204" pitchFamily="34" charset="-120"/>
+                        <a:ea typeface="微軟正黑體" panose="020B0604030504040204" pitchFamily="34" charset="-120"/>
+                      </a:endParaRPr>
+                    </a:p>
+                  </a:txBody>
+                  <a:tcPr marL="187710" marR="187710" marT="0" marB="0" anchor="ctr"/>
+                </a:tc>
+                <a:tc>
+                  <a:txBody>
+                    <a:bodyPr/>
+                    <a:lstStyle/>
+                    <a:p>
+                      <a:pPr algn="ctr">
+                        <a:spcAft>
+                          <a:spcPts val="0"/>
+                        </a:spcAft>
+                      </a:pPr>
+                      <a:r>
+                        <a:rPr lang="en-US" sz="2200" kern="100">
+                          <a:effectLst/>
+                          <a:latin typeface="微軟正黑體" panose="020B0604030504040204" pitchFamily="34" charset="-120"/>
+                          <a:ea typeface="微軟正黑體" panose="020B0604030504040204" pitchFamily="34" charset="-120"/>
+                        </a:rPr>
+                        <a:t>(</a:t>
+                      </a:r>
+                      <a:r>
+                        <a:rPr lang="zh-TW" sz="2200" kern="100">
+                          <a:effectLst/>
+                          <a:latin typeface="微軟正黑體" panose="020B0604030504040204" pitchFamily="34" charset="-120"/>
+                          <a:ea typeface="微軟正黑體" panose="020B0604030504040204" pitchFamily="34" charset="-120"/>
+                        </a:rPr>
+                        <a:t>委外</a:t>
+                      </a:r>
+                      <a:r>
+                        <a:rPr lang="en-US" sz="2200" kern="100">
+                          <a:effectLst/>
+                          <a:latin typeface="微軟正黑體" panose="020B0604030504040204" pitchFamily="34" charset="-120"/>
+                          <a:ea typeface="微軟正黑體" panose="020B0604030504040204" pitchFamily="34" charset="-120"/>
+                        </a:rPr>
+                        <a:t>)</a:t>
+                      </a:r>
+                      <a:endParaRPr lang="zh-TW" sz="3300" kern="100">
+                        <a:effectLst/>
+                        <a:latin typeface="微軟正黑體" panose="020B0604030504040204" pitchFamily="34" charset="-120"/>
+                        <a:ea typeface="微軟正黑體" panose="020B0604030504040204" pitchFamily="34" charset="-120"/>
+                      </a:endParaRPr>
+                    </a:p>
+                    <a:p>
+                      <a:pPr algn="ctr">
+                        <a:spcAft>
+                          <a:spcPts val="0"/>
+                        </a:spcAft>
+                      </a:pPr>
+                      <a:r>
+                        <a:rPr lang="zh-TW" sz="2200" kern="100">
+                          <a:effectLst/>
+                          <a:latin typeface="微軟正黑體" panose="020B0604030504040204" pitchFamily="34" charset="-120"/>
+                          <a:ea typeface="微軟正黑體" panose="020B0604030504040204" pitchFamily="34" charset="-120"/>
+                        </a:rPr>
+                        <a:t>工程師</a:t>
+                      </a:r>
+                      <a:endParaRPr lang="zh-TW" sz="3300" kern="100">
+                        <a:effectLst/>
+                        <a:latin typeface="微軟正黑體" panose="020B0604030504040204" pitchFamily="34" charset="-120"/>
+                        <a:ea typeface="微軟正黑體" panose="020B0604030504040204" pitchFamily="34" charset="-120"/>
+                      </a:endParaRPr>
+                    </a:p>
+                  </a:txBody>
+                  <a:tcPr marL="187710" marR="187710" marT="0" marB="0" anchor="ctr"/>
+                </a:tc>
+              </a:tr>
+              <a:tr h="338410">
+                <a:tc>
+                  <a:txBody>
+                    <a:bodyPr/>
+                    <a:lstStyle/>
+                    <a:p>
+                      <a:pPr>
+                        <a:spcAft>
+                          <a:spcPts val="0"/>
+                        </a:spcAft>
+                      </a:pPr>
+                      <a:r>
+                        <a:rPr lang="zh-TW" sz="2200" kern="100">
+                          <a:effectLst/>
+                          <a:latin typeface="微軟正黑體" panose="020B0604030504040204" pitchFamily="34" charset="-120"/>
+                          <a:ea typeface="微軟正黑體" panose="020B0604030504040204" pitchFamily="34" charset="-120"/>
+                        </a:rPr>
+                        <a:t>取得氣象開發資料</a:t>
+                      </a:r>
+                      <a:endParaRPr lang="zh-TW" sz="3300" kern="100">
+                        <a:effectLst/>
+                        <a:latin typeface="微軟正黑體" panose="020B0604030504040204" pitchFamily="34" charset="-120"/>
+                        <a:ea typeface="微軟正黑體" panose="020B0604030504040204" pitchFamily="34" charset="-120"/>
+                      </a:endParaRPr>
+                    </a:p>
+                  </a:txBody>
+                  <a:tcPr marL="187710" marR="187710" marT="0" marB="0"/>
+                </a:tc>
+                <a:tc>
+                  <a:txBody>
+                    <a:bodyPr/>
+                    <a:lstStyle/>
+                    <a:p>
+                      <a:pPr algn="ctr">
+                        <a:spcAft>
+                          <a:spcPts val="0"/>
+                        </a:spcAft>
+                      </a:pPr>
+                      <a:r>
+                        <a:rPr lang="en-US" sz="2200" kern="100">
+                          <a:effectLst/>
+                          <a:latin typeface="微軟正黑體" panose="020B0604030504040204" pitchFamily="34" charset="-120"/>
+                          <a:ea typeface="微軟正黑體" panose="020B0604030504040204" pitchFamily="34" charset="-120"/>
+                        </a:rPr>
+                        <a:t> </a:t>
+                      </a:r>
+                      <a:endParaRPr lang="zh-TW" sz="3300" kern="100">
+                        <a:effectLst/>
+                        <a:latin typeface="微軟正黑體" panose="020B0604030504040204" pitchFamily="34" charset="-120"/>
+                        <a:ea typeface="微軟正黑體" panose="020B0604030504040204" pitchFamily="34" charset="-120"/>
+                      </a:endParaRPr>
+                    </a:p>
+                  </a:txBody>
+                  <a:tcPr marL="187710" marR="187710" marT="0" marB="0"/>
+                </a:tc>
+                <a:tc>
+                  <a:txBody>
+                    <a:bodyPr/>
+                    <a:lstStyle/>
+                    <a:p>
+                      <a:pPr algn="ctr">
+                        <a:spcAft>
+                          <a:spcPts val="0"/>
+                        </a:spcAft>
+                      </a:pPr>
+                      <a:r>
+                        <a:rPr lang="en-US" sz="2200" kern="100">
+                          <a:effectLst/>
+                          <a:latin typeface="微軟正黑體" panose="020B0604030504040204" pitchFamily="34" charset="-120"/>
+                          <a:ea typeface="微軟正黑體" panose="020B0604030504040204" pitchFamily="34" charset="-120"/>
+                        </a:rPr>
+                        <a:t> </a:t>
+                      </a:r>
+                      <a:endParaRPr lang="zh-TW" sz="3300" kern="100">
+                        <a:effectLst/>
+                        <a:latin typeface="微軟正黑體" panose="020B0604030504040204" pitchFamily="34" charset="-120"/>
+                        <a:ea typeface="微軟正黑體" panose="020B0604030504040204" pitchFamily="34" charset="-120"/>
+                      </a:endParaRPr>
+                    </a:p>
+                  </a:txBody>
+                  <a:tcPr marL="187710" marR="187710" marT="0" marB="0"/>
+                </a:tc>
+                <a:tc>
+                  <a:txBody>
+                    <a:bodyPr/>
+                    <a:lstStyle/>
+                    <a:p>
+                      <a:pPr algn="ctr">
+                        <a:spcAft>
+                          <a:spcPts val="0"/>
+                        </a:spcAft>
+                      </a:pPr>
+                      <a:r>
+                        <a:rPr lang="en-US" sz="2200" kern="100">
+                          <a:effectLst/>
+                          <a:latin typeface="微軟正黑體" panose="020B0604030504040204" pitchFamily="34" charset="-120"/>
+                          <a:ea typeface="微軟正黑體" panose="020B0604030504040204" pitchFamily="34" charset="-120"/>
+                        </a:rPr>
+                        <a:t> </a:t>
+                      </a:r>
+                      <a:endParaRPr lang="zh-TW" sz="3300" kern="100">
+                        <a:effectLst/>
+                        <a:latin typeface="微軟正黑體" panose="020B0604030504040204" pitchFamily="34" charset="-120"/>
+                        <a:ea typeface="微軟正黑體" panose="020B0604030504040204" pitchFamily="34" charset="-120"/>
+                      </a:endParaRPr>
+                    </a:p>
+                  </a:txBody>
+                  <a:tcPr marL="187710" marR="187710" marT="0" marB="0"/>
+                </a:tc>
+              </a:tr>
+              <a:tr h="338410">
+                <a:tc>
+                  <a:txBody>
+                    <a:bodyPr/>
+                    <a:lstStyle/>
+                    <a:p>
+                      <a:pPr>
+                        <a:spcAft>
+                          <a:spcPts val="0"/>
+                        </a:spcAft>
+                      </a:pPr>
+                      <a:r>
+                        <a:rPr lang="en-US" sz="2200" kern="100">
+                          <a:effectLst/>
+                          <a:latin typeface="微軟正黑體" panose="020B0604030504040204" pitchFamily="34" charset="-120"/>
+                          <a:ea typeface="微軟正黑體" panose="020B0604030504040204" pitchFamily="34" charset="-120"/>
+                        </a:rPr>
+                        <a:t> </a:t>
+                      </a:r>
+                      <a:r>
+                        <a:rPr lang="zh-TW" sz="2200" kern="100">
+                          <a:effectLst/>
+                          <a:latin typeface="微軟正黑體" panose="020B0604030504040204" pitchFamily="34" charset="-120"/>
+                          <a:ea typeface="微軟正黑體" panose="020B0604030504040204" pitchFamily="34" charset="-120"/>
+                        </a:rPr>
+                        <a:t>認識開放資料</a:t>
+                      </a:r>
+                      <a:endParaRPr lang="zh-TW" sz="3300" kern="100">
+                        <a:effectLst/>
+                        <a:latin typeface="微軟正黑體" panose="020B0604030504040204" pitchFamily="34" charset="-120"/>
+                        <a:ea typeface="微軟正黑體" panose="020B0604030504040204" pitchFamily="34" charset="-120"/>
+                      </a:endParaRPr>
+                    </a:p>
+                  </a:txBody>
+                  <a:tcPr marL="187710" marR="187710" marT="0" marB="0"/>
+                </a:tc>
+                <a:tc>
+                  <a:txBody>
+                    <a:bodyPr/>
+                    <a:lstStyle/>
+                    <a:p>
+                      <a:pPr algn="ctr">
+                        <a:spcAft>
+                          <a:spcPts val="0"/>
+                        </a:spcAft>
+                      </a:pPr>
+                      <a:r>
+                        <a:rPr lang="en-US" sz="2200" kern="100">
+                          <a:effectLst/>
+                          <a:latin typeface="微軟正黑體" panose="020B0604030504040204" pitchFamily="34" charset="-120"/>
+                          <a:ea typeface="微軟正黑體" panose="020B0604030504040204" pitchFamily="34" charset="-120"/>
+                        </a:rPr>
+                        <a:t> </a:t>
+                      </a:r>
+                      <a:endParaRPr lang="zh-TW" sz="3300" kern="100">
+                        <a:effectLst/>
+                        <a:latin typeface="微軟正黑體" panose="020B0604030504040204" pitchFamily="34" charset="-120"/>
+                        <a:ea typeface="微軟正黑體" panose="020B0604030504040204" pitchFamily="34" charset="-120"/>
+                      </a:endParaRPr>
+                    </a:p>
+                  </a:txBody>
+                  <a:tcPr marL="187710" marR="187710" marT="0" marB="0"/>
+                </a:tc>
+                <a:tc>
+                  <a:txBody>
+                    <a:bodyPr/>
+                    <a:lstStyle/>
+                    <a:p>
+                      <a:pPr algn="ctr">
+                        <a:spcAft>
+                          <a:spcPts val="0"/>
+                        </a:spcAft>
+                      </a:pPr>
+                      <a:r>
+                        <a:rPr lang="zh-TW" sz="2200" kern="100">
+                          <a:effectLst/>
+                          <a:latin typeface="微軟正黑體" panose="020B0604030504040204" pitchFamily="34" charset="-120"/>
+                          <a:ea typeface="微軟正黑體" panose="020B0604030504040204" pitchFamily="34" charset="-120"/>
+                        </a:rPr>
+                        <a:t>■</a:t>
+                      </a:r>
+                      <a:endParaRPr lang="zh-TW" sz="3300" kern="100">
+                        <a:effectLst/>
+                        <a:latin typeface="微軟正黑體" panose="020B0604030504040204" pitchFamily="34" charset="-120"/>
+                        <a:ea typeface="微軟正黑體" panose="020B0604030504040204" pitchFamily="34" charset="-120"/>
+                      </a:endParaRPr>
+                    </a:p>
+                  </a:txBody>
+                  <a:tcPr marL="187710" marR="187710" marT="0" marB="0"/>
+                </a:tc>
+                <a:tc>
+                  <a:txBody>
+                    <a:bodyPr/>
+                    <a:lstStyle/>
+                    <a:p>
+                      <a:pPr algn="ctr">
+                        <a:spcAft>
+                          <a:spcPts val="0"/>
+                        </a:spcAft>
+                      </a:pPr>
+                      <a:r>
+                        <a:rPr lang="en-US" sz="2200" kern="100">
+                          <a:effectLst/>
+                          <a:latin typeface="微軟正黑體" panose="020B0604030504040204" pitchFamily="34" charset="-120"/>
+                          <a:ea typeface="微軟正黑體" panose="020B0604030504040204" pitchFamily="34" charset="-120"/>
+                        </a:rPr>
+                        <a:t> </a:t>
+                      </a:r>
+                      <a:endParaRPr lang="zh-TW" sz="3300" kern="100">
+                        <a:effectLst/>
+                        <a:latin typeface="微軟正黑體" panose="020B0604030504040204" pitchFamily="34" charset="-120"/>
+                        <a:ea typeface="微軟正黑體" panose="020B0604030504040204" pitchFamily="34" charset="-120"/>
+                      </a:endParaRPr>
+                    </a:p>
+                  </a:txBody>
+                  <a:tcPr marL="187710" marR="187710" marT="0" marB="0"/>
+                </a:tc>
+              </a:tr>
+              <a:tr h="338410">
+                <a:tc>
+                  <a:txBody>
+                    <a:bodyPr/>
+                    <a:lstStyle/>
+                    <a:p>
+                      <a:pPr>
+                        <a:spcAft>
+                          <a:spcPts val="0"/>
+                        </a:spcAft>
+                      </a:pPr>
+                      <a:r>
+                        <a:rPr lang="en-US" sz="2200" kern="100">
+                          <a:effectLst/>
+                          <a:latin typeface="微軟正黑體" panose="020B0604030504040204" pitchFamily="34" charset="-120"/>
+                          <a:ea typeface="微軟正黑體" panose="020B0604030504040204" pitchFamily="34" charset="-120"/>
+                        </a:rPr>
+                        <a:t> </a:t>
+                      </a:r>
+                      <a:r>
+                        <a:rPr lang="zh-TW" sz="2200" kern="100">
+                          <a:effectLst/>
+                          <a:latin typeface="微軟正黑體" panose="020B0604030504040204" pitchFamily="34" charset="-120"/>
+                          <a:ea typeface="微軟正黑體" panose="020B0604030504040204" pitchFamily="34" charset="-120"/>
+                        </a:rPr>
+                        <a:t>取得資料方法</a:t>
+                      </a:r>
+                      <a:endParaRPr lang="zh-TW" sz="3300" kern="100">
+                        <a:effectLst/>
+                        <a:latin typeface="微軟正黑體" panose="020B0604030504040204" pitchFamily="34" charset="-120"/>
+                        <a:ea typeface="微軟正黑體" panose="020B0604030504040204" pitchFamily="34" charset="-120"/>
+                      </a:endParaRPr>
+                    </a:p>
+                  </a:txBody>
+                  <a:tcPr marL="187710" marR="187710" marT="0" marB="0"/>
+                </a:tc>
+                <a:tc>
+                  <a:txBody>
+                    <a:bodyPr/>
+                    <a:lstStyle/>
+                    <a:p>
+                      <a:pPr algn="ctr">
+                        <a:spcAft>
+                          <a:spcPts val="0"/>
+                        </a:spcAft>
+                      </a:pPr>
+                      <a:r>
+                        <a:rPr lang="en-US" sz="2200" kern="100">
+                          <a:effectLst/>
+                          <a:latin typeface="微軟正黑體" panose="020B0604030504040204" pitchFamily="34" charset="-120"/>
+                          <a:ea typeface="微軟正黑體" panose="020B0604030504040204" pitchFamily="34" charset="-120"/>
+                        </a:rPr>
+                        <a:t> </a:t>
+                      </a:r>
+                      <a:endParaRPr lang="zh-TW" sz="3300" kern="100">
+                        <a:effectLst/>
+                        <a:latin typeface="微軟正黑體" panose="020B0604030504040204" pitchFamily="34" charset="-120"/>
+                        <a:ea typeface="微軟正黑體" panose="020B0604030504040204" pitchFamily="34" charset="-120"/>
+                      </a:endParaRPr>
+                    </a:p>
+                  </a:txBody>
+                  <a:tcPr marL="187710" marR="187710" marT="0" marB="0"/>
+                </a:tc>
+                <a:tc>
+                  <a:txBody>
+                    <a:bodyPr/>
+                    <a:lstStyle/>
+                    <a:p>
+                      <a:pPr algn="ctr">
+                        <a:spcAft>
+                          <a:spcPts val="0"/>
+                        </a:spcAft>
+                      </a:pPr>
+                      <a:r>
+                        <a:rPr lang="zh-TW" sz="2200" kern="100">
+                          <a:effectLst/>
+                          <a:latin typeface="微軟正黑體" panose="020B0604030504040204" pitchFamily="34" charset="-120"/>
+                          <a:ea typeface="微軟正黑體" panose="020B0604030504040204" pitchFamily="34" charset="-120"/>
+                        </a:rPr>
+                        <a:t>■</a:t>
+                      </a:r>
+                      <a:endParaRPr lang="zh-TW" sz="3300" kern="100">
+                        <a:effectLst/>
+                        <a:latin typeface="微軟正黑體" panose="020B0604030504040204" pitchFamily="34" charset="-120"/>
+                        <a:ea typeface="微軟正黑體" panose="020B0604030504040204" pitchFamily="34" charset="-120"/>
+                      </a:endParaRPr>
+                    </a:p>
+                  </a:txBody>
+                  <a:tcPr marL="187710" marR="187710" marT="0" marB="0"/>
+                </a:tc>
+                <a:tc>
+                  <a:txBody>
+                    <a:bodyPr/>
+                    <a:lstStyle/>
+                    <a:p>
+                      <a:pPr algn="ctr">
+                        <a:spcAft>
+                          <a:spcPts val="0"/>
+                        </a:spcAft>
+                      </a:pPr>
+                      <a:r>
+                        <a:rPr lang="zh-TW" sz="2200" kern="100">
+                          <a:effectLst/>
+                          <a:latin typeface="微軟正黑體" panose="020B0604030504040204" pitchFamily="34" charset="-120"/>
+                          <a:ea typeface="微軟正黑體" panose="020B0604030504040204" pitchFamily="34" charset="-120"/>
+                        </a:rPr>
+                        <a:t>■</a:t>
+                      </a:r>
+                      <a:endParaRPr lang="zh-TW" sz="3300" kern="100">
+                        <a:effectLst/>
+                        <a:latin typeface="微軟正黑體" panose="020B0604030504040204" pitchFamily="34" charset="-120"/>
+                        <a:ea typeface="微軟正黑體" panose="020B0604030504040204" pitchFamily="34" charset="-120"/>
+                      </a:endParaRPr>
+                    </a:p>
+                  </a:txBody>
+                  <a:tcPr marL="187710" marR="187710" marT="0" marB="0"/>
+                </a:tc>
+              </a:tr>
+              <a:tr h="338410">
+                <a:tc>
+                  <a:txBody>
+                    <a:bodyPr/>
+                    <a:lstStyle/>
+                    <a:p>
+                      <a:pPr>
+                        <a:spcAft>
+                          <a:spcPts val="0"/>
+                        </a:spcAft>
+                      </a:pPr>
+                      <a:r>
+                        <a:rPr lang="zh-TW" sz="2200" kern="100">
+                          <a:effectLst/>
+                          <a:latin typeface="微軟正黑體" panose="020B0604030504040204" pitchFamily="34" charset="-120"/>
+                          <a:ea typeface="微軟正黑體" panose="020B0604030504040204" pitchFamily="34" charset="-120"/>
+                        </a:rPr>
+                        <a:t>系統設計</a:t>
+                      </a:r>
+                      <a:endParaRPr lang="zh-TW" sz="3300" kern="100">
+                        <a:effectLst/>
+                        <a:latin typeface="微軟正黑體" panose="020B0604030504040204" pitchFamily="34" charset="-120"/>
+                        <a:ea typeface="微軟正黑體" panose="020B0604030504040204" pitchFamily="34" charset="-120"/>
+                      </a:endParaRPr>
+                    </a:p>
+                  </a:txBody>
+                  <a:tcPr marL="187710" marR="187710" marT="0" marB="0"/>
+                </a:tc>
+                <a:tc>
+                  <a:txBody>
+                    <a:bodyPr/>
+                    <a:lstStyle/>
+                    <a:p>
+                      <a:pPr algn="ctr">
+                        <a:spcAft>
+                          <a:spcPts val="0"/>
+                        </a:spcAft>
+                      </a:pPr>
+                      <a:r>
+                        <a:rPr lang="en-US" sz="2200" kern="100">
+                          <a:effectLst/>
+                          <a:latin typeface="微軟正黑體" panose="020B0604030504040204" pitchFamily="34" charset="-120"/>
+                          <a:ea typeface="微軟正黑體" panose="020B0604030504040204" pitchFamily="34" charset="-120"/>
+                        </a:rPr>
+                        <a:t> </a:t>
+                      </a:r>
+                      <a:endParaRPr lang="zh-TW" sz="3300" kern="100">
+                        <a:effectLst/>
+                        <a:latin typeface="微軟正黑體" panose="020B0604030504040204" pitchFamily="34" charset="-120"/>
+                        <a:ea typeface="微軟正黑體" panose="020B0604030504040204" pitchFamily="34" charset="-120"/>
+                      </a:endParaRPr>
+                    </a:p>
+                  </a:txBody>
+                  <a:tcPr marL="187710" marR="187710" marT="0" marB="0"/>
+                </a:tc>
+                <a:tc>
+                  <a:txBody>
+                    <a:bodyPr/>
+                    <a:lstStyle/>
+                    <a:p>
+                      <a:pPr algn="ctr">
+                        <a:spcAft>
+                          <a:spcPts val="0"/>
+                        </a:spcAft>
+                      </a:pPr>
+                      <a:r>
+                        <a:rPr lang="en-US" sz="2200" kern="100">
+                          <a:effectLst/>
+                          <a:latin typeface="微軟正黑體" panose="020B0604030504040204" pitchFamily="34" charset="-120"/>
+                          <a:ea typeface="微軟正黑體" panose="020B0604030504040204" pitchFamily="34" charset="-120"/>
+                        </a:rPr>
+                        <a:t> </a:t>
+                      </a:r>
+                      <a:endParaRPr lang="zh-TW" sz="3300" kern="100">
+                        <a:effectLst/>
+                        <a:latin typeface="微軟正黑體" panose="020B0604030504040204" pitchFamily="34" charset="-120"/>
+                        <a:ea typeface="微軟正黑體" panose="020B0604030504040204" pitchFamily="34" charset="-120"/>
+                      </a:endParaRPr>
+                    </a:p>
+                  </a:txBody>
+                  <a:tcPr marL="187710" marR="187710" marT="0" marB="0"/>
+                </a:tc>
+                <a:tc>
+                  <a:txBody>
+                    <a:bodyPr/>
+                    <a:lstStyle/>
+                    <a:p>
+                      <a:pPr algn="ctr">
+                        <a:spcAft>
+                          <a:spcPts val="0"/>
+                        </a:spcAft>
+                      </a:pPr>
+                      <a:r>
+                        <a:rPr lang="en-US" sz="2200" kern="100">
+                          <a:effectLst/>
+                          <a:latin typeface="微軟正黑體" panose="020B0604030504040204" pitchFamily="34" charset="-120"/>
+                          <a:ea typeface="微軟正黑體" panose="020B0604030504040204" pitchFamily="34" charset="-120"/>
+                        </a:rPr>
+                        <a:t> </a:t>
+                      </a:r>
+                      <a:endParaRPr lang="zh-TW" sz="3300" kern="100">
+                        <a:effectLst/>
+                        <a:latin typeface="微軟正黑體" panose="020B0604030504040204" pitchFamily="34" charset="-120"/>
+                        <a:ea typeface="微軟正黑體" panose="020B0604030504040204" pitchFamily="34" charset="-120"/>
+                      </a:endParaRPr>
+                    </a:p>
+                  </a:txBody>
+                  <a:tcPr marL="187710" marR="187710" marT="0" marB="0"/>
+                </a:tc>
+              </a:tr>
+              <a:tr h="338410">
+                <a:tc>
+                  <a:txBody>
+                    <a:bodyPr/>
+                    <a:lstStyle/>
+                    <a:p>
+                      <a:pPr>
+                        <a:spcAft>
+                          <a:spcPts val="0"/>
+                        </a:spcAft>
+                      </a:pPr>
+                      <a:r>
+                        <a:rPr lang="en-US" sz="2200" kern="100">
+                          <a:effectLst/>
+                          <a:latin typeface="微軟正黑體" panose="020B0604030504040204" pitchFamily="34" charset="-120"/>
+                          <a:ea typeface="微軟正黑體" panose="020B0604030504040204" pitchFamily="34" charset="-120"/>
+                        </a:rPr>
+                        <a:t> </a:t>
+                      </a:r>
+                      <a:r>
+                        <a:rPr lang="zh-TW" sz="2200" kern="100">
+                          <a:effectLst/>
+                          <a:latin typeface="微軟正黑體" panose="020B0604030504040204" pitchFamily="34" charset="-120"/>
+                          <a:ea typeface="微軟正黑體" panose="020B0604030504040204" pitchFamily="34" charset="-120"/>
+                        </a:rPr>
+                        <a:t>流程設計</a:t>
+                      </a:r>
+                      <a:endParaRPr lang="zh-TW" sz="3300" kern="100">
+                        <a:effectLst/>
+                        <a:latin typeface="微軟正黑體" panose="020B0604030504040204" pitchFamily="34" charset="-120"/>
+                        <a:ea typeface="微軟正黑體" panose="020B0604030504040204" pitchFamily="34" charset="-120"/>
+                      </a:endParaRPr>
+                    </a:p>
+                  </a:txBody>
+                  <a:tcPr marL="187710" marR="187710" marT="0" marB="0"/>
+                </a:tc>
+                <a:tc>
+                  <a:txBody>
+                    <a:bodyPr/>
+                    <a:lstStyle/>
+                    <a:p>
+                      <a:pPr algn="ctr">
+                        <a:spcAft>
+                          <a:spcPts val="0"/>
+                        </a:spcAft>
+                      </a:pPr>
+                      <a:r>
+                        <a:rPr lang="zh-TW" sz="2200" kern="100">
+                          <a:effectLst/>
+                          <a:latin typeface="微軟正黑體" panose="020B0604030504040204" pitchFamily="34" charset="-120"/>
+                          <a:ea typeface="微軟正黑體" panose="020B0604030504040204" pitchFamily="34" charset="-120"/>
+                        </a:rPr>
+                        <a:t>■</a:t>
+                      </a:r>
+                      <a:endParaRPr lang="zh-TW" sz="3300" kern="100">
+                        <a:effectLst/>
+                        <a:latin typeface="微軟正黑體" panose="020B0604030504040204" pitchFamily="34" charset="-120"/>
+                        <a:ea typeface="微軟正黑體" panose="020B0604030504040204" pitchFamily="34" charset="-120"/>
+                      </a:endParaRPr>
+                    </a:p>
+                  </a:txBody>
+                  <a:tcPr marL="187710" marR="187710" marT="0" marB="0"/>
+                </a:tc>
+                <a:tc>
+                  <a:txBody>
+                    <a:bodyPr/>
+                    <a:lstStyle/>
+                    <a:p>
+                      <a:pPr algn="ctr">
+                        <a:spcAft>
+                          <a:spcPts val="0"/>
+                        </a:spcAft>
+                      </a:pPr>
+                      <a:r>
+                        <a:rPr lang="zh-TW" sz="2200" kern="100">
+                          <a:effectLst/>
+                          <a:latin typeface="微軟正黑體" panose="020B0604030504040204" pitchFamily="34" charset="-120"/>
+                          <a:ea typeface="微軟正黑體" panose="020B0604030504040204" pitchFamily="34" charset="-120"/>
+                        </a:rPr>
+                        <a:t>■</a:t>
+                      </a:r>
+                      <a:endParaRPr lang="zh-TW" sz="3300" kern="100">
+                        <a:effectLst/>
+                        <a:latin typeface="微軟正黑體" panose="020B0604030504040204" pitchFamily="34" charset="-120"/>
+                        <a:ea typeface="微軟正黑體" panose="020B0604030504040204" pitchFamily="34" charset="-120"/>
+                      </a:endParaRPr>
+                    </a:p>
+                  </a:txBody>
+                  <a:tcPr marL="187710" marR="187710" marT="0" marB="0"/>
+                </a:tc>
+                <a:tc>
+                  <a:txBody>
+                    <a:bodyPr/>
+                    <a:lstStyle/>
+                    <a:p>
+                      <a:pPr algn="ctr">
+                        <a:spcAft>
+                          <a:spcPts val="0"/>
+                        </a:spcAft>
+                      </a:pPr>
+                      <a:r>
+                        <a:rPr lang="en-US" sz="2200" kern="100">
+                          <a:effectLst/>
+                          <a:latin typeface="微軟正黑體" panose="020B0604030504040204" pitchFamily="34" charset="-120"/>
+                          <a:ea typeface="微軟正黑體" panose="020B0604030504040204" pitchFamily="34" charset="-120"/>
+                        </a:rPr>
+                        <a:t> </a:t>
+                      </a:r>
+                      <a:endParaRPr lang="zh-TW" sz="3300" kern="100">
+                        <a:effectLst/>
+                        <a:latin typeface="微軟正黑體" panose="020B0604030504040204" pitchFamily="34" charset="-120"/>
+                        <a:ea typeface="微軟正黑體" panose="020B0604030504040204" pitchFamily="34" charset="-120"/>
+                      </a:endParaRPr>
+                    </a:p>
+                  </a:txBody>
+                  <a:tcPr marL="187710" marR="187710" marT="0" marB="0"/>
+                </a:tc>
+              </a:tr>
+              <a:tr h="338410">
+                <a:tc>
+                  <a:txBody>
+                    <a:bodyPr/>
+                    <a:lstStyle/>
+                    <a:p>
+                      <a:pPr>
+                        <a:spcAft>
+                          <a:spcPts val="0"/>
+                        </a:spcAft>
+                      </a:pPr>
+                      <a:r>
+                        <a:rPr lang="en-US" sz="2200" kern="100">
+                          <a:effectLst/>
+                          <a:latin typeface="微軟正黑體" panose="020B0604030504040204" pitchFamily="34" charset="-120"/>
+                          <a:ea typeface="微軟正黑體" panose="020B0604030504040204" pitchFamily="34" charset="-120"/>
+                        </a:rPr>
+                        <a:t> </a:t>
+                      </a:r>
+                      <a:r>
+                        <a:rPr lang="zh-TW" sz="2200" kern="100">
+                          <a:effectLst/>
+                          <a:latin typeface="微軟正黑體" panose="020B0604030504040204" pitchFamily="34" charset="-120"/>
+                          <a:ea typeface="微軟正黑體" panose="020B0604030504040204" pitchFamily="34" charset="-120"/>
+                        </a:rPr>
+                        <a:t>資料庫結構設計</a:t>
+                      </a:r>
+                      <a:endParaRPr lang="zh-TW" sz="3300" kern="100">
+                        <a:effectLst/>
+                        <a:latin typeface="微軟正黑體" panose="020B0604030504040204" pitchFamily="34" charset="-120"/>
+                        <a:ea typeface="微軟正黑體" panose="020B0604030504040204" pitchFamily="34" charset="-120"/>
+                      </a:endParaRPr>
+                    </a:p>
+                  </a:txBody>
+                  <a:tcPr marL="187710" marR="187710" marT="0" marB="0"/>
+                </a:tc>
+                <a:tc>
+                  <a:txBody>
+                    <a:bodyPr/>
+                    <a:lstStyle/>
+                    <a:p>
+                      <a:pPr algn="ctr">
+                        <a:spcAft>
+                          <a:spcPts val="0"/>
+                        </a:spcAft>
+                      </a:pPr>
+                      <a:r>
+                        <a:rPr lang="en-US" sz="2200" kern="100">
+                          <a:effectLst/>
+                          <a:latin typeface="微軟正黑體" panose="020B0604030504040204" pitchFamily="34" charset="-120"/>
+                          <a:ea typeface="微軟正黑體" panose="020B0604030504040204" pitchFamily="34" charset="-120"/>
+                        </a:rPr>
+                        <a:t> </a:t>
+                      </a:r>
+                      <a:endParaRPr lang="zh-TW" sz="3300" kern="100">
+                        <a:effectLst/>
+                        <a:latin typeface="微軟正黑體" panose="020B0604030504040204" pitchFamily="34" charset="-120"/>
+                        <a:ea typeface="微軟正黑體" panose="020B0604030504040204" pitchFamily="34" charset="-120"/>
+                      </a:endParaRPr>
+                    </a:p>
+                  </a:txBody>
+                  <a:tcPr marL="187710" marR="187710" marT="0" marB="0"/>
+                </a:tc>
+                <a:tc>
+                  <a:txBody>
+                    <a:bodyPr/>
+                    <a:lstStyle/>
+                    <a:p>
+                      <a:pPr algn="ctr">
+                        <a:spcAft>
+                          <a:spcPts val="0"/>
+                        </a:spcAft>
+                      </a:pPr>
+                      <a:r>
+                        <a:rPr lang="zh-TW" sz="2200" kern="100">
+                          <a:effectLst/>
+                          <a:latin typeface="微軟正黑體" panose="020B0604030504040204" pitchFamily="34" charset="-120"/>
+                          <a:ea typeface="微軟正黑體" panose="020B0604030504040204" pitchFamily="34" charset="-120"/>
+                        </a:rPr>
+                        <a:t>■</a:t>
+                      </a:r>
+                      <a:endParaRPr lang="zh-TW" sz="3300" kern="100">
+                        <a:effectLst/>
+                        <a:latin typeface="微軟正黑體" panose="020B0604030504040204" pitchFamily="34" charset="-120"/>
+                        <a:ea typeface="微軟正黑體" panose="020B0604030504040204" pitchFamily="34" charset="-120"/>
+                      </a:endParaRPr>
+                    </a:p>
+                  </a:txBody>
+                  <a:tcPr marL="187710" marR="187710" marT="0" marB="0"/>
+                </a:tc>
+                <a:tc>
+                  <a:txBody>
+                    <a:bodyPr/>
+                    <a:lstStyle/>
+                    <a:p>
+                      <a:pPr algn="ctr">
+                        <a:spcAft>
+                          <a:spcPts val="0"/>
+                        </a:spcAft>
+                      </a:pPr>
+                      <a:r>
+                        <a:rPr lang="en-US" sz="2200" kern="100">
+                          <a:effectLst/>
+                          <a:latin typeface="微軟正黑體" panose="020B0604030504040204" pitchFamily="34" charset="-120"/>
+                          <a:ea typeface="微軟正黑體" panose="020B0604030504040204" pitchFamily="34" charset="-120"/>
+                        </a:rPr>
+                        <a:t> </a:t>
+                      </a:r>
+                      <a:endParaRPr lang="zh-TW" sz="3300" kern="100">
+                        <a:effectLst/>
+                        <a:latin typeface="微軟正黑體" panose="020B0604030504040204" pitchFamily="34" charset="-120"/>
+                        <a:ea typeface="微軟正黑體" panose="020B0604030504040204" pitchFamily="34" charset="-120"/>
+                      </a:endParaRPr>
+                    </a:p>
+                  </a:txBody>
+                  <a:tcPr marL="187710" marR="187710" marT="0" marB="0"/>
+                </a:tc>
+              </a:tr>
+              <a:tr h="338410">
+                <a:tc>
+                  <a:txBody>
+                    <a:bodyPr/>
+                    <a:lstStyle/>
+                    <a:p>
+                      <a:pPr>
+                        <a:spcAft>
+                          <a:spcPts val="0"/>
+                        </a:spcAft>
+                      </a:pPr>
+                      <a:r>
+                        <a:rPr lang="en-US" sz="2200" kern="100">
+                          <a:effectLst/>
+                          <a:latin typeface="微軟正黑體" panose="020B0604030504040204" pitchFamily="34" charset="-120"/>
+                          <a:ea typeface="微軟正黑體" panose="020B0604030504040204" pitchFamily="34" charset="-120"/>
+                        </a:rPr>
+                        <a:t> </a:t>
+                      </a:r>
+                      <a:r>
+                        <a:rPr lang="zh-TW" sz="2200" kern="100">
+                          <a:effectLst/>
+                          <a:latin typeface="微軟正黑體" panose="020B0604030504040204" pitchFamily="34" charset="-120"/>
+                          <a:ea typeface="微軟正黑體" panose="020B0604030504040204" pitchFamily="34" charset="-120"/>
+                        </a:rPr>
+                        <a:t>保養技巧內容</a:t>
+                      </a:r>
+                      <a:endParaRPr lang="zh-TW" sz="3300" kern="100">
+                        <a:effectLst/>
+                        <a:latin typeface="微軟正黑體" panose="020B0604030504040204" pitchFamily="34" charset="-120"/>
+                        <a:ea typeface="微軟正黑體" panose="020B0604030504040204" pitchFamily="34" charset="-120"/>
+                      </a:endParaRPr>
+                    </a:p>
+                  </a:txBody>
+                  <a:tcPr marL="187710" marR="187710" marT="0" marB="0"/>
+                </a:tc>
+                <a:tc>
+                  <a:txBody>
+                    <a:bodyPr/>
+                    <a:lstStyle/>
+                    <a:p>
+                      <a:pPr algn="ctr">
+                        <a:spcAft>
+                          <a:spcPts val="0"/>
+                        </a:spcAft>
+                      </a:pPr>
+                      <a:r>
+                        <a:rPr lang="zh-TW" sz="2200" kern="100">
+                          <a:effectLst/>
+                          <a:latin typeface="微軟正黑體" panose="020B0604030504040204" pitchFamily="34" charset="-120"/>
+                          <a:ea typeface="微軟正黑體" panose="020B0604030504040204" pitchFamily="34" charset="-120"/>
+                        </a:rPr>
+                        <a:t>■</a:t>
+                      </a:r>
+                      <a:endParaRPr lang="zh-TW" sz="3300" kern="100">
+                        <a:effectLst/>
+                        <a:latin typeface="微軟正黑體" panose="020B0604030504040204" pitchFamily="34" charset="-120"/>
+                        <a:ea typeface="微軟正黑體" panose="020B0604030504040204" pitchFamily="34" charset="-120"/>
+                      </a:endParaRPr>
+                    </a:p>
+                  </a:txBody>
+                  <a:tcPr marL="187710" marR="187710" marT="0" marB="0"/>
+                </a:tc>
+                <a:tc>
+                  <a:txBody>
+                    <a:bodyPr/>
+                    <a:lstStyle/>
+                    <a:p>
+                      <a:pPr algn="ctr">
+                        <a:spcAft>
+                          <a:spcPts val="0"/>
+                        </a:spcAft>
+                      </a:pPr>
+                      <a:r>
+                        <a:rPr lang="zh-TW" sz="2200" kern="100">
+                          <a:effectLst/>
+                          <a:latin typeface="微軟正黑體" panose="020B0604030504040204" pitchFamily="34" charset="-120"/>
+                          <a:ea typeface="微軟正黑體" panose="020B0604030504040204" pitchFamily="34" charset="-120"/>
+                        </a:rPr>
+                        <a:t>■</a:t>
+                      </a:r>
+                      <a:endParaRPr lang="zh-TW" sz="3300" kern="100">
+                        <a:effectLst/>
+                        <a:latin typeface="微軟正黑體" panose="020B0604030504040204" pitchFamily="34" charset="-120"/>
+                        <a:ea typeface="微軟正黑體" panose="020B0604030504040204" pitchFamily="34" charset="-120"/>
+                      </a:endParaRPr>
+                    </a:p>
+                  </a:txBody>
+                  <a:tcPr marL="187710" marR="187710" marT="0" marB="0"/>
+                </a:tc>
+                <a:tc>
+                  <a:txBody>
+                    <a:bodyPr/>
+                    <a:lstStyle/>
+                    <a:p>
+                      <a:pPr algn="ctr">
+                        <a:spcAft>
+                          <a:spcPts val="0"/>
+                        </a:spcAft>
+                      </a:pPr>
+                      <a:r>
+                        <a:rPr lang="en-US" sz="2200" kern="100">
+                          <a:effectLst/>
+                          <a:latin typeface="微軟正黑體" panose="020B0604030504040204" pitchFamily="34" charset="-120"/>
+                          <a:ea typeface="微軟正黑體" panose="020B0604030504040204" pitchFamily="34" charset="-120"/>
+                        </a:rPr>
+                        <a:t> </a:t>
+                      </a:r>
+                      <a:endParaRPr lang="zh-TW" sz="3300" kern="100">
+                        <a:effectLst/>
+                        <a:latin typeface="微軟正黑體" panose="020B0604030504040204" pitchFamily="34" charset="-120"/>
+                        <a:ea typeface="微軟正黑體" panose="020B0604030504040204" pitchFamily="34" charset="-120"/>
+                      </a:endParaRPr>
+                    </a:p>
+                  </a:txBody>
+                  <a:tcPr marL="187710" marR="187710" marT="0" marB="0"/>
+                </a:tc>
+              </a:tr>
+              <a:tr h="338410">
+                <a:tc>
+                  <a:txBody>
+                    <a:bodyPr/>
+                    <a:lstStyle/>
+                    <a:p>
+                      <a:pPr>
+                        <a:spcAft>
+                          <a:spcPts val="0"/>
+                        </a:spcAft>
+                      </a:pPr>
+                      <a:r>
+                        <a:rPr lang="en-US" sz="2200" kern="100">
+                          <a:effectLst/>
+                          <a:latin typeface="微軟正黑體" panose="020B0604030504040204" pitchFamily="34" charset="-120"/>
+                          <a:ea typeface="微軟正黑體" panose="020B0604030504040204" pitchFamily="34" charset="-120"/>
+                        </a:rPr>
+                        <a:t> </a:t>
+                      </a:r>
+                      <a:r>
+                        <a:rPr lang="zh-TW" sz="2200" kern="100">
+                          <a:effectLst/>
+                          <a:latin typeface="微軟正黑體" panose="020B0604030504040204" pitchFamily="34" charset="-120"/>
+                          <a:ea typeface="微軟正黑體" panose="020B0604030504040204" pitchFamily="34" charset="-120"/>
+                        </a:rPr>
+                        <a:t>氣象對保養的關聯性</a:t>
+                      </a:r>
+                      <a:endParaRPr lang="zh-TW" sz="3300" kern="100">
+                        <a:effectLst/>
+                        <a:latin typeface="微軟正黑體" panose="020B0604030504040204" pitchFamily="34" charset="-120"/>
+                        <a:ea typeface="微軟正黑體" panose="020B0604030504040204" pitchFamily="34" charset="-120"/>
+                      </a:endParaRPr>
+                    </a:p>
+                  </a:txBody>
+                  <a:tcPr marL="187710" marR="187710" marT="0" marB="0"/>
+                </a:tc>
+                <a:tc>
+                  <a:txBody>
+                    <a:bodyPr/>
+                    <a:lstStyle/>
+                    <a:p>
+                      <a:pPr algn="ctr">
+                        <a:spcAft>
+                          <a:spcPts val="0"/>
+                        </a:spcAft>
+                      </a:pPr>
+                      <a:r>
+                        <a:rPr lang="zh-TW" sz="2200" kern="100">
+                          <a:effectLst/>
+                          <a:latin typeface="微軟正黑體" panose="020B0604030504040204" pitchFamily="34" charset="-120"/>
+                          <a:ea typeface="微軟正黑體" panose="020B0604030504040204" pitchFamily="34" charset="-120"/>
+                        </a:rPr>
+                        <a:t>■</a:t>
+                      </a:r>
+                      <a:endParaRPr lang="zh-TW" sz="3300" kern="100">
+                        <a:effectLst/>
+                        <a:latin typeface="微軟正黑體" panose="020B0604030504040204" pitchFamily="34" charset="-120"/>
+                        <a:ea typeface="微軟正黑體" panose="020B0604030504040204" pitchFamily="34" charset="-120"/>
+                      </a:endParaRPr>
+                    </a:p>
+                  </a:txBody>
+                  <a:tcPr marL="187710" marR="187710" marT="0" marB="0"/>
+                </a:tc>
+                <a:tc>
+                  <a:txBody>
+                    <a:bodyPr/>
+                    <a:lstStyle/>
+                    <a:p>
+                      <a:pPr algn="ctr">
+                        <a:spcAft>
+                          <a:spcPts val="0"/>
+                        </a:spcAft>
+                      </a:pPr>
+                      <a:r>
+                        <a:rPr lang="zh-TW" sz="2200" kern="100">
+                          <a:effectLst/>
+                          <a:latin typeface="微軟正黑體" panose="020B0604030504040204" pitchFamily="34" charset="-120"/>
+                          <a:ea typeface="微軟正黑體" panose="020B0604030504040204" pitchFamily="34" charset="-120"/>
+                        </a:rPr>
+                        <a:t>■</a:t>
+                      </a:r>
+                      <a:endParaRPr lang="zh-TW" sz="3300" kern="100">
+                        <a:effectLst/>
+                        <a:latin typeface="微軟正黑體" panose="020B0604030504040204" pitchFamily="34" charset="-120"/>
+                        <a:ea typeface="微軟正黑體" panose="020B0604030504040204" pitchFamily="34" charset="-120"/>
+                      </a:endParaRPr>
+                    </a:p>
+                  </a:txBody>
+                  <a:tcPr marL="187710" marR="187710" marT="0" marB="0"/>
+                </a:tc>
+                <a:tc>
+                  <a:txBody>
+                    <a:bodyPr/>
+                    <a:lstStyle/>
+                    <a:p>
+                      <a:pPr algn="ctr">
+                        <a:spcAft>
+                          <a:spcPts val="0"/>
+                        </a:spcAft>
+                      </a:pPr>
+                      <a:r>
+                        <a:rPr lang="en-US" sz="2200" kern="100">
+                          <a:effectLst/>
+                          <a:latin typeface="微軟正黑體" panose="020B0604030504040204" pitchFamily="34" charset="-120"/>
+                          <a:ea typeface="微軟正黑體" panose="020B0604030504040204" pitchFamily="34" charset="-120"/>
+                        </a:rPr>
+                        <a:t> </a:t>
+                      </a:r>
+                      <a:endParaRPr lang="zh-TW" sz="3300" kern="100">
+                        <a:effectLst/>
+                        <a:latin typeface="微軟正黑體" panose="020B0604030504040204" pitchFamily="34" charset="-120"/>
+                        <a:ea typeface="微軟正黑體" panose="020B0604030504040204" pitchFamily="34" charset="-120"/>
+                      </a:endParaRPr>
+                    </a:p>
+                  </a:txBody>
+                  <a:tcPr marL="187710" marR="187710" marT="0" marB="0"/>
+                </a:tc>
+              </a:tr>
+              <a:tr h="338410">
+                <a:tc>
+                  <a:txBody>
+                    <a:bodyPr/>
+                    <a:lstStyle/>
+                    <a:p>
+                      <a:pPr>
+                        <a:spcAft>
+                          <a:spcPts val="0"/>
+                        </a:spcAft>
+                      </a:pPr>
+                      <a:r>
+                        <a:rPr lang="zh-TW" sz="2200" kern="100">
+                          <a:effectLst/>
+                          <a:latin typeface="微軟正黑體" panose="020B0604030504040204" pitchFamily="34" charset="-120"/>
+                          <a:ea typeface="微軟正黑體" panose="020B0604030504040204" pitchFamily="34" charset="-120"/>
+                        </a:rPr>
+                        <a:t>系統開發</a:t>
+                      </a:r>
+                      <a:endParaRPr lang="zh-TW" sz="3300" kern="100">
+                        <a:effectLst/>
+                        <a:latin typeface="微軟正黑體" panose="020B0604030504040204" pitchFamily="34" charset="-120"/>
+                        <a:ea typeface="微軟正黑體" panose="020B0604030504040204" pitchFamily="34" charset="-120"/>
+                      </a:endParaRPr>
+                    </a:p>
+                  </a:txBody>
+                  <a:tcPr marL="187710" marR="187710" marT="0" marB="0"/>
+                </a:tc>
+                <a:tc>
+                  <a:txBody>
+                    <a:bodyPr/>
+                    <a:lstStyle/>
+                    <a:p>
+                      <a:pPr algn="ctr">
+                        <a:spcAft>
+                          <a:spcPts val="0"/>
+                        </a:spcAft>
+                      </a:pPr>
+                      <a:r>
+                        <a:rPr lang="en-US" sz="2200" kern="100">
+                          <a:effectLst/>
+                          <a:latin typeface="微軟正黑體" panose="020B0604030504040204" pitchFamily="34" charset="-120"/>
+                          <a:ea typeface="微軟正黑體" panose="020B0604030504040204" pitchFamily="34" charset="-120"/>
+                        </a:rPr>
+                        <a:t> </a:t>
+                      </a:r>
+                      <a:endParaRPr lang="zh-TW" sz="3300" kern="100">
+                        <a:effectLst/>
+                        <a:latin typeface="微軟正黑體" panose="020B0604030504040204" pitchFamily="34" charset="-120"/>
+                        <a:ea typeface="微軟正黑體" panose="020B0604030504040204" pitchFamily="34" charset="-120"/>
+                      </a:endParaRPr>
+                    </a:p>
+                  </a:txBody>
+                  <a:tcPr marL="187710" marR="187710" marT="0" marB="0"/>
+                </a:tc>
+                <a:tc>
+                  <a:txBody>
+                    <a:bodyPr/>
+                    <a:lstStyle/>
+                    <a:p>
+                      <a:pPr algn="ctr">
+                        <a:spcAft>
+                          <a:spcPts val="0"/>
+                        </a:spcAft>
+                      </a:pPr>
+                      <a:r>
+                        <a:rPr lang="en-US" sz="2200" kern="100">
+                          <a:effectLst/>
+                          <a:latin typeface="微軟正黑體" panose="020B0604030504040204" pitchFamily="34" charset="-120"/>
+                          <a:ea typeface="微軟正黑體" panose="020B0604030504040204" pitchFamily="34" charset="-120"/>
+                        </a:rPr>
+                        <a:t> </a:t>
+                      </a:r>
+                      <a:endParaRPr lang="zh-TW" sz="3300" kern="100">
+                        <a:effectLst/>
+                        <a:latin typeface="微軟正黑體" panose="020B0604030504040204" pitchFamily="34" charset="-120"/>
+                        <a:ea typeface="微軟正黑體" panose="020B0604030504040204" pitchFamily="34" charset="-120"/>
+                      </a:endParaRPr>
+                    </a:p>
+                  </a:txBody>
+                  <a:tcPr marL="187710" marR="187710" marT="0" marB="0"/>
+                </a:tc>
+                <a:tc>
+                  <a:txBody>
+                    <a:bodyPr/>
+                    <a:lstStyle/>
+                    <a:p>
+                      <a:pPr algn="ctr">
+                        <a:spcAft>
+                          <a:spcPts val="0"/>
+                        </a:spcAft>
+                      </a:pPr>
+                      <a:r>
+                        <a:rPr lang="en-US" sz="2200" kern="100">
+                          <a:effectLst/>
+                          <a:latin typeface="微軟正黑體" panose="020B0604030504040204" pitchFamily="34" charset="-120"/>
+                          <a:ea typeface="微軟正黑體" panose="020B0604030504040204" pitchFamily="34" charset="-120"/>
+                        </a:rPr>
+                        <a:t> </a:t>
+                      </a:r>
+                      <a:endParaRPr lang="zh-TW" sz="3300" kern="100">
+                        <a:effectLst/>
+                        <a:latin typeface="微軟正黑體" panose="020B0604030504040204" pitchFamily="34" charset="-120"/>
+                        <a:ea typeface="微軟正黑體" panose="020B0604030504040204" pitchFamily="34" charset="-120"/>
+                      </a:endParaRPr>
+                    </a:p>
+                  </a:txBody>
+                  <a:tcPr marL="187710" marR="187710" marT="0" marB="0"/>
+                </a:tc>
+              </a:tr>
+              <a:tr h="338410">
+                <a:tc>
+                  <a:txBody>
+                    <a:bodyPr/>
+                    <a:lstStyle/>
+                    <a:p>
+                      <a:pPr>
+                        <a:spcAft>
+                          <a:spcPts val="0"/>
+                        </a:spcAft>
+                      </a:pPr>
+                      <a:r>
+                        <a:rPr lang="en-US" sz="2200" kern="100">
+                          <a:effectLst/>
+                          <a:latin typeface="微軟正黑體" panose="020B0604030504040204" pitchFamily="34" charset="-120"/>
+                          <a:ea typeface="微軟正黑體" panose="020B0604030504040204" pitchFamily="34" charset="-120"/>
+                        </a:rPr>
+                        <a:t> </a:t>
+                      </a:r>
+                      <a:r>
+                        <a:rPr lang="zh-TW" sz="2200" kern="100">
+                          <a:effectLst/>
+                          <a:latin typeface="微軟正黑體" panose="020B0604030504040204" pitchFamily="34" charset="-120"/>
+                          <a:ea typeface="微軟正黑體" panose="020B0604030504040204" pitchFamily="34" charset="-120"/>
+                        </a:rPr>
+                        <a:t>資料庫開發</a:t>
+                      </a:r>
+                      <a:endParaRPr lang="zh-TW" sz="3300" kern="100">
+                        <a:effectLst/>
+                        <a:latin typeface="微軟正黑體" panose="020B0604030504040204" pitchFamily="34" charset="-120"/>
+                        <a:ea typeface="微軟正黑體" panose="020B0604030504040204" pitchFamily="34" charset="-120"/>
+                      </a:endParaRPr>
+                    </a:p>
+                  </a:txBody>
+                  <a:tcPr marL="187710" marR="187710" marT="0" marB="0"/>
+                </a:tc>
+                <a:tc>
+                  <a:txBody>
+                    <a:bodyPr/>
+                    <a:lstStyle/>
+                    <a:p>
+                      <a:pPr algn="ctr">
+                        <a:spcAft>
+                          <a:spcPts val="0"/>
+                        </a:spcAft>
+                      </a:pPr>
+                      <a:r>
+                        <a:rPr lang="en-US" sz="2200" kern="100">
+                          <a:effectLst/>
+                          <a:latin typeface="微軟正黑體" panose="020B0604030504040204" pitchFamily="34" charset="-120"/>
+                          <a:ea typeface="微軟正黑體" panose="020B0604030504040204" pitchFamily="34" charset="-120"/>
+                        </a:rPr>
+                        <a:t> </a:t>
+                      </a:r>
+                      <a:endParaRPr lang="zh-TW" sz="3300" kern="100">
+                        <a:effectLst/>
+                        <a:latin typeface="微軟正黑體" panose="020B0604030504040204" pitchFamily="34" charset="-120"/>
+                        <a:ea typeface="微軟正黑體" panose="020B0604030504040204" pitchFamily="34" charset="-120"/>
+                      </a:endParaRPr>
+                    </a:p>
+                  </a:txBody>
+                  <a:tcPr marL="187710" marR="187710" marT="0" marB="0"/>
+                </a:tc>
+                <a:tc>
+                  <a:txBody>
+                    <a:bodyPr/>
+                    <a:lstStyle/>
+                    <a:p>
+                      <a:pPr algn="ctr">
+                        <a:spcAft>
+                          <a:spcPts val="0"/>
+                        </a:spcAft>
+                      </a:pPr>
+                      <a:r>
+                        <a:rPr lang="en-US" sz="2200" kern="100">
+                          <a:effectLst/>
+                          <a:latin typeface="微軟正黑體" panose="020B0604030504040204" pitchFamily="34" charset="-120"/>
+                          <a:ea typeface="微軟正黑體" panose="020B0604030504040204" pitchFamily="34" charset="-120"/>
+                        </a:rPr>
+                        <a:t> </a:t>
+                      </a:r>
+                      <a:endParaRPr lang="zh-TW" sz="3300" kern="100">
+                        <a:effectLst/>
+                        <a:latin typeface="微軟正黑體" panose="020B0604030504040204" pitchFamily="34" charset="-120"/>
+                        <a:ea typeface="微軟正黑體" panose="020B0604030504040204" pitchFamily="34" charset="-120"/>
+                      </a:endParaRPr>
+                    </a:p>
+                  </a:txBody>
+                  <a:tcPr marL="187710" marR="187710" marT="0" marB="0"/>
+                </a:tc>
+                <a:tc>
+                  <a:txBody>
+                    <a:bodyPr/>
+                    <a:lstStyle/>
+                    <a:p>
+                      <a:pPr algn="ctr">
+                        <a:spcAft>
+                          <a:spcPts val="0"/>
+                        </a:spcAft>
+                      </a:pPr>
+                      <a:r>
+                        <a:rPr lang="zh-TW" sz="2200" kern="100">
+                          <a:effectLst/>
+                          <a:latin typeface="微軟正黑體" panose="020B0604030504040204" pitchFamily="34" charset="-120"/>
+                          <a:ea typeface="微軟正黑體" panose="020B0604030504040204" pitchFamily="34" charset="-120"/>
+                        </a:rPr>
+                        <a:t>■</a:t>
+                      </a:r>
+                      <a:endParaRPr lang="zh-TW" sz="3300" kern="100">
+                        <a:effectLst/>
+                        <a:latin typeface="微軟正黑體" panose="020B0604030504040204" pitchFamily="34" charset="-120"/>
+                        <a:ea typeface="微軟正黑體" panose="020B0604030504040204" pitchFamily="34" charset="-120"/>
+                      </a:endParaRPr>
+                    </a:p>
+                  </a:txBody>
+                  <a:tcPr marL="187710" marR="187710" marT="0" marB="0"/>
+                </a:tc>
+              </a:tr>
+              <a:tr h="338410">
+                <a:tc>
+                  <a:txBody>
+                    <a:bodyPr/>
+                    <a:lstStyle/>
+                    <a:p>
+                      <a:pPr>
+                        <a:spcAft>
+                          <a:spcPts val="0"/>
+                        </a:spcAft>
+                      </a:pPr>
+                      <a:r>
+                        <a:rPr lang="en-US" sz="2200" kern="100">
+                          <a:effectLst/>
+                          <a:latin typeface="微軟正黑體" panose="020B0604030504040204" pitchFamily="34" charset="-120"/>
+                          <a:ea typeface="微軟正黑體" panose="020B0604030504040204" pitchFamily="34" charset="-120"/>
+                        </a:rPr>
+                        <a:t> Line BOT</a:t>
+                      </a:r>
+                      <a:r>
+                        <a:rPr lang="zh-TW" sz="2200" kern="100">
+                          <a:effectLst/>
+                          <a:latin typeface="微軟正黑體" panose="020B0604030504040204" pitchFamily="34" charset="-120"/>
+                          <a:ea typeface="微軟正黑體" panose="020B0604030504040204" pitchFamily="34" charset="-120"/>
+                        </a:rPr>
+                        <a:t>串接</a:t>
+                      </a:r>
+                      <a:endParaRPr lang="zh-TW" sz="3300" kern="100">
+                        <a:effectLst/>
+                        <a:latin typeface="微軟正黑體" panose="020B0604030504040204" pitchFamily="34" charset="-120"/>
+                        <a:ea typeface="微軟正黑體" panose="020B0604030504040204" pitchFamily="34" charset="-120"/>
+                      </a:endParaRPr>
+                    </a:p>
+                  </a:txBody>
+                  <a:tcPr marL="187710" marR="187710" marT="0" marB="0"/>
+                </a:tc>
+                <a:tc>
+                  <a:txBody>
+                    <a:bodyPr/>
+                    <a:lstStyle/>
+                    <a:p>
+                      <a:pPr algn="ctr">
+                        <a:spcAft>
+                          <a:spcPts val="0"/>
+                        </a:spcAft>
+                      </a:pPr>
+                      <a:r>
+                        <a:rPr lang="en-US" sz="2200" kern="100">
+                          <a:effectLst/>
+                          <a:latin typeface="微軟正黑體" panose="020B0604030504040204" pitchFamily="34" charset="-120"/>
+                          <a:ea typeface="微軟正黑體" panose="020B0604030504040204" pitchFamily="34" charset="-120"/>
+                        </a:rPr>
+                        <a:t> </a:t>
+                      </a:r>
+                      <a:endParaRPr lang="zh-TW" sz="3300" kern="100">
+                        <a:effectLst/>
+                        <a:latin typeface="微軟正黑體" panose="020B0604030504040204" pitchFamily="34" charset="-120"/>
+                        <a:ea typeface="微軟正黑體" panose="020B0604030504040204" pitchFamily="34" charset="-120"/>
+                      </a:endParaRPr>
+                    </a:p>
+                  </a:txBody>
+                  <a:tcPr marL="187710" marR="187710" marT="0" marB="0"/>
+                </a:tc>
+                <a:tc>
+                  <a:txBody>
+                    <a:bodyPr/>
+                    <a:lstStyle/>
+                    <a:p>
+                      <a:pPr algn="ctr">
+                        <a:spcAft>
+                          <a:spcPts val="0"/>
+                        </a:spcAft>
+                      </a:pPr>
+                      <a:r>
+                        <a:rPr lang="en-US" sz="2200" kern="100">
+                          <a:effectLst/>
+                          <a:latin typeface="微軟正黑體" panose="020B0604030504040204" pitchFamily="34" charset="-120"/>
+                          <a:ea typeface="微軟正黑體" panose="020B0604030504040204" pitchFamily="34" charset="-120"/>
+                        </a:rPr>
+                        <a:t> </a:t>
+                      </a:r>
+                      <a:endParaRPr lang="zh-TW" sz="3300" kern="100">
+                        <a:effectLst/>
+                        <a:latin typeface="微軟正黑體" panose="020B0604030504040204" pitchFamily="34" charset="-120"/>
+                        <a:ea typeface="微軟正黑體" panose="020B0604030504040204" pitchFamily="34" charset="-120"/>
+                      </a:endParaRPr>
+                    </a:p>
+                  </a:txBody>
+                  <a:tcPr marL="187710" marR="187710" marT="0" marB="0"/>
+                </a:tc>
+                <a:tc>
+                  <a:txBody>
+                    <a:bodyPr/>
+                    <a:lstStyle/>
+                    <a:p>
+                      <a:pPr algn="ctr">
+                        <a:spcAft>
+                          <a:spcPts val="0"/>
+                        </a:spcAft>
+                      </a:pPr>
+                      <a:r>
+                        <a:rPr lang="zh-TW" sz="2200" kern="100">
+                          <a:effectLst/>
+                          <a:latin typeface="微軟正黑體" panose="020B0604030504040204" pitchFamily="34" charset="-120"/>
+                          <a:ea typeface="微軟正黑體" panose="020B0604030504040204" pitchFamily="34" charset="-120"/>
+                        </a:rPr>
+                        <a:t>■</a:t>
+                      </a:r>
+                      <a:endParaRPr lang="zh-TW" sz="3300" kern="100">
+                        <a:effectLst/>
+                        <a:latin typeface="微軟正黑體" panose="020B0604030504040204" pitchFamily="34" charset="-120"/>
+                        <a:ea typeface="微軟正黑體" panose="020B0604030504040204" pitchFamily="34" charset="-120"/>
+                      </a:endParaRPr>
+                    </a:p>
+                  </a:txBody>
+                  <a:tcPr marL="187710" marR="187710" marT="0" marB="0"/>
+                </a:tc>
+              </a:tr>
+              <a:tr h="338410">
+                <a:tc>
+                  <a:txBody>
+                    <a:bodyPr/>
+                    <a:lstStyle/>
+                    <a:p>
+                      <a:pPr>
+                        <a:spcAft>
+                          <a:spcPts val="0"/>
+                        </a:spcAft>
+                      </a:pPr>
+                      <a:r>
+                        <a:rPr lang="en-US" sz="2200" kern="100">
+                          <a:effectLst/>
+                          <a:latin typeface="微軟正黑體" panose="020B0604030504040204" pitchFamily="34" charset="-120"/>
+                          <a:ea typeface="微軟正黑體" panose="020B0604030504040204" pitchFamily="34" charset="-120"/>
+                        </a:rPr>
+                        <a:t> </a:t>
+                      </a:r>
+                      <a:r>
+                        <a:rPr lang="zh-TW" sz="2200" kern="100">
+                          <a:effectLst/>
+                          <a:latin typeface="微軟正黑體" panose="020B0604030504040204" pitchFamily="34" charset="-120"/>
+                          <a:ea typeface="微軟正黑體" panose="020B0604030504040204" pitchFamily="34" charset="-120"/>
+                        </a:rPr>
+                        <a:t>開放資料取得判斷</a:t>
+                      </a:r>
+                      <a:endParaRPr lang="zh-TW" sz="3300" kern="100">
+                        <a:effectLst/>
+                        <a:latin typeface="微軟正黑體" panose="020B0604030504040204" pitchFamily="34" charset="-120"/>
+                        <a:ea typeface="微軟正黑體" panose="020B0604030504040204" pitchFamily="34" charset="-120"/>
+                      </a:endParaRPr>
+                    </a:p>
+                  </a:txBody>
+                  <a:tcPr marL="187710" marR="187710" marT="0" marB="0"/>
+                </a:tc>
+                <a:tc>
+                  <a:txBody>
+                    <a:bodyPr/>
+                    <a:lstStyle/>
+                    <a:p>
+                      <a:pPr algn="ctr">
+                        <a:spcAft>
+                          <a:spcPts val="0"/>
+                        </a:spcAft>
+                      </a:pPr>
+                      <a:r>
+                        <a:rPr lang="en-US" sz="2200" kern="100">
+                          <a:effectLst/>
+                          <a:latin typeface="微軟正黑體" panose="020B0604030504040204" pitchFamily="34" charset="-120"/>
+                          <a:ea typeface="微軟正黑體" panose="020B0604030504040204" pitchFamily="34" charset="-120"/>
+                        </a:rPr>
+                        <a:t> </a:t>
+                      </a:r>
+                      <a:endParaRPr lang="zh-TW" sz="3300" kern="100">
+                        <a:effectLst/>
+                        <a:latin typeface="微軟正黑體" panose="020B0604030504040204" pitchFamily="34" charset="-120"/>
+                        <a:ea typeface="微軟正黑體" panose="020B0604030504040204" pitchFamily="34" charset="-120"/>
+                      </a:endParaRPr>
+                    </a:p>
+                  </a:txBody>
+                  <a:tcPr marL="187710" marR="187710" marT="0" marB="0"/>
+                </a:tc>
+                <a:tc>
+                  <a:txBody>
+                    <a:bodyPr/>
+                    <a:lstStyle/>
+                    <a:p>
+                      <a:pPr algn="ctr">
+                        <a:spcAft>
+                          <a:spcPts val="0"/>
+                        </a:spcAft>
+                      </a:pPr>
+                      <a:r>
+                        <a:rPr lang="en-US" sz="2200" kern="100">
+                          <a:effectLst/>
+                          <a:latin typeface="微軟正黑體" panose="020B0604030504040204" pitchFamily="34" charset="-120"/>
+                          <a:ea typeface="微軟正黑體" panose="020B0604030504040204" pitchFamily="34" charset="-120"/>
+                        </a:rPr>
+                        <a:t> </a:t>
+                      </a:r>
+                      <a:endParaRPr lang="zh-TW" sz="3300" kern="100">
+                        <a:effectLst/>
+                        <a:latin typeface="微軟正黑體" panose="020B0604030504040204" pitchFamily="34" charset="-120"/>
+                        <a:ea typeface="微軟正黑體" panose="020B0604030504040204" pitchFamily="34" charset="-120"/>
+                      </a:endParaRPr>
+                    </a:p>
+                  </a:txBody>
+                  <a:tcPr marL="187710" marR="187710" marT="0" marB="0"/>
+                </a:tc>
+                <a:tc>
+                  <a:txBody>
+                    <a:bodyPr/>
+                    <a:lstStyle/>
+                    <a:p>
+                      <a:pPr algn="ctr">
+                        <a:spcAft>
+                          <a:spcPts val="0"/>
+                        </a:spcAft>
+                      </a:pPr>
+                      <a:r>
+                        <a:rPr lang="zh-TW" sz="2200" kern="100">
+                          <a:effectLst/>
+                          <a:latin typeface="微軟正黑體" panose="020B0604030504040204" pitchFamily="34" charset="-120"/>
+                          <a:ea typeface="微軟正黑體" panose="020B0604030504040204" pitchFamily="34" charset="-120"/>
+                        </a:rPr>
+                        <a:t>■</a:t>
+                      </a:r>
+                      <a:endParaRPr lang="zh-TW" sz="3300" kern="100">
+                        <a:effectLst/>
+                        <a:latin typeface="微軟正黑體" panose="020B0604030504040204" pitchFamily="34" charset="-120"/>
+                        <a:ea typeface="微軟正黑體" panose="020B0604030504040204" pitchFamily="34" charset="-120"/>
+                      </a:endParaRPr>
+                    </a:p>
+                  </a:txBody>
+                  <a:tcPr marL="187710" marR="187710" marT="0" marB="0"/>
+                </a:tc>
+              </a:tr>
+              <a:tr h="338410">
+                <a:tc>
+                  <a:txBody>
+                    <a:bodyPr/>
+                    <a:lstStyle/>
+                    <a:p>
+                      <a:pPr indent="50800">
+                        <a:spcAft>
+                          <a:spcPts val="0"/>
+                        </a:spcAft>
+                      </a:pPr>
+                      <a:r>
+                        <a:rPr lang="zh-HK" sz="2200" kern="100">
+                          <a:effectLst/>
+                          <a:latin typeface="微軟正黑體" panose="020B0604030504040204" pitchFamily="34" charset="-120"/>
+                          <a:ea typeface="微軟正黑體" panose="020B0604030504040204" pitchFamily="34" charset="-120"/>
+                        </a:rPr>
+                        <a:t>後台功能開發</a:t>
+                      </a:r>
+                      <a:endParaRPr lang="zh-TW" sz="3300" kern="100">
+                        <a:effectLst/>
+                        <a:latin typeface="微軟正黑體" panose="020B0604030504040204" pitchFamily="34" charset="-120"/>
+                        <a:ea typeface="微軟正黑體" panose="020B0604030504040204" pitchFamily="34" charset="-120"/>
+                      </a:endParaRPr>
+                    </a:p>
+                  </a:txBody>
+                  <a:tcPr marL="187710" marR="187710" marT="0" marB="0"/>
+                </a:tc>
+                <a:tc>
+                  <a:txBody>
+                    <a:bodyPr/>
+                    <a:lstStyle/>
+                    <a:p>
+                      <a:pPr algn="ctr">
+                        <a:spcAft>
+                          <a:spcPts val="0"/>
+                        </a:spcAft>
+                      </a:pPr>
+                      <a:r>
+                        <a:rPr lang="en-US" sz="2200" kern="100">
+                          <a:effectLst/>
+                          <a:latin typeface="微軟正黑體" panose="020B0604030504040204" pitchFamily="34" charset="-120"/>
+                          <a:ea typeface="微軟正黑體" panose="020B0604030504040204" pitchFamily="34" charset="-120"/>
+                        </a:rPr>
+                        <a:t> </a:t>
+                      </a:r>
+                      <a:endParaRPr lang="zh-TW" sz="3300" kern="100">
+                        <a:effectLst/>
+                        <a:latin typeface="微軟正黑體" panose="020B0604030504040204" pitchFamily="34" charset="-120"/>
+                        <a:ea typeface="微軟正黑體" panose="020B0604030504040204" pitchFamily="34" charset="-120"/>
+                      </a:endParaRPr>
+                    </a:p>
+                  </a:txBody>
+                  <a:tcPr marL="187710" marR="187710" marT="0" marB="0"/>
+                </a:tc>
+                <a:tc>
+                  <a:txBody>
+                    <a:bodyPr/>
+                    <a:lstStyle/>
+                    <a:p>
+                      <a:pPr algn="ctr">
+                        <a:spcAft>
+                          <a:spcPts val="0"/>
+                        </a:spcAft>
+                      </a:pPr>
+                      <a:r>
+                        <a:rPr lang="en-US" sz="2200" kern="100">
+                          <a:effectLst/>
+                          <a:latin typeface="微軟正黑體" panose="020B0604030504040204" pitchFamily="34" charset="-120"/>
+                          <a:ea typeface="微軟正黑體" panose="020B0604030504040204" pitchFamily="34" charset="-120"/>
+                        </a:rPr>
+                        <a:t> </a:t>
+                      </a:r>
+                      <a:endParaRPr lang="zh-TW" sz="3300" kern="100">
+                        <a:effectLst/>
+                        <a:latin typeface="微軟正黑體" panose="020B0604030504040204" pitchFamily="34" charset="-120"/>
+                        <a:ea typeface="微軟正黑體" panose="020B0604030504040204" pitchFamily="34" charset="-120"/>
+                      </a:endParaRPr>
+                    </a:p>
+                  </a:txBody>
+                  <a:tcPr marL="187710" marR="187710" marT="0" marB="0"/>
+                </a:tc>
+                <a:tc>
+                  <a:txBody>
+                    <a:bodyPr/>
+                    <a:lstStyle/>
+                    <a:p>
+                      <a:pPr algn="ctr">
+                        <a:spcAft>
+                          <a:spcPts val="0"/>
+                        </a:spcAft>
+                      </a:pPr>
+                      <a:r>
+                        <a:rPr lang="zh-TW" sz="2200" kern="100" dirty="0">
+                          <a:effectLst/>
+                          <a:latin typeface="微軟正黑體" panose="020B0604030504040204" pitchFamily="34" charset="-120"/>
+                          <a:ea typeface="微軟正黑體" panose="020B0604030504040204" pitchFamily="34" charset="-120"/>
+                        </a:rPr>
+                        <a:t>■</a:t>
+                      </a:r>
+                      <a:endParaRPr lang="zh-TW" sz="3300" kern="100" dirty="0">
+                        <a:effectLst/>
+                        <a:latin typeface="微軟正黑體" panose="020B0604030504040204" pitchFamily="34" charset="-120"/>
+                        <a:ea typeface="微軟正黑體" panose="020B0604030504040204" pitchFamily="34" charset="-120"/>
+                      </a:endParaRPr>
+                    </a:p>
+                  </a:txBody>
+                  <a:tcPr marL="187710" marR="187710" marT="0" marB="0"/>
+                </a:tc>
+              </a:tr>
+            </a:tbl>
+          </a:graphicData>
+        </a:graphic>
+      </p:graphicFrame>
     </p:spTree>
     <p:extLst>
       <p:ext uri="{BB962C8B-B14F-4D97-AF65-F5344CB8AC3E}">
-        <p14:creationId xmlns:p14="http://schemas.microsoft.com/office/powerpoint/2010/main" val="1924423371"/>
-      </p:ext>
-    </p:extLst>
-  </p:cSld>
-  <p:clrMapOvr>
-    <a:masterClrMapping/>
-  </p:clrMapOvr>
-  <p:timing>
-    <p:tnLst>
-      <p:par>
-        <p:cTn id="1" dur="indefinite" restart="never" nodeType="tmRoot"/>
-      </p:par>
-    </p:tnLst>
-  </p:timing>
-</p:sld>
-</file>
-
-<file path=ppt/slides/slide9.xml><?xml version="1.0" encoding="utf-8"?>
-<p:sld xmlns:a="http://schemas.openxmlformats.org/drawingml/2006/main" xmlns:r="http://schemas.openxmlformats.org/officeDocument/2006/relationships" xmlns:p="http://schemas.openxmlformats.org/presentationml/2006/main">
-  <p:cSld>
-    <p:spTree>
-      <p:nvGrpSpPr>
-        <p:cNvPr id="1" name=""/>
-        <p:cNvGrpSpPr/>
-        <p:nvPr/>
-      </p:nvGrpSpPr>
-      <p:grpSpPr>
-        <a:xfrm>
-          <a:off x="0" y="0"/>
-          <a:ext cx="0" cy="0"/>
-          <a:chOff x="0" y="0"/>
-          <a:chExt cx="0" cy="0"/>
-        </a:xfrm>
-      </p:grpSpPr>
-      <p:sp>
-        <p:nvSpPr>
-          <p:cNvPr id="2" name="Title 1"/>
-          <p:cNvSpPr>
-            <a:spLocks noGrp="1"/>
-          </p:cNvSpPr>
-          <p:nvPr>
-            <p:ph type="title"/>
-          </p:nvPr>
-        </p:nvSpPr>
-        <p:spPr/>
-        <p:txBody>
-          <a:bodyPr/>
-          <a:lstStyle/>
-          <a:p>
-            <a:r>
-              <a:rPr lang="en-US" dirty="0" smtClean="0"/>
-              <a:t>Resource Required</a:t>
-            </a:r>
-            <a:endParaRPr lang="en-US" dirty="0"/>
-          </a:p>
-        </p:txBody>
-      </p:sp>
-      <p:sp>
-        <p:nvSpPr>
-          <p:cNvPr id="3" name="Content Placeholder 2"/>
-          <p:cNvSpPr>
-            <a:spLocks noGrp="1"/>
-          </p:cNvSpPr>
-          <p:nvPr>
-            <p:ph idx="1"/>
-          </p:nvPr>
-        </p:nvSpPr>
-        <p:spPr/>
-        <p:txBody>
-          <a:bodyPr/>
-          <a:lstStyle/>
-          <a:p>
-            <a:r>
-              <a:rPr lang="en-US" sz="2800" dirty="0" smtClean="0"/>
-              <a:t>Device and tools</a:t>
-            </a:r>
-          </a:p>
-          <a:p>
-            <a:pPr lvl="1"/>
-            <a:r>
-              <a:rPr lang="en-US" dirty="0" smtClean="0"/>
-              <a:t>google calendar, google keep, Trello, google doc, google excel, office </a:t>
-            </a:r>
-            <a:r>
-              <a:rPr lang="en-US" dirty="0" err="1" smtClean="0"/>
-              <a:t>visio</a:t>
-            </a:r>
-            <a:endParaRPr lang="en-US" dirty="0" smtClean="0"/>
-          </a:p>
-          <a:p>
-            <a:pPr lvl="1"/>
-            <a:r>
-              <a:rPr lang="zh-TW" altLang="en-US" dirty="0"/>
-              <a:t>政府資料開放</a:t>
-            </a:r>
-            <a:r>
-              <a:rPr lang="zh-TW" altLang="en-US" dirty="0" smtClean="0"/>
-              <a:t>平台，氣象資料開放平台，行政院環境保護署。</a:t>
-            </a:r>
-            <a:endParaRPr lang="zh-TW" altLang="en-US" dirty="0">
-              <a:hlinkClick r:id="rId3"/>
-            </a:endParaRPr>
-          </a:p>
-          <a:p>
-            <a:pPr lvl="1"/>
-            <a:r>
-              <a:rPr lang="en-US" dirty="0" err="1" smtClean="0"/>
-              <a:t>Chatbot</a:t>
-            </a:r>
-            <a:endParaRPr lang="en-US" dirty="0"/>
-          </a:p>
-          <a:p>
-            <a:endParaRPr lang="en-US" sz="2800" dirty="0" smtClean="0"/>
-          </a:p>
-        </p:txBody>
-      </p:sp>
-    </p:spTree>
-    <p:extLst>
-      <p:ext uri="{BB962C8B-B14F-4D97-AF65-F5344CB8AC3E}">
-        <p14:creationId xmlns:p14="http://schemas.microsoft.com/office/powerpoint/2010/main" val="311315968"/>
+        <p14:creationId xmlns:p14="http://schemas.microsoft.com/office/powerpoint/2010/main" val="3585550189"/>
       </p:ext>
     </p:extLst>
   </p:cSld>
@@ -8507,12 +10762,12 @@
 </file>
 
 <file path=customXml/item1.xml><?xml version="1.0" encoding="utf-8"?>
-<?mso-contentType ?>
-<FormTemplates xmlns="http://schemas.microsoft.com/sharepoint/v3/contenttype/forms">
-  <Display>DocumentLibraryForm</Display>
-  <Edit>DocumentLibraryForm</Edit>
-  <New>DocumentLibraryForm</New>
-</FormTemplates>
+<p:properties xmlns:p="http://schemas.microsoft.com/office/2006/metadata/properties" xmlns:xsi="http://www.w3.org/2001/XMLSchema-instance" xmlns:pc="http://schemas.microsoft.com/office/infopath/2007/PartnerControls">
+  <documentManagement>
+    <_Version xmlns="http://schemas.microsoft.com/sharepoint/v3/fields" xsi:nil="true"/>
+    <_Status xmlns="http://schemas.microsoft.com/sharepoint/v3/fields">Not Started</_Status>
+  </documentManagement>
+</p:properties>
 </file>
 
 <file path=customXml/item2.xml><?xml version="1.0" encoding="utf-8"?>
@@ -8660,18 +10915,26 @@
 </file>
 
 <file path=customXml/item3.xml><?xml version="1.0" encoding="utf-8"?>
-<p:properties xmlns:p="http://schemas.microsoft.com/office/2006/metadata/properties" xmlns:xsi="http://www.w3.org/2001/XMLSchema-instance" xmlns:pc="http://schemas.microsoft.com/office/infopath/2007/PartnerControls">
-  <documentManagement>
-    <_Version xmlns="http://schemas.microsoft.com/sharepoint/v3/fields" xsi:nil="true"/>
-    <_Status xmlns="http://schemas.microsoft.com/sharepoint/v3/fields">Not Started</_Status>
-  </documentManagement>
-</p:properties>
+<?mso-contentType ?>
+<FormTemplates xmlns="http://schemas.microsoft.com/sharepoint/v3/contenttype/forms">
+  <Display>DocumentLibraryForm</Display>
+  <Edit>DocumentLibraryForm</Edit>
+  <New>DocumentLibraryForm</New>
+</FormTemplates>
 </file>
 
 <file path=customXml/itemProps1.xml><?xml version="1.0" encoding="utf-8"?>
-<ds:datastoreItem xmlns:ds="http://schemas.openxmlformats.org/officeDocument/2006/customXml" ds:itemID="{87D2A1B0-FF3E-4009-940D-AED0EB70AA20}">
+<ds:datastoreItem xmlns:ds="http://schemas.openxmlformats.org/officeDocument/2006/customXml" ds:itemID="{7B6F2769-7194-4217-93D3-3AF3A4742282}">
   <ds:schemaRefs>
-    <ds:schemaRef ds:uri="http://schemas.microsoft.com/sharepoint/v3/contenttype/forms"/>
+    <ds:schemaRef ds:uri="http://purl.org/dc/dcmitype/"/>
+    <ds:schemaRef ds:uri="http://purl.org/dc/terms/"/>
+    <ds:schemaRef ds:uri="http://www.w3.org/XML/1998/namespace"/>
+    <ds:schemaRef ds:uri="http://purl.org/dc/elements/1.1/"/>
+    <ds:schemaRef ds:uri="http://schemas.microsoft.com/office/2006/metadata/properties"/>
+    <ds:schemaRef ds:uri="http://schemas.microsoft.com/office/2006/documentManagement/types"/>
+    <ds:schemaRef ds:uri="http://schemas.microsoft.com/office/infopath/2007/PartnerControls"/>
+    <ds:schemaRef ds:uri="http://schemas.openxmlformats.org/package/2006/metadata/core-properties"/>
+    <ds:schemaRef ds:uri="http://schemas.microsoft.com/sharepoint/v3/fields"/>
   </ds:schemaRefs>
 </ds:datastoreItem>
 </file>
@@ -8695,17 +10958,9 @@
 </file>
 
 <file path=customXml/itemProps3.xml><?xml version="1.0" encoding="utf-8"?>
-<ds:datastoreItem xmlns:ds="http://schemas.openxmlformats.org/officeDocument/2006/customXml" ds:itemID="{7B6F2769-7194-4217-93D3-3AF3A4742282}">
+<ds:datastoreItem xmlns:ds="http://schemas.openxmlformats.org/officeDocument/2006/customXml" ds:itemID="{87D2A1B0-FF3E-4009-940D-AED0EB70AA20}">
   <ds:schemaRefs>
-    <ds:schemaRef ds:uri="http://purl.org/dc/dcmitype/"/>
-    <ds:schemaRef ds:uri="http://purl.org/dc/terms/"/>
-    <ds:schemaRef ds:uri="http://www.w3.org/XML/1998/namespace"/>
-    <ds:schemaRef ds:uri="http://purl.org/dc/elements/1.1/"/>
-    <ds:schemaRef ds:uri="http://schemas.microsoft.com/office/2006/metadata/properties"/>
-    <ds:schemaRef ds:uri="http://schemas.microsoft.com/office/2006/documentManagement/types"/>
-    <ds:schemaRef ds:uri="http://schemas.microsoft.com/office/infopath/2007/PartnerControls"/>
-    <ds:schemaRef ds:uri="http://schemas.openxmlformats.org/package/2006/metadata/core-properties"/>
-    <ds:schemaRef ds:uri="http://schemas.microsoft.com/sharepoint/v3/fields"/>
+    <ds:schemaRef ds:uri="http://schemas.microsoft.com/sharepoint/v3/contenttype/forms"/>
   </ds:schemaRefs>
 </ds:datastoreItem>
 </file>